--- a/Fig/FlowChart.pptx
+++ b/Fig/FlowChart.pptx
@@ -3512,2168 +3512,2147 @@
           <a:chExt cx="0" cy="0"/>
         </a:xfrm>
       </p:grpSpPr>
-      <p:grpSp>
-        <p:nvGrpSpPr>
-          <p:cNvPr id="4" name="组合 3"/>
-          <p:cNvGrpSpPr>
-            <a:grpSpLocks noChangeAspect="1"/>
-          </p:cNvGrpSpPr>
+      <p:sp>
+        <p:nvSpPr>
+          <p:cNvPr id="6" name="圆角矩形 5"/>
+          <p:cNvSpPr/>
           <p:nvPr/>
-        </p:nvGrpSpPr>
-        <p:grpSpPr>
+        </p:nvSpPr>
+        <p:spPr>
           <a:xfrm>
             <a:off x="35496" y="1440000"/>
-            <a:ext cx="11762145" cy="4320000"/>
-            <a:chOff x="35496" y="1440000"/>
-            <a:chExt cx="11762145" cy="4320000"/>
-          </a:xfrm>
-        </p:grpSpPr>
-        <p:sp>
-          <p:nvSpPr>
-            <p:cNvPr id="6" name="圆角矩形 5"/>
-            <p:cNvSpPr/>
-            <p:nvPr/>
-          </p:nvSpPr>
-          <p:spPr>
-            <a:xfrm>
-              <a:off x="35496" y="1440000"/>
-              <a:ext cx="901358" cy="4320000"/>
-            </a:xfrm>
-            <a:prstGeom prst="roundRect">
-              <a:avLst/>
-            </a:prstGeom>
-            <a:solidFill>
-              <a:schemeClr val="accent4">
-                <a:lumMod val="20000"/>
-                <a:lumOff val="80000"/>
-              </a:schemeClr>
-            </a:solidFill>
-            <a:ln>
-              <a:noFill/>
-            </a:ln>
-          </p:spPr>
-          <p:style>
-            <a:lnRef idx="2">
-              <a:schemeClr val="accent1">
-                <a:shade val="50000"/>
-              </a:schemeClr>
-            </a:lnRef>
-            <a:fillRef idx="1">
-              <a:schemeClr val="accent1"/>
-            </a:fillRef>
-            <a:effectRef idx="0">
-              <a:schemeClr val="accent1"/>
-            </a:effectRef>
-            <a:fontRef idx="minor">
-              <a:schemeClr val="lt1"/>
-            </a:fontRef>
-          </p:style>
-          <p:txBody>
-            <a:bodyPr rtlCol="0" anchor="t" anchorCtr="1"/>
-            <a:lstStyle/>
-            <a:p>
-              <a:pPr algn="ctr"/>
-              <a:r>
-                <a:rPr lang="en-US" altLang="zh-CN" sz="1600" b="1" dirty="0" smtClean="0">
-                  <a:solidFill>
-                    <a:schemeClr val="tx1"/>
-                  </a:solidFill>
-                </a:rPr>
-                <a:t>Input</a:t>
-              </a:r>
-              <a:endParaRPr lang="zh-CN" altLang="en-US" sz="1600" b="1" dirty="0">
+            <a:ext cx="901358" cy="4320000"/>
+          </a:xfrm>
+          <a:prstGeom prst="roundRect">
+            <a:avLst/>
+          </a:prstGeom>
+          <a:solidFill>
+            <a:schemeClr val="bg1">
+              <a:lumMod val="95000"/>
+            </a:schemeClr>
+          </a:solidFill>
+          <a:ln>
+            <a:noFill/>
+          </a:ln>
+        </p:spPr>
+        <p:style>
+          <a:lnRef idx="2">
+            <a:schemeClr val="accent1">
+              <a:shade val="50000"/>
+            </a:schemeClr>
+          </a:lnRef>
+          <a:fillRef idx="1">
+            <a:schemeClr val="accent1"/>
+          </a:fillRef>
+          <a:effectRef idx="0">
+            <a:schemeClr val="accent1"/>
+          </a:effectRef>
+          <a:fontRef idx="minor">
+            <a:schemeClr val="lt1"/>
+          </a:fontRef>
+        </p:style>
+        <p:txBody>
+          <a:bodyPr rtlCol="0" anchor="t" anchorCtr="1"/>
+          <a:lstStyle/>
+          <a:p>
+            <a:pPr algn="ctr"/>
+            <a:r>
+              <a:rPr lang="en-US" altLang="zh-CN" sz="1600" b="1" dirty="0" smtClean="0">
                 <a:solidFill>
                   <a:schemeClr val="tx1"/>
                 </a:solidFill>
-              </a:endParaRPr>
-            </a:p>
-          </p:txBody>
-        </p:sp>
-        <p:sp>
-          <p:nvSpPr>
-            <p:cNvPr id="9" name="圆角矩形 8"/>
-            <p:cNvSpPr/>
-            <p:nvPr/>
-          </p:nvSpPr>
-          <p:spPr>
-            <a:xfrm>
-              <a:off x="161984" y="3429000"/>
-              <a:ext cx="630000" cy="540000"/>
-            </a:xfrm>
-            <a:prstGeom prst="roundRect">
-              <a:avLst/>
-            </a:prstGeom>
+              </a:rPr>
+              <a:t>Input</a:t>
+            </a:r>
+            <a:endParaRPr lang="zh-CN" altLang="en-US" sz="1600" b="1" dirty="0">
+              <a:solidFill>
+                <a:schemeClr val="tx1"/>
+              </a:solidFill>
+            </a:endParaRPr>
+          </a:p>
+        </p:txBody>
+      </p:sp>
+      <p:sp>
+        <p:nvSpPr>
+          <p:cNvPr id="9" name="圆角矩形 8"/>
+          <p:cNvSpPr/>
+          <p:nvPr/>
+        </p:nvSpPr>
+        <p:spPr>
+          <a:xfrm>
+            <a:off x="161984" y="3429000"/>
+            <a:ext cx="630000" cy="540000"/>
+          </a:xfrm>
+          <a:prstGeom prst="roundRect">
+            <a:avLst/>
+          </a:prstGeom>
+          <a:solidFill>
+            <a:schemeClr val="accent2">
+              <a:lumMod val="75000"/>
+            </a:schemeClr>
+          </a:solidFill>
+          <a:ln>
             <a:solidFill>
-              <a:schemeClr val="accent2">
-                <a:lumMod val="75000"/>
-              </a:schemeClr>
+              <a:schemeClr val="bg1"/>
             </a:solidFill>
-            <a:ln>
-              <a:solidFill>
-                <a:schemeClr val="bg1"/>
-              </a:solidFill>
-            </a:ln>
-          </p:spPr>
-          <p:style>
-            <a:lnRef idx="2">
-              <a:schemeClr val="accent1">
-                <a:shade val="50000"/>
-              </a:schemeClr>
-            </a:lnRef>
-            <a:fillRef idx="1">
-              <a:schemeClr val="accent1"/>
-            </a:fillRef>
-            <a:effectRef idx="0">
-              <a:schemeClr val="accent1"/>
-            </a:effectRef>
-            <a:fontRef idx="minor">
-              <a:schemeClr val="lt1"/>
-            </a:fontRef>
-          </p:style>
-          <p:txBody>
-            <a:bodyPr rtlCol="0" anchor="ctr"/>
-            <a:lstStyle/>
-            <a:p>
-              <a:pPr algn="ctr"/>
-              <a:r>
-                <a:rPr lang="en-US" altLang="zh-CN" sz="1600" dirty="0" smtClean="0"/>
-                <a:t>Data</a:t>
-              </a:r>
-              <a:endParaRPr lang="zh-CN" altLang="en-US" sz="1600" dirty="0"/>
-            </a:p>
-          </p:txBody>
-        </p:sp>
-        <p:sp>
-          <p:nvSpPr>
-            <p:cNvPr id="8" name="圆角矩形 7"/>
-            <p:cNvSpPr/>
-            <p:nvPr/>
-          </p:nvSpPr>
-          <p:spPr>
-            <a:xfrm>
-              <a:off x="1161840" y="1440000"/>
-              <a:ext cx="1530000" cy="4320000"/>
-            </a:xfrm>
-            <a:prstGeom prst="roundRect">
-              <a:avLst/>
-            </a:prstGeom>
-            <a:solidFill>
-              <a:schemeClr val="accent4">
-                <a:lumMod val="20000"/>
-                <a:lumOff val="80000"/>
-              </a:schemeClr>
-            </a:solidFill>
-            <a:ln>
-              <a:noFill/>
-            </a:ln>
-          </p:spPr>
-          <p:style>
-            <a:lnRef idx="2">
-              <a:schemeClr val="accent1">
-                <a:shade val="50000"/>
-              </a:schemeClr>
-            </a:lnRef>
-            <a:fillRef idx="1">
-              <a:schemeClr val="accent1"/>
-            </a:fillRef>
-            <a:effectRef idx="0">
-              <a:schemeClr val="accent1"/>
-            </a:effectRef>
-            <a:fontRef idx="minor">
-              <a:schemeClr val="lt1"/>
-            </a:fontRef>
-          </p:style>
-          <p:txBody>
-            <a:bodyPr rtlCol="0" anchor="t" anchorCtr="1"/>
-            <a:lstStyle/>
-            <a:p>
-              <a:pPr algn="ctr"/>
-              <a:r>
-                <a:rPr lang="en-US" altLang="zh-CN" sz="1600" b="1" dirty="0" smtClean="0">
-                  <a:solidFill>
-                    <a:schemeClr val="tx1"/>
-                  </a:solidFill>
-                </a:rPr>
-                <a:t>Preprocessing</a:t>
-              </a:r>
-              <a:endParaRPr lang="zh-CN" altLang="en-US" sz="1600" b="1" dirty="0">
+          </a:ln>
+        </p:spPr>
+        <p:style>
+          <a:lnRef idx="2">
+            <a:schemeClr val="accent1">
+              <a:shade val="50000"/>
+            </a:schemeClr>
+          </a:lnRef>
+          <a:fillRef idx="1">
+            <a:schemeClr val="accent1"/>
+          </a:fillRef>
+          <a:effectRef idx="0">
+            <a:schemeClr val="accent1"/>
+          </a:effectRef>
+          <a:fontRef idx="minor">
+            <a:schemeClr val="lt1"/>
+          </a:fontRef>
+        </p:style>
+        <p:txBody>
+          <a:bodyPr rtlCol="0" anchor="ctr"/>
+          <a:lstStyle/>
+          <a:p>
+            <a:pPr algn="ctr"/>
+            <a:r>
+              <a:rPr lang="en-US" altLang="zh-CN" sz="1600" dirty="0" smtClean="0"/>
+              <a:t>Data</a:t>
+            </a:r>
+            <a:endParaRPr lang="zh-CN" altLang="en-US" sz="1600" dirty="0"/>
+          </a:p>
+        </p:txBody>
+      </p:sp>
+      <p:sp>
+        <p:nvSpPr>
+          <p:cNvPr id="8" name="圆角矩形 7"/>
+          <p:cNvSpPr/>
+          <p:nvPr/>
+        </p:nvSpPr>
+        <p:spPr>
+          <a:xfrm>
+            <a:off x="1161840" y="1440000"/>
+            <a:ext cx="1530000" cy="4320000"/>
+          </a:xfrm>
+          <a:prstGeom prst="roundRect">
+            <a:avLst/>
+          </a:prstGeom>
+          <a:solidFill>
+            <a:schemeClr val="accent4">
+              <a:lumMod val="20000"/>
+              <a:lumOff val="80000"/>
+            </a:schemeClr>
+          </a:solidFill>
+          <a:ln>
+            <a:noFill/>
+          </a:ln>
+        </p:spPr>
+        <p:style>
+          <a:lnRef idx="2">
+            <a:schemeClr val="accent1">
+              <a:shade val="50000"/>
+            </a:schemeClr>
+          </a:lnRef>
+          <a:fillRef idx="1">
+            <a:schemeClr val="accent1"/>
+          </a:fillRef>
+          <a:effectRef idx="0">
+            <a:schemeClr val="accent1"/>
+          </a:effectRef>
+          <a:fontRef idx="minor">
+            <a:schemeClr val="lt1"/>
+          </a:fontRef>
+        </p:style>
+        <p:txBody>
+          <a:bodyPr rtlCol="0" anchor="t" anchorCtr="1"/>
+          <a:lstStyle/>
+          <a:p>
+            <a:pPr algn="ctr"/>
+            <a:r>
+              <a:rPr lang="en-US" altLang="zh-CN" sz="1600" b="1" dirty="0" smtClean="0">
                 <a:solidFill>
                   <a:schemeClr val="tx1"/>
                 </a:solidFill>
-              </a:endParaRPr>
-            </a:p>
-          </p:txBody>
-        </p:sp>
-        <p:sp>
-          <p:nvSpPr>
-            <p:cNvPr id="7" name="圆角矩形 6"/>
-            <p:cNvSpPr/>
-            <p:nvPr/>
-          </p:nvSpPr>
-          <p:spPr>
-            <a:xfrm>
-              <a:off x="1295984" y="3537072"/>
-              <a:ext cx="1260000" cy="540000"/>
-            </a:xfrm>
-            <a:prstGeom prst="roundRect">
-              <a:avLst/>
-            </a:prstGeom>
+              </a:rPr>
+              <a:t>Preprocessing</a:t>
+            </a:r>
+            <a:endParaRPr lang="zh-CN" altLang="en-US" sz="1600" b="1" dirty="0">
+              <a:solidFill>
+                <a:schemeClr val="tx1"/>
+              </a:solidFill>
+            </a:endParaRPr>
+          </a:p>
+        </p:txBody>
+      </p:sp>
+      <p:sp>
+        <p:nvSpPr>
+          <p:cNvPr id="10" name="圆角矩形 9"/>
+          <p:cNvSpPr/>
+          <p:nvPr/>
+        </p:nvSpPr>
+        <p:spPr>
+          <a:xfrm>
+            <a:off x="1295776" y="3717032"/>
+            <a:ext cx="1260000" cy="540000"/>
+          </a:xfrm>
+          <a:prstGeom prst="roundRect">
+            <a:avLst/>
+          </a:prstGeom>
+          <a:solidFill>
+            <a:schemeClr val="accent4">
+              <a:lumMod val="75000"/>
+            </a:schemeClr>
+          </a:solidFill>
+          <a:ln>
             <a:solidFill>
-              <a:schemeClr val="accent4">
-                <a:lumMod val="75000"/>
-              </a:schemeClr>
+              <a:schemeClr val="bg1"/>
             </a:solidFill>
-            <a:ln>
-              <a:solidFill>
-                <a:schemeClr val="bg1"/>
-              </a:solidFill>
-            </a:ln>
-          </p:spPr>
-          <p:style>
-            <a:lnRef idx="2">
-              <a:schemeClr val="accent1">
-                <a:shade val="50000"/>
-              </a:schemeClr>
-            </a:lnRef>
-            <a:fillRef idx="1">
-              <a:schemeClr val="accent1"/>
-            </a:fillRef>
-            <a:effectRef idx="0">
-              <a:schemeClr val="accent1"/>
-            </a:effectRef>
-            <a:fontRef idx="minor">
-              <a:schemeClr val="lt1"/>
-            </a:fontRef>
-          </p:style>
-          <p:txBody>
-            <a:bodyPr rtlCol="0" anchor="ctr"/>
-            <a:lstStyle/>
-            <a:p>
-              <a:pPr algn="ctr"/>
-              <a:r>
-                <a:rPr lang="en-US" altLang="zh-CN" sz="1400" dirty="0" smtClean="0"/>
-                <a:t>Dropping HTML tags</a:t>
-              </a:r>
-              <a:endParaRPr lang="zh-CN" altLang="en-US" sz="1400" dirty="0"/>
-            </a:p>
-          </p:txBody>
-        </p:sp>
-        <p:sp>
-          <p:nvSpPr>
-            <p:cNvPr id="10" name="圆角矩形 9"/>
-            <p:cNvSpPr/>
-            <p:nvPr/>
-          </p:nvSpPr>
-          <p:spPr>
-            <a:xfrm>
-              <a:off x="1295984" y="4117826"/>
-              <a:ext cx="1260000" cy="535310"/>
-            </a:xfrm>
-            <a:prstGeom prst="roundRect">
-              <a:avLst/>
-            </a:prstGeom>
+          </a:ln>
+        </p:spPr>
+        <p:style>
+          <a:lnRef idx="2">
+            <a:schemeClr val="accent1">
+              <a:shade val="50000"/>
+            </a:schemeClr>
+          </a:lnRef>
+          <a:fillRef idx="1">
+            <a:schemeClr val="accent1"/>
+          </a:fillRef>
+          <a:effectRef idx="0">
+            <a:schemeClr val="accent1"/>
+          </a:effectRef>
+          <a:fontRef idx="minor">
+            <a:schemeClr val="lt1"/>
+          </a:fontRef>
+        </p:style>
+        <p:txBody>
+          <a:bodyPr rtlCol="0" anchor="ctr"/>
+          <a:lstStyle/>
+          <a:p>
+            <a:pPr algn="ctr"/>
+            <a:r>
+              <a:rPr lang="en-US" altLang="zh-CN" sz="1400" dirty="0" smtClean="0"/>
+              <a:t>Word Replacement</a:t>
+            </a:r>
+            <a:endParaRPr lang="zh-CN" altLang="en-US" sz="1400" dirty="0"/>
+          </a:p>
+        </p:txBody>
+      </p:sp>
+      <p:sp>
+        <p:nvSpPr>
+          <p:cNvPr id="11" name="圆角矩形 10"/>
+          <p:cNvSpPr/>
+          <p:nvPr/>
+        </p:nvSpPr>
+        <p:spPr>
+          <a:xfrm>
+            <a:off x="1302585" y="4653136"/>
+            <a:ext cx="1260000" cy="290412"/>
+          </a:xfrm>
+          <a:prstGeom prst="roundRect">
+            <a:avLst/>
+          </a:prstGeom>
+          <a:solidFill>
+            <a:schemeClr val="accent4">
+              <a:lumMod val="75000"/>
+            </a:schemeClr>
+          </a:solidFill>
+          <a:ln>
             <a:solidFill>
-              <a:schemeClr val="accent4">
-                <a:lumMod val="75000"/>
-              </a:schemeClr>
+              <a:schemeClr val="bg1"/>
             </a:solidFill>
-            <a:ln>
-              <a:solidFill>
-                <a:schemeClr val="bg1"/>
-              </a:solidFill>
-            </a:ln>
-          </p:spPr>
-          <p:style>
-            <a:lnRef idx="2">
-              <a:schemeClr val="accent1">
-                <a:shade val="50000"/>
-              </a:schemeClr>
-            </a:lnRef>
-            <a:fillRef idx="1">
-              <a:schemeClr val="accent1"/>
-            </a:fillRef>
-            <a:effectRef idx="0">
-              <a:schemeClr val="accent1"/>
-            </a:effectRef>
-            <a:fontRef idx="minor">
-              <a:schemeClr val="lt1"/>
-            </a:fontRef>
-          </p:style>
-          <p:txBody>
-            <a:bodyPr rtlCol="0" anchor="ctr"/>
-            <a:lstStyle/>
-            <a:p>
-              <a:pPr algn="ctr"/>
-              <a:r>
-                <a:rPr lang="en-US" altLang="zh-CN" sz="1400" dirty="0" smtClean="0"/>
-                <a:t>Word Replacement</a:t>
-              </a:r>
-              <a:endParaRPr lang="zh-CN" altLang="en-US" sz="1400" dirty="0"/>
-            </a:p>
-          </p:txBody>
-        </p:sp>
-        <p:sp>
-          <p:nvSpPr>
-            <p:cNvPr id="11" name="圆角矩形 10"/>
-            <p:cNvSpPr/>
-            <p:nvPr/>
-          </p:nvSpPr>
-          <p:spPr>
-            <a:xfrm>
-              <a:off x="1302585" y="4722764"/>
-              <a:ext cx="1260000" cy="290412"/>
-            </a:xfrm>
-            <a:prstGeom prst="roundRect">
-              <a:avLst/>
-            </a:prstGeom>
-            <a:solidFill>
-              <a:schemeClr val="accent4">
-                <a:lumMod val="75000"/>
-              </a:schemeClr>
-            </a:solidFill>
-            <a:ln>
-              <a:solidFill>
-                <a:schemeClr val="bg1"/>
-              </a:solidFill>
-            </a:ln>
-          </p:spPr>
-          <p:style>
-            <a:lnRef idx="2">
-              <a:schemeClr val="accent1">
-                <a:shade val="50000"/>
-              </a:schemeClr>
-            </a:lnRef>
-            <a:fillRef idx="1">
-              <a:schemeClr val="accent1"/>
-            </a:fillRef>
-            <a:effectRef idx="0">
-              <a:schemeClr val="accent1"/>
-            </a:effectRef>
-            <a:fontRef idx="minor">
-              <a:schemeClr val="lt1"/>
-            </a:fontRef>
-          </p:style>
-          <p:txBody>
-            <a:bodyPr rtlCol="0" anchor="ctr"/>
-            <a:lstStyle/>
-            <a:p>
-              <a:pPr algn="ctr"/>
-              <a:r>
-                <a:rPr lang="en-US" altLang="zh-CN" sz="1400" dirty="0" smtClean="0"/>
-                <a:t>Stemming</a:t>
-              </a:r>
-              <a:endParaRPr lang="zh-CN" altLang="en-US" sz="1400" dirty="0"/>
-            </a:p>
-          </p:txBody>
-        </p:sp>
-        <p:sp>
-          <p:nvSpPr>
-            <p:cNvPr id="13" name="圆角矩形 12"/>
-            <p:cNvSpPr/>
-            <p:nvPr/>
-          </p:nvSpPr>
-          <p:spPr>
-            <a:xfrm>
-              <a:off x="2922625" y="1440000"/>
-              <a:ext cx="1577367" cy="4320000"/>
-            </a:xfrm>
-            <a:prstGeom prst="roundRect">
-              <a:avLst/>
-            </a:prstGeom>
-            <a:solidFill>
-              <a:schemeClr val="accent4">
-                <a:lumMod val="20000"/>
-                <a:lumOff val="80000"/>
-              </a:schemeClr>
-            </a:solidFill>
-            <a:ln>
-              <a:noFill/>
-            </a:ln>
-          </p:spPr>
-          <p:style>
-            <a:lnRef idx="2">
-              <a:schemeClr val="accent1">
-                <a:shade val="50000"/>
-              </a:schemeClr>
-            </a:lnRef>
-            <a:fillRef idx="1">
-              <a:schemeClr val="accent1"/>
-            </a:fillRef>
-            <a:effectRef idx="0">
-              <a:schemeClr val="accent1"/>
-            </a:effectRef>
-            <a:fontRef idx="minor">
-              <a:schemeClr val="lt1"/>
-            </a:fontRef>
-          </p:style>
-          <p:txBody>
-            <a:bodyPr rtlCol="0" anchor="t" anchorCtr="1"/>
-            <a:lstStyle/>
-            <a:p>
-              <a:pPr algn="ctr"/>
-              <a:r>
-                <a:rPr lang="en-US" altLang="zh-CN" sz="1600" b="1" dirty="0" smtClean="0">
-                  <a:solidFill>
-                    <a:schemeClr val="tx1"/>
-                  </a:solidFill>
-                </a:rPr>
-                <a:t>Feature Extraction</a:t>
-              </a:r>
-              <a:endParaRPr lang="zh-CN" altLang="en-US" sz="1600" b="1" dirty="0">
+          </a:ln>
+        </p:spPr>
+        <p:style>
+          <a:lnRef idx="2">
+            <a:schemeClr val="accent1">
+              <a:shade val="50000"/>
+            </a:schemeClr>
+          </a:lnRef>
+          <a:fillRef idx="1">
+            <a:schemeClr val="accent1"/>
+          </a:fillRef>
+          <a:effectRef idx="0">
+            <a:schemeClr val="accent1"/>
+          </a:effectRef>
+          <a:fontRef idx="minor">
+            <a:schemeClr val="lt1"/>
+          </a:fontRef>
+        </p:style>
+        <p:txBody>
+          <a:bodyPr rtlCol="0" anchor="ctr"/>
+          <a:lstStyle/>
+          <a:p>
+            <a:pPr algn="ctr"/>
+            <a:r>
+              <a:rPr lang="en-US" altLang="zh-CN" sz="1400" dirty="0" smtClean="0"/>
+              <a:t>Stemming</a:t>
+            </a:r>
+            <a:endParaRPr lang="zh-CN" altLang="en-US" sz="1400" dirty="0"/>
+          </a:p>
+        </p:txBody>
+      </p:sp>
+      <p:sp>
+        <p:nvSpPr>
+          <p:cNvPr id="13" name="圆角矩形 12"/>
+          <p:cNvSpPr/>
+          <p:nvPr/>
+        </p:nvSpPr>
+        <p:spPr>
+          <a:xfrm>
+            <a:off x="2922625" y="1440000"/>
+            <a:ext cx="1577367" cy="4320000"/>
+          </a:xfrm>
+          <a:prstGeom prst="roundRect">
+            <a:avLst/>
+          </a:prstGeom>
+          <a:solidFill>
+            <a:schemeClr val="bg1">
+              <a:lumMod val="95000"/>
+            </a:schemeClr>
+          </a:solidFill>
+          <a:ln>
+            <a:noFill/>
+          </a:ln>
+        </p:spPr>
+        <p:style>
+          <a:lnRef idx="2">
+            <a:schemeClr val="accent1">
+              <a:shade val="50000"/>
+            </a:schemeClr>
+          </a:lnRef>
+          <a:fillRef idx="1">
+            <a:schemeClr val="accent1"/>
+          </a:fillRef>
+          <a:effectRef idx="0">
+            <a:schemeClr val="accent1"/>
+          </a:effectRef>
+          <a:fontRef idx="minor">
+            <a:schemeClr val="lt1"/>
+          </a:fontRef>
+        </p:style>
+        <p:txBody>
+          <a:bodyPr rtlCol="0" anchor="t" anchorCtr="1"/>
+          <a:lstStyle/>
+          <a:p>
+            <a:pPr algn="ctr"/>
+            <a:r>
+              <a:rPr lang="en-US" altLang="zh-CN" sz="1600" b="1" dirty="0" smtClean="0">
                 <a:solidFill>
                   <a:schemeClr val="tx1"/>
                 </a:solidFill>
-              </a:endParaRPr>
-            </a:p>
-          </p:txBody>
-        </p:sp>
-        <p:sp>
-          <p:nvSpPr>
-            <p:cNvPr id="14" name="圆角矩形 13"/>
-            <p:cNvSpPr/>
-            <p:nvPr/>
-          </p:nvSpPr>
-          <p:spPr>
-            <a:xfrm>
-              <a:off x="3059832" y="2499931"/>
-              <a:ext cx="1332000" cy="288000"/>
-            </a:xfrm>
-            <a:prstGeom prst="roundRect">
-              <a:avLst/>
-            </a:prstGeom>
+              </a:rPr>
+              <a:t>Feature Extraction</a:t>
+            </a:r>
+            <a:endParaRPr lang="zh-CN" altLang="en-US" sz="1600" b="1" dirty="0">
+              <a:solidFill>
+                <a:schemeClr val="tx1"/>
+              </a:solidFill>
+            </a:endParaRPr>
+          </a:p>
+        </p:txBody>
+      </p:sp>
+      <p:sp>
+        <p:nvSpPr>
+          <p:cNvPr id="14" name="圆角矩形 13"/>
+          <p:cNvSpPr/>
+          <p:nvPr/>
+        </p:nvSpPr>
+        <p:spPr>
+          <a:xfrm>
+            <a:off x="3059832" y="2499931"/>
+            <a:ext cx="1332000" cy="288000"/>
+          </a:xfrm>
+          <a:prstGeom prst="roundRect">
+            <a:avLst/>
+          </a:prstGeom>
+          <a:solidFill>
+            <a:schemeClr val="bg2">
+              <a:lumMod val="50000"/>
+            </a:schemeClr>
+          </a:solidFill>
+          <a:ln>
             <a:solidFill>
-              <a:schemeClr val="bg2">
-                <a:lumMod val="50000"/>
-              </a:schemeClr>
+              <a:schemeClr val="bg1"/>
             </a:solidFill>
-            <a:ln>
-              <a:solidFill>
-                <a:schemeClr val="bg1"/>
-              </a:solidFill>
-            </a:ln>
-          </p:spPr>
-          <p:style>
-            <a:lnRef idx="2">
-              <a:schemeClr val="accent1">
-                <a:shade val="50000"/>
-              </a:schemeClr>
-            </a:lnRef>
-            <a:fillRef idx="1">
-              <a:schemeClr val="accent1"/>
-            </a:fillRef>
-            <a:effectRef idx="0">
-              <a:schemeClr val="accent1"/>
-            </a:effectRef>
-            <a:fontRef idx="minor">
-              <a:schemeClr val="lt1"/>
-            </a:fontRef>
-          </p:style>
-          <p:txBody>
-            <a:bodyPr rtlCol="0" anchor="ctr"/>
-            <a:lstStyle/>
-            <a:p>
-              <a:pPr algn="ctr"/>
-              <a:r>
-                <a:rPr lang="en-US" altLang="zh-CN" sz="1400" dirty="0" smtClean="0"/>
-                <a:t>Basic</a:t>
-              </a:r>
-              <a:endParaRPr lang="zh-CN" altLang="en-US" sz="1400" dirty="0"/>
-            </a:p>
-          </p:txBody>
-        </p:sp>
-        <p:sp>
-          <p:nvSpPr>
-            <p:cNvPr id="15" name="圆角矩形 14"/>
-            <p:cNvSpPr/>
-            <p:nvPr/>
-          </p:nvSpPr>
-          <p:spPr>
-            <a:xfrm>
-              <a:off x="3059832" y="4293096"/>
-              <a:ext cx="1332000" cy="288000"/>
-            </a:xfrm>
-            <a:prstGeom prst="roundRect">
-              <a:avLst/>
-            </a:prstGeom>
+          </a:ln>
+        </p:spPr>
+        <p:style>
+          <a:lnRef idx="2">
+            <a:schemeClr val="accent1">
+              <a:shade val="50000"/>
+            </a:schemeClr>
+          </a:lnRef>
+          <a:fillRef idx="1">
+            <a:schemeClr val="accent1"/>
+          </a:fillRef>
+          <a:effectRef idx="0">
+            <a:schemeClr val="accent1"/>
+          </a:effectRef>
+          <a:fontRef idx="minor">
+            <a:schemeClr val="lt1"/>
+          </a:fontRef>
+        </p:style>
+        <p:txBody>
+          <a:bodyPr rtlCol="0" anchor="ctr"/>
+          <a:lstStyle/>
+          <a:p>
+            <a:pPr algn="ctr"/>
+            <a:r>
+              <a:rPr lang="en-US" altLang="zh-CN" sz="1400" dirty="0" smtClean="0"/>
+              <a:t>Basic</a:t>
+            </a:r>
+            <a:endParaRPr lang="zh-CN" altLang="en-US" sz="1400" dirty="0"/>
+          </a:p>
+        </p:txBody>
+      </p:sp>
+      <p:sp>
+        <p:nvSpPr>
+          <p:cNvPr id="15" name="圆角矩形 14"/>
+          <p:cNvSpPr/>
+          <p:nvPr/>
+        </p:nvSpPr>
+        <p:spPr>
+          <a:xfrm>
+            <a:off x="3059832" y="4293096"/>
+            <a:ext cx="1332000" cy="288000"/>
+          </a:xfrm>
+          <a:prstGeom prst="roundRect">
+            <a:avLst/>
+          </a:prstGeom>
+          <a:solidFill>
+            <a:schemeClr val="bg2">
+              <a:lumMod val="50000"/>
+            </a:schemeClr>
+          </a:solidFill>
+          <a:ln>
             <a:solidFill>
-              <a:schemeClr val="bg2">
-                <a:lumMod val="50000"/>
-              </a:schemeClr>
+              <a:schemeClr val="bg1"/>
             </a:solidFill>
-            <a:ln>
-              <a:solidFill>
-                <a:schemeClr val="bg1"/>
-              </a:solidFill>
-            </a:ln>
-          </p:spPr>
-          <p:style>
-            <a:lnRef idx="2">
-              <a:schemeClr val="accent1">
-                <a:shade val="50000"/>
-              </a:schemeClr>
-            </a:lnRef>
-            <a:fillRef idx="1">
-              <a:schemeClr val="accent1"/>
-            </a:fillRef>
-            <a:effectRef idx="0">
-              <a:schemeClr val="accent1"/>
-            </a:effectRef>
-            <a:fontRef idx="minor">
-              <a:schemeClr val="lt1"/>
-            </a:fontRef>
-          </p:style>
-          <p:txBody>
-            <a:bodyPr rtlCol="0" anchor="ctr"/>
-            <a:lstStyle/>
-            <a:p>
-              <a:pPr algn="ctr"/>
-              <a:r>
-                <a:rPr lang="en-US" altLang="zh-CN" sz="1400" dirty="0" smtClean="0"/>
-                <a:t>Word2Vec</a:t>
-              </a:r>
-              <a:endParaRPr lang="zh-CN" altLang="en-US" sz="1400" dirty="0"/>
-            </a:p>
-          </p:txBody>
-        </p:sp>
-        <p:sp>
-          <p:nvSpPr>
-            <p:cNvPr id="16" name="圆角矩形 15"/>
-            <p:cNvSpPr/>
-            <p:nvPr/>
-          </p:nvSpPr>
-          <p:spPr>
-            <a:xfrm>
-              <a:off x="3059832" y="3933056"/>
-              <a:ext cx="1332000" cy="288000"/>
-            </a:xfrm>
-            <a:prstGeom prst="roundRect">
-              <a:avLst/>
-            </a:prstGeom>
+          </a:ln>
+        </p:spPr>
+        <p:style>
+          <a:lnRef idx="2">
+            <a:schemeClr val="accent1">
+              <a:shade val="50000"/>
+            </a:schemeClr>
+          </a:lnRef>
+          <a:fillRef idx="1">
+            <a:schemeClr val="accent1"/>
+          </a:fillRef>
+          <a:effectRef idx="0">
+            <a:schemeClr val="accent1"/>
+          </a:effectRef>
+          <a:fontRef idx="minor">
+            <a:schemeClr val="lt1"/>
+          </a:fontRef>
+        </p:style>
+        <p:txBody>
+          <a:bodyPr rtlCol="0" anchor="ctr"/>
+          <a:lstStyle/>
+          <a:p>
+            <a:pPr algn="ctr"/>
+            <a:r>
+              <a:rPr lang="en-US" altLang="zh-CN" sz="1400" dirty="0" smtClean="0"/>
+              <a:t>Word2Vec</a:t>
+            </a:r>
+            <a:endParaRPr lang="zh-CN" altLang="en-US" sz="1400" dirty="0"/>
+          </a:p>
+        </p:txBody>
+      </p:sp>
+      <p:sp>
+        <p:nvSpPr>
+          <p:cNvPr id="16" name="圆角矩形 15"/>
+          <p:cNvSpPr/>
+          <p:nvPr/>
+        </p:nvSpPr>
+        <p:spPr>
+          <a:xfrm>
+            <a:off x="3059832" y="3933056"/>
+            <a:ext cx="1332000" cy="288000"/>
+          </a:xfrm>
+          <a:prstGeom prst="roundRect">
+            <a:avLst/>
+          </a:prstGeom>
+          <a:solidFill>
+            <a:schemeClr val="bg2">
+              <a:lumMod val="50000"/>
+            </a:schemeClr>
+          </a:solidFill>
+          <a:ln>
             <a:solidFill>
-              <a:schemeClr val="bg2">
-                <a:lumMod val="50000"/>
-              </a:schemeClr>
+              <a:schemeClr val="bg1"/>
             </a:solidFill>
-            <a:ln>
-              <a:solidFill>
-                <a:schemeClr val="bg1"/>
-              </a:solidFill>
-            </a:ln>
-          </p:spPr>
-          <p:style>
-            <a:lnRef idx="2">
-              <a:schemeClr val="accent1">
-                <a:shade val="50000"/>
-              </a:schemeClr>
-            </a:lnRef>
-            <a:fillRef idx="1">
-              <a:schemeClr val="accent1"/>
-            </a:fillRef>
-            <a:effectRef idx="0">
-              <a:schemeClr val="accent1"/>
-            </a:effectRef>
-            <a:fontRef idx="minor">
-              <a:schemeClr val="lt1"/>
-            </a:fontRef>
-          </p:style>
-          <p:txBody>
-            <a:bodyPr rtlCol="0" anchor="ctr"/>
-            <a:lstStyle/>
-            <a:p>
-              <a:pPr algn="ctr"/>
-              <a:r>
-                <a:rPr lang="en-US" altLang="zh-CN" sz="1400" dirty="0" smtClean="0"/>
-                <a:t>Vector Space</a:t>
-              </a:r>
-              <a:endParaRPr lang="zh-CN" altLang="en-US" sz="1400" dirty="0"/>
-            </a:p>
-          </p:txBody>
-        </p:sp>
-        <p:sp>
-          <p:nvSpPr>
-            <p:cNvPr id="31" name="圆角矩形 30"/>
-            <p:cNvSpPr/>
-            <p:nvPr/>
-          </p:nvSpPr>
-          <p:spPr>
-            <a:xfrm>
-              <a:off x="3059832" y="4653136"/>
-              <a:ext cx="1332000" cy="288000"/>
-            </a:xfrm>
-            <a:prstGeom prst="roundRect">
-              <a:avLst/>
-            </a:prstGeom>
+          </a:ln>
+        </p:spPr>
+        <p:style>
+          <a:lnRef idx="2">
+            <a:schemeClr val="accent1">
+              <a:shade val="50000"/>
+            </a:schemeClr>
+          </a:lnRef>
+          <a:fillRef idx="1">
+            <a:schemeClr val="accent1"/>
+          </a:fillRef>
+          <a:effectRef idx="0">
+            <a:schemeClr val="accent1"/>
+          </a:effectRef>
+          <a:fontRef idx="minor">
+            <a:schemeClr val="lt1"/>
+          </a:fontRef>
+        </p:style>
+        <p:txBody>
+          <a:bodyPr rtlCol="0" anchor="ctr"/>
+          <a:lstStyle/>
+          <a:p>
+            <a:pPr algn="ctr"/>
+            <a:r>
+              <a:rPr lang="en-US" altLang="zh-CN" sz="1400" dirty="0" smtClean="0"/>
+              <a:t>Vector Space</a:t>
+            </a:r>
+            <a:endParaRPr lang="zh-CN" altLang="en-US" sz="1400" dirty="0"/>
+          </a:p>
+        </p:txBody>
+      </p:sp>
+      <p:sp>
+        <p:nvSpPr>
+          <p:cNvPr id="31" name="圆角矩形 30"/>
+          <p:cNvSpPr/>
+          <p:nvPr/>
+        </p:nvSpPr>
+        <p:spPr>
+          <a:xfrm>
+            <a:off x="3059832" y="4653136"/>
+            <a:ext cx="1332000" cy="288000"/>
+          </a:xfrm>
+          <a:prstGeom prst="roundRect">
+            <a:avLst/>
+          </a:prstGeom>
+          <a:solidFill>
+            <a:schemeClr val="bg2">
+              <a:lumMod val="50000"/>
+            </a:schemeClr>
+          </a:solidFill>
+          <a:ln>
             <a:solidFill>
-              <a:schemeClr val="bg2">
-                <a:lumMod val="50000"/>
-              </a:schemeClr>
+              <a:schemeClr val="bg1"/>
             </a:solidFill>
-            <a:ln>
-              <a:solidFill>
-                <a:schemeClr val="bg1"/>
-              </a:solidFill>
-            </a:ln>
-          </p:spPr>
-          <p:style>
-            <a:lnRef idx="2">
-              <a:schemeClr val="accent1">
-                <a:shade val="50000"/>
-              </a:schemeClr>
-            </a:lnRef>
-            <a:fillRef idx="1">
-              <a:schemeClr val="accent1"/>
-            </a:fillRef>
-            <a:effectRef idx="0">
-              <a:schemeClr val="accent1"/>
-            </a:effectRef>
-            <a:fontRef idx="minor">
-              <a:schemeClr val="lt1"/>
-            </a:fontRef>
-          </p:style>
-          <p:txBody>
-            <a:bodyPr rtlCol="0" anchor="ctr"/>
-            <a:lstStyle/>
-            <a:p>
-              <a:pPr algn="ctr"/>
-              <a:r>
-                <a:rPr lang="en-US" altLang="zh-CN" sz="1400" dirty="0" err="1" smtClean="0"/>
-                <a:t>WordNet</a:t>
-              </a:r>
-              <a:r>
-                <a:rPr lang="en-US" altLang="zh-CN" sz="1400" dirty="0" smtClean="0"/>
-                <a:t> </a:t>
-              </a:r>
-              <a:r>
-                <a:rPr lang="en-US" altLang="zh-CN" sz="1400" dirty="0" err="1" smtClean="0"/>
-                <a:t>Sim</a:t>
-              </a:r>
-              <a:endParaRPr lang="zh-CN" altLang="en-US" sz="1400" dirty="0"/>
-            </a:p>
-          </p:txBody>
-        </p:sp>
-        <p:sp>
-          <p:nvSpPr>
-            <p:cNvPr id="39" name="圆角矩形 38"/>
-            <p:cNvSpPr/>
-            <p:nvPr/>
-          </p:nvSpPr>
-          <p:spPr>
-            <a:xfrm>
-              <a:off x="10571873" y="1440000"/>
-              <a:ext cx="1225768" cy="4320000"/>
-            </a:xfrm>
-            <a:prstGeom prst="roundRect">
-              <a:avLst/>
-            </a:prstGeom>
-            <a:solidFill>
-              <a:schemeClr val="accent4">
-                <a:lumMod val="20000"/>
-                <a:lumOff val="80000"/>
-              </a:schemeClr>
-            </a:solidFill>
-            <a:ln>
-              <a:noFill/>
-            </a:ln>
-          </p:spPr>
-          <p:style>
-            <a:lnRef idx="2">
-              <a:schemeClr val="accent1">
-                <a:shade val="50000"/>
-              </a:schemeClr>
-            </a:lnRef>
-            <a:fillRef idx="1">
-              <a:schemeClr val="accent1"/>
-            </a:fillRef>
-            <a:effectRef idx="0">
-              <a:schemeClr val="accent1"/>
-            </a:effectRef>
-            <a:fontRef idx="minor">
-              <a:schemeClr val="lt1"/>
-            </a:fontRef>
-          </p:style>
-          <p:txBody>
-            <a:bodyPr rtlCol="0" anchor="t" anchorCtr="1"/>
-            <a:lstStyle/>
-            <a:p>
-              <a:pPr algn="ctr"/>
-              <a:r>
-                <a:rPr lang="en-US" altLang="zh-CN" sz="1600" b="1" dirty="0" smtClean="0">
-                  <a:solidFill>
-                    <a:schemeClr val="tx1"/>
-                  </a:solidFill>
-                </a:rPr>
-                <a:t>Output</a:t>
-              </a:r>
-              <a:endParaRPr lang="zh-CN" altLang="en-US" sz="1600" b="1" dirty="0">
+          </a:ln>
+        </p:spPr>
+        <p:style>
+          <a:lnRef idx="2">
+            <a:schemeClr val="accent1">
+              <a:shade val="50000"/>
+            </a:schemeClr>
+          </a:lnRef>
+          <a:fillRef idx="1">
+            <a:schemeClr val="accent1"/>
+          </a:fillRef>
+          <a:effectRef idx="0">
+            <a:schemeClr val="accent1"/>
+          </a:effectRef>
+          <a:fontRef idx="minor">
+            <a:schemeClr val="lt1"/>
+          </a:fontRef>
+        </p:style>
+        <p:txBody>
+          <a:bodyPr rtlCol="0" anchor="ctr"/>
+          <a:lstStyle/>
+          <a:p>
+            <a:pPr algn="ctr"/>
+            <a:r>
+              <a:rPr lang="en-US" altLang="zh-CN" sz="1400" dirty="0" err="1" smtClean="0"/>
+              <a:t>WordNet</a:t>
+            </a:r>
+            <a:r>
+              <a:rPr lang="en-US" altLang="zh-CN" sz="1400" dirty="0" smtClean="0"/>
+              <a:t> </a:t>
+            </a:r>
+            <a:r>
+              <a:rPr lang="en-US" altLang="zh-CN" sz="1400" dirty="0" err="1" smtClean="0"/>
+              <a:t>Sim</a:t>
+            </a:r>
+            <a:endParaRPr lang="zh-CN" altLang="en-US" sz="1400" dirty="0"/>
+          </a:p>
+        </p:txBody>
+      </p:sp>
+      <p:sp>
+        <p:nvSpPr>
+          <p:cNvPr id="39" name="圆角矩形 38"/>
+          <p:cNvSpPr/>
+          <p:nvPr/>
+        </p:nvSpPr>
+        <p:spPr>
+          <a:xfrm>
+            <a:off x="10571873" y="1440000"/>
+            <a:ext cx="1225768" cy="4320000"/>
+          </a:xfrm>
+          <a:prstGeom prst="roundRect">
+            <a:avLst/>
+          </a:prstGeom>
+          <a:solidFill>
+            <a:schemeClr val="bg1">
+              <a:lumMod val="95000"/>
+            </a:schemeClr>
+          </a:solidFill>
+          <a:ln>
+            <a:noFill/>
+          </a:ln>
+        </p:spPr>
+        <p:style>
+          <a:lnRef idx="2">
+            <a:schemeClr val="accent1">
+              <a:shade val="50000"/>
+            </a:schemeClr>
+          </a:lnRef>
+          <a:fillRef idx="1">
+            <a:schemeClr val="accent1"/>
+          </a:fillRef>
+          <a:effectRef idx="0">
+            <a:schemeClr val="accent1"/>
+          </a:effectRef>
+          <a:fontRef idx="minor">
+            <a:schemeClr val="lt1"/>
+          </a:fontRef>
+        </p:style>
+        <p:txBody>
+          <a:bodyPr rtlCol="0" anchor="t" anchorCtr="1"/>
+          <a:lstStyle/>
+          <a:p>
+            <a:pPr algn="ctr"/>
+            <a:r>
+              <a:rPr lang="en-US" altLang="zh-CN" sz="1600" b="1" dirty="0" smtClean="0">
                 <a:solidFill>
                   <a:schemeClr val="tx1"/>
                 </a:solidFill>
-              </a:endParaRPr>
-            </a:p>
-          </p:txBody>
-        </p:sp>
-        <p:sp>
-          <p:nvSpPr>
-            <p:cNvPr id="40" name="圆角矩形 39"/>
-            <p:cNvSpPr/>
-            <p:nvPr/>
-          </p:nvSpPr>
-          <p:spPr>
-            <a:xfrm>
-              <a:off x="10645633" y="3465064"/>
-              <a:ext cx="1055160" cy="540000"/>
-            </a:xfrm>
-            <a:prstGeom prst="roundRect">
-              <a:avLst/>
-            </a:prstGeom>
+              </a:rPr>
+              <a:t>Output</a:t>
+            </a:r>
+            <a:endParaRPr lang="zh-CN" altLang="en-US" sz="1600" b="1" dirty="0">
+              <a:solidFill>
+                <a:schemeClr val="tx1"/>
+              </a:solidFill>
+            </a:endParaRPr>
+          </a:p>
+        </p:txBody>
+      </p:sp>
+      <p:sp>
+        <p:nvSpPr>
+          <p:cNvPr id="40" name="圆角矩形 39"/>
+          <p:cNvSpPr/>
+          <p:nvPr/>
+        </p:nvSpPr>
+        <p:spPr>
+          <a:xfrm>
+            <a:off x="10645633" y="3465064"/>
+            <a:ext cx="1055160" cy="540000"/>
+          </a:xfrm>
+          <a:prstGeom prst="roundRect">
+            <a:avLst/>
+          </a:prstGeom>
+          <a:solidFill>
+            <a:schemeClr val="accent2">
+              <a:lumMod val="75000"/>
+            </a:schemeClr>
+          </a:solidFill>
+          <a:ln>
             <a:solidFill>
-              <a:schemeClr val="accent2">
-                <a:lumMod val="75000"/>
-              </a:schemeClr>
+              <a:schemeClr val="bg1"/>
             </a:solidFill>
-            <a:ln>
-              <a:solidFill>
-                <a:schemeClr val="bg1"/>
-              </a:solidFill>
-            </a:ln>
-          </p:spPr>
-          <p:style>
-            <a:lnRef idx="2">
-              <a:schemeClr val="accent1">
-                <a:shade val="50000"/>
-              </a:schemeClr>
-            </a:lnRef>
-            <a:fillRef idx="1">
-              <a:schemeClr val="accent1"/>
-            </a:fillRef>
-            <a:effectRef idx="0">
-              <a:schemeClr val="accent1"/>
-            </a:effectRef>
-            <a:fontRef idx="minor">
-              <a:schemeClr val="lt1"/>
-            </a:fontRef>
-          </p:style>
-          <p:txBody>
-            <a:bodyPr rtlCol="0" anchor="ctr"/>
-            <a:lstStyle/>
-            <a:p>
-              <a:pPr algn="ctr"/>
-              <a:r>
-                <a:rPr lang="en-US" altLang="zh-CN" sz="1400" dirty="0"/>
-                <a:t>Submission</a:t>
-              </a:r>
-              <a:endParaRPr lang="zh-CN" altLang="en-US" sz="1400" dirty="0"/>
-            </a:p>
-          </p:txBody>
-        </p:sp>
-        <p:sp>
-          <p:nvSpPr>
-            <p:cNvPr id="19" name="圆角矩形 18"/>
-            <p:cNvSpPr/>
-            <p:nvPr/>
-          </p:nvSpPr>
-          <p:spPr>
-            <a:xfrm>
-              <a:off x="4716015" y="1440000"/>
-              <a:ext cx="5638535" cy="4320000"/>
-            </a:xfrm>
-            <a:prstGeom prst="roundRect">
-              <a:avLst/>
-            </a:prstGeom>
-            <a:solidFill>
-              <a:schemeClr val="accent4">
-                <a:lumMod val="20000"/>
-                <a:lumOff val="80000"/>
-              </a:schemeClr>
-            </a:solidFill>
-            <a:ln>
-              <a:noFill/>
-            </a:ln>
-          </p:spPr>
-          <p:style>
-            <a:lnRef idx="2">
-              <a:schemeClr val="accent1">
-                <a:shade val="50000"/>
-              </a:schemeClr>
-            </a:lnRef>
-            <a:fillRef idx="1">
-              <a:schemeClr val="accent1"/>
-            </a:fillRef>
-            <a:effectRef idx="0">
-              <a:schemeClr val="accent1"/>
-            </a:effectRef>
-            <a:fontRef idx="minor">
-              <a:schemeClr val="lt1"/>
-            </a:fontRef>
-          </p:style>
-          <p:txBody>
-            <a:bodyPr tIns="0" rtlCol="0" anchor="t" anchorCtr="0"/>
-            <a:lstStyle/>
-            <a:p>
-              <a:pPr algn="ctr"/>
-              <a:r>
-                <a:rPr lang="en-US" altLang="zh-CN" sz="1600" b="1" dirty="0" smtClean="0">
-                  <a:solidFill>
-                    <a:schemeClr val="tx1"/>
-                  </a:solidFill>
-                </a:rPr>
-                <a:t>Stacking</a:t>
-              </a:r>
-              <a:endParaRPr lang="zh-CN" altLang="en-US" sz="1600" b="1" dirty="0">
+          </a:ln>
+        </p:spPr>
+        <p:style>
+          <a:lnRef idx="2">
+            <a:schemeClr val="accent1">
+              <a:shade val="50000"/>
+            </a:schemeClr>
+          </a:lnRef>
+          <a:fillRef idx="1">
+            <a:schemeClr val="accent1"/>
+          </a:fillRef>
+          <a:effectRef idx="0">
+            <a:schemeClr val="accent1"/>
+          </a:effectRef>
+          <a:fontRef idx="minor">
+            <a:schemeClr val="lt1"/>
+          </a:fontRef>
+        </p:style>
+        <p:txBody>
+          <a:bodyPr rtlCol="0" anchor="ctr"/>
+          <a:lstStyle/>
+          <a:p>
+            <a:pPr algn="ctr"/>
+            <a:r>
+              <a:rPr lang="en-US" altLang="zh-CN" sz="1400" dirty="0"/>
+              <a:t>Submission</a:t>
+            </a:r>
+            <a:endParaRPr lang="zh-CN" altLang="en-US" sz="1400" dirty="0"/>
+          </a:p>
+        </p:txBody>
+      </p:sp>
+      <p:sp>
+        <p:nvSpPr>
+          <p:cNvPr id="19" name="圆角矩形 18"/>
+          <p:cNvSpPr/>
+          <p:nvPr/>
+        </p:nvSpPr>
+        <p:spPr>
+          <a:xfrm>
+            <a:off x="4716015" y="1440000"/>
+            <a:ext cx="5638535" cy="4320000"/>
+          </a:xfrm>
+          <a:prstGeom prst="roundRect">
+            <a:avLst/>
+          </a:prstGeom>
+          <a:solidFill>
+            <a:schemeClr val="bg1">
+              <a:lumMod val="95000"/>
+            </a:schemeClr>
+          </a:solidFill>
+          <a:ln>
+            <a:noFill/>
+          </a:ln>
+        </p:spPr>
+        <p:style>
+          <a:lnRef idx="2">
+            <a:schemeClr val="accent1">
+              <a:shade val="50000"/>
+            </a:schemeClr>
+          </a:lnRef>
+          <a:fillRef idx="1">
+            <a:schemeClr val="accent1"/>
+          </a:fillRef>
+          <a:effectRef idx="0">
+            <a:schemeClr val="accent1"/>
+          </a:effectRef>
+          <a:fontRef idx="minor">
+            <a:schemeClr val="lt1"/>
+          </a:fontRef>
+        </p:style>
+        <p:txBody>
+          <a:bodyPr tIns="0" rtlCol="0" anchor="t" anchorCtr="0"/>
+          <a:lstStyle/>
+          <a:p>
+            <a:pPr algn="ctr"/>
+            <a:r>
+              <a:rPr lang="en-US" altLang="zh-CN" sz="1600" b="1" dirty="0" smtClean="0">
                 <a:solidFill>
                   <a:schemeClr val="tx1"/>
                 </a:solidFill>
-              </a:endParaRPr>
-            </a:p>
-          </p:txBody>
-        </p:sp>
-        <p:sp>
-          <p:nvSpPr>
-            <p:cNvPr id="23" name="圆角矩形 22"/>
-            <p:cNvSpPr/>
-            <p:nvPr/>
-          </p:nvSpPr>
-          <p:spPr>
-            <a:xfrm>
-              <a:off x="5131162" y="2924944"/>
-              <a:ext cx="2250000" cy="288000"/>
-            </a:xfrm>
-            <a:prstGeom prst="roundRect">
-              <a:avLst/>
-            </a:prstGeom>
+              </a:rPr>
+              <a:t>Stacking</a:t>
+            </a:r>
+            <a:endParaRPr lang="zh-CN" altLang="en-US" sz="1600" b="1" dirty="0">
+              <a:solidFill>
+                <a:schemeClr val="tx1"/>
+              </a:solidFill>
+            </a:endParaRPr>
+          </a:p>
+        </p:txBody>
+      </p:sp>
+      <p:sp>
+        <p:nvSpPr>
+          <p:cNvPr id="23" name="圆角矩形 22"/>
+          <p:cNvSpPr/>
+          <p:nvPr/>
+        </p:nvSpPr>
+        <p:spPr>
+          <a:xfrm>
+            <a:off x="5130310" y="2852936"/>
+            <a:ext cx="2250000" cy="288000"/>
+          </a:xfrm>
+          <a:prstGeom prst="roundRect">
+            <a:avLst/>
+          </a:prstGeom>
+          <a:solidFill>
+            <a:schemeClr val="accent3">
+              <a:lumMod val="75000"/>
+            </a:schemeClr>
+          </a:solidFill>
+          <a:ln>
             <a:solidFill>
-              <a:schemeClr val="accent3">
-                <a:lumMod val="75000"/>
-              </a:schemeClr>
+              <a:schemeClr val="bg1"/>
             </a:solidFill>
-            <a:ln>
-              <a:solidFill>
-                <a:schemeClr val="bg1"/>
-              </a:solidFill>
-            </a:ln>
-          </p:spPr>
-          <p:style>
-            <a:lnRef idx="2">
-              <a:schemeClr val="accent1">
-                <a:shade val="50000"/>
-              </a:schemeClr>
-            </a:lnRef>
-            <a:fillRef idx="1">
-              <a:schemeClr val="accent1"/>
-            </a:fillRef>
-            <a:effectRef idx="0">
-              <a:schemeClr val="accent1"/>
-            </a:effectRef>
-            <a:fontRef idx="minor">
-              <a:schemeClr val="lt1"/>
-            </a:fontRef>
-          </p:style>
-          <p:txBody>
-            <a:bodyPr rtlCol="0" anchor="ctr"/>
-            <a:lstStyle/>
-            <a:p>
-              <a:pPr algn="ctr"/>
-              <a:r>
-                <a:rPr lang="en-US" altLang="zh-CN" sz="1400" dirty="0" err="1" smtClean="0"/>
-                <a:t>GradientBoostingRegressor</a:t>
-              </a:r>
-              <a:endParaRPr lang="zh-CN" altLang="en-US" sz="1400" dirty="0"/>
-            </a:p>
-          </p:txBody>
-        </p:sp>
-        <p:sp>
-          <p:nvSpPr>
-            <p:cNvPr id="24" name="圆角矩形 23"/>
-            <p:cNvSpPr/>
-            <p:nvPr/>
-          </p:nvSpPr>
-          <p:spPr>
-            <a:xfrm>
-              <a:off x="5131164" y="3645024"/>
-              <a:ext cx="2250000" cy="288000"/>
-            </a:xfrm>
-            <a:prstGeom prst="roundRect">
-              <a:avLst/>
-            </a:prstGeom>
+          </a:ln>
+        </p:spPr>
+        <p:style>
+          <a:lnRef idx="2">
+            <a:schemeClr val="accent1">
+              <a:shade val="50000"/>
+            </a:schemeClr>
+          </a:lnRef>
+          <a:fillRef idx="1">
+            <a:schemeClr val="accent1"/>
+          </a:fillRef>
+          <a:effectRef idx="0">
+            <a:schemeClr val="accent1"/>
+          </a:effectRef>
+          <a:fontRef idx="minor">
+            <a:schemeClr val="lt1"/>
+          </a:fontRef>
+        </p:style>
+        <p:txBody>
+          <a:bodyPr rtlCol="0" anchor="ctr"/>
+          <a:lstStyle/>
+          <a:p>
+            <a:pPr algn="ctr"/>
+            <a:r>
+              <a:rPr lang="en-US" altLang="zh-CN" sz="1400" dirty="0" err="1" smtClean="0"/>
+              <a:t>GradientBoostingRegressor</a:t>
+            </a:r>
+            <a:endParaRPr lang="zh-CN" altLang="en-US" sz="1400" dirty="0"/>
+          </a:p>
+        </p:txBody>
+      </p:sp>
+      <p:sp>
+        <p:nvSpPr>
+          <p:cNvPr id="24" name="圆角矩形 23"/>
+          <p:cNvSpPr/>
+          <p:nvPr/>
+        </p:nvSpPr>
+        <p:spPr>
+          <a:xfrm>
+            <a:off x="5130312" y="3573016"/>
+            <a:ext cx="2250000" cy="288000"/>
+          </a:xfrm>
+          <a:prstGeom prst="roundRect">
+            <a:avLst/>
+          </a:prstGeom>
+          <a:solidFill>
+            <a:schemeClr val="accent3">
+              <a:lumMod val="75000"/>
+            </a:schemeClr>
+          </a:solidFill>
+          <a:ln>
             <a:solidFill>
-              <a:schemeClr val="accent3">
-                <a:lumMod val="75000"/>
-              </a:schemeClr>
+              <a:schemeClr val="bg1"/>
             </a:solidFill>
-            <a:ln>
-              <a:solidFill>
-                <a:schemeClr val="bg1"/>
-              </a:solidFill>
-            </a:ln>
-          </p:spPr>
-          <p:style>
-            <a:lnRef idx="2">
-              <a:schemeClr val="accent1">
-                <a:shade val="50000"/>
-              </a:schemeClr>
-            </a:lnRef>
-            <a:fillRef idx="1">
-              <a:schemeClr val="accent1"/>
-            </a:fillRef>
-            <a:effectRef idx="0">
-              <a:schemeClr val="accent1"/>
-            </a:effectRef>
-            <a:fontRef idx="minor">
-              <a:schemeClr val="lt1"/>
-            </a:fontRef>
-          </p:style>
-          <p:txBody>
-            <a:bodyPr rtlCol="0" anchor="ctr"/>
-            <a:lstStyle/>
-            <a:p>
-              <a:pPr algn="ctr"/>
-              <a:r>
-                <a:rPr lang="en-US" altLang="zh-CN" sz="1400" dirty="0" err="1" smtClean="0"/>
-                <a:t>RandomForestRegressor</a:t>
-              </a:r>
-              <a:endParaRPr lang="zh-CN" altLang="en-US" sz="1400" dirty="0"/>
-            </a:p>
-          </p:txBody>
-        </p:sp>
-        <p:sp>
-          <p:nvSpPr>
-            <p:cNvPr id="25" name="圆角矩形 24"/>
-            <p:cNvSpPr/>
-            <p:nvPr/>
-          </p:nvSpPr>
-          <p:spPr>
-            <a:xfrm>
-              <a:off x="5131164" y="4005064"/>
-              <a:ext cx="2250000" cy="288000"/>
-            </a:xfrm>
-            <a:prstGeom prst="roundRect">
-              <a:avLst/>
-            </a:prstGeom>
+          </a:ln>
+        </p:spPr>
+        <p:style>
+          <a:lnRef idx="2">
+            <a:schemeClr val="accent1">
+              <a:shade val="50000"/>
+            </a:schemeClr>
+          </a:lnRef>
+          <a:fillRef idx="1">
+            <a:schemeClr val="accent1"/>
+          </a:fillRef>
+          <a:effectRef idx="0">
+            <a:schemeClr val="accent1"/>
+          </a:effectRef>
+          <a:fontRef idx="minor">
+            <a:schemeClr val="lt1"/>
+          </a:fontRef>
+        </p:style>
+        <p:txBody>
+          <a:bodyPr rtlCol="0" anchor="ctr"/>
+          <a:lstStyle/>
+          <a:p>
+            <a:pPr algn="ctr"/>
+            <a:r>
+              <a:rPr lang="en-US" altLang="zh-CN" sz="1400" dirty="0" err="1" smtClean="0"/>
+              <a:t>RandomForestRegressor</a:t>
+            </a:r>
+            <a:endParaRPr lang="zh-CN" altLang="en-US" sz="1400" dirty="0"/>
+          </a:p>
+        </p:txBody>
+      </p:sp>
+      <p:sp>
+        <p:nvSpPr>
+          <p:cNvPr id="26" name="圆角矩形 25"/>
+          <p:cNvSpPr/>
+          <p:nvPr/>
+        </p:nvSpPr>
+        <p:spPr>
+          <a:xfrm>
+            <a:off x="5130312" y="2492896"/>
+            <a:ext cx="2250000" cy="288000"/>
+          </a:xfrm>
+          <a:prstGeom prst="roundRect">
+            <a:avLst/>
+          </a:prstGeom>
+          <a:solidFill>
+            <a:schemeClr val="accent3">
+              <a:lumMod val="75000"/>
+            </a:schemeClr>
+          </a:solidFill>
+          <a:ln>
             <a:solidFill>
-              <a:schemeClr val="accent3">
-                <a:lumMod val="75000"/>
-              </a:schemeClr>
+              <a:schemeClr val="bg1"/>
             </a:solidFill>
-            <a:ln>
-              <a:solidFill>
-                <a:schemeClr val="bg1"/>
-              </a:solidFill>
-            </a:ln>
-          </p:spPr>
-          <p:style>
-            <a:lnRef idx="2">
-              <a:schemeClr val="accent1">
-                <a:shade val="50000"/>
-              </a:schemeClr>
-            </a:lnRef>
-            <a:fillRef idx="1">
-              <a:schemeClr val="accent1"/>
-            </a:fillRef>
-            <a:effectRef idx="0">
-              <a:schemeClr val="accent1"/>
-            </a:effectRef>
-            <a:fontRef idx="minor">
-              <a:schemeClr val="lt1"/>
-            </a:fontRef>
-          </p:style>
-          <p:txBody>
-            <a:bodyPr rtlCol="0" anchor="ctr"/>
-            <a:lstStyle/>
-            <a:p>
-              <a:pPr algn="ctr"/>
-              <a:r>
-                <a:rPr lang="en-US" altLang="zh-CN" sz="1400" dirty="0" err="1" smtClean="0"/>
-                <a:t>LinearSVR</a:t>
-              </a:r>
-              <a:endParaRPr lang="zh-CN" altLang="en-US" sz="1400" dirty="0"/>
-            </a:p>
-          </p:txBody>
-        </p:sp>
-        <p:sp>
-          <p:nvSpPr>
-            <p:cNvPr id="26" name="圆角矩形 25"/>
-            <p:cNvSpPr/>
-            <p:nvPr/>
-          </p:nvSpPr>
-          <p:spPr>
-            <a:xfrm>
-              <a:off x="5131164" y="2564904"/>
-              <a:ext cx="2250000" cy="288000"/>
-            </a:xfrm>
-            <a:prstGeom prst="roundRect">
-              <a:avLst/>
-            </a:prstGeom>
+          </a:ln>
+        </p:spPr>
+        <p:style>
+          <a:lnRef idx="2">
+            <a:schemeClr val="accent1">
+              <a:shade val="50000"/>
+            </a:schemeClr>
+          </a:lnRef>
+          <a:fillRef idx="1">
+            <a:schemeClr val="accent1"/>
+          </a:fillRef>
+          <a:effectRef idx="0">
+            <a:schemeClr val="accent1"/>
+          </a:effectRef>
+          <a:fontRef idx="minor">
+            <a:schemeClr val="lt1"/>
+          </a:fontRef>
+        </p:style>
+        <p:txBody>
+          <a:bodyPr rtlCol="0" anchor="ctr"/>
+          <a:lstStyle/>
+          <a:p>
+            <a:pPr algn="ctr"/>
+            <a:r>
+              <a:rPr lang="en-US" altLang="zh-CN" sz="1400" dirty="0" err="1" smtClean="0"/>
+              <a:t>XGBoostRegressor</a:t>
+            </a:r>
+            <a:endParaRPr lang="zh-CN" altLang="en-US" sz="1400" dirty="0"/>
+          </a:p>
+        </p:txBody>
+      </p:sp>
+      <p:sp>
+        <p:nvSpPr>
+          <p:cNvPr id="27" name="圆角矩形 26"/>
+          <p:cNvSpPr/>
+          <p:nvPr/>
+        </p:nvSpPr>
+        <p:spPr>
+          <a:xfrm>
+            <a:off x="5130312" y="3212976"/>
+            <a:ext cx="2250000" cy="288000"/>
+          </a:xfrm>
+          <a:prstGeom prst="roundRect">
+            <a:avLst/>
+          </a:prstGeom>
+          <a:solidFill>
+            <a:schemeClr val="accent3">
+              <a:lumMod val="75000"/>
+            </a:schemeClr>
+          </a:solidFill>
+          <a:ln>
             <a:solidFill>
-              <a:schemeClr val="accent3">
-                <a:lumMod val="75000"/>
-              </a:schemeClr>
+              <a:schemeClr val="bg1"/>
             </a:solidFill>
-            <a:ln>
-              <a:solidFill>
-                <a:schemeClr val="bg1"/>
-              </a:solidFill>
-            </a:ln>
-          </p:spPr>
-          <p:style>
-            <a:lnRef idx="2">
-              <a:schemeClr val="accent1">
-                <a:shade val="50000"/>
-              </a:schemeClr>
-            </a:lnRef>
-            <a:fillRef idx="1">
-              <a:schemeClr val="accent1"/>
-            </a:fillRef>
-            <a:effectRef idx="0">
-              <a:schemeClr val="accent1"/>
-            </a:effectRef>
-            <a:fontRef idx="minor">
-              <a:schemeClr val="lt1"/>
-            </a:fontRef>
-          </p:style>
-          <p:txBody>
-            <a:bodyPr rtlCol="0" anchor="ctr"/>
-            <a:lstStyle/>
-            <a:p>
-              <a:pPr algn="ctr"/>
-              <a:r>
-                <a:rPr lang="en-US" altLang="zh-CN" sz="1400" dirty="0" err="1" smtClean="0"/>
-                <a:t>XGBoostRegressor</a:t>
-              </a:r>
-              <a:endParaRPr lang="zh-CN" altLang="en-US" sz="1400" dirty="0"/>
-            </a:p>
-          </p:txBody>
-        </p:sp>
-        <p:sp>
-          <p:nvSpPr>
-            <p:cNvPr id="27" name="圆角矩形 26"/>
-            <p:cNvSpPr/>
-            <p:nvPr/>
-          </p:nvSpPr>
-          <p:spPr>
-            <a:xfrm>
-              <a:off x="5131164" y="3284984"/>
-              <a:ext cx="2250000" cy="288000"/>
-            </a:xfrm>
-            <a:prstGeom prst="roundRect">
-              <a:avLst/>
-            </a:prstGeom>
+          </a:ln>
+        </p:spPr>
+        <p:style>
+          <a:lnRef idx="2">
+            <a:schemeClr val="accent1">
+              <a:shade val="50000"/>
+            </a:schemeClr>
+          </a:lnRef>
+          <a:fillRef idx="1">
+            <a:schemeClr val="accent1"/>
+          </a:fillRef>
+          <a:effectRef idx="0">
+            <a:schemeClr val="accent1"/>
+          </a:effectRef>
+          <a:fontRef idx="minor">
+            <a:schemeClr val="lt1"/>
+          </a:fontRef>
+        </p:style>
+        <p:txBody>
+          <a:bodyPr rtlCol="0" anchor="ctr"/>
+          <a:lstStyle/>
+          <a:p>
+            <a:pPr algn="ctr"/>
+            <a:r>
+              <a:rPr lang="en-US" altLang="zh-CN" sz="1400" dirty="0" err="1" smtClean="0"/>
+              <a:t>ExtraTreesRegressor</a:t>
+            </a:r>
+            <a:endParaRPr lang="zh-CN" altLang="en-US" sz="1400" dirty="0"/>
+          </a:p>
+        </p:txBody>
+      </p:sp>
+      <p:sp>
+        <p:nvSpPr>
+          <p:cNvPr id="28" name="圆角矩形 27"/>
+          <p:cNvSpPr/>
+          <p:nvPr/>
+        </p:nvSpPr>
+        <p:spPr>
+          <a:xfrm>
+            <a:off x="5130312" y="3933056"/>
+            <a:ext cx="2250000" cy="288000"/>
+          </a:xfrm>
+          <a:prstGeom prst="roundRect">
+            <a:avLst/>
+          </a:prstGeom>
+          <a:solidFill>
+            <a:schemeClr val="accent3">
+              <a:lumMod val="75000"/>
+            </a:schemeClr>
+          </a:solidFill>
+          <a:ln>
             <a:solidFill>
-              <a:schemeClr val="accent3">
-                <a:lumMod val="75000"/>
-              </a:schemeClr>
+              <a:schemeClr val="bg1"/>
             </a:solidFill>
-            <a:ln>
-              <a:solidFill>
-                <a:schemeClr val="bg1"/>
-              </a:solidFill>
-            </a:ln>
-          </p:spPr>
-          <p:style>
-            <a:lnRef idx="2">
-              <a:schemeClr val="accent1">
-                <a:shade val="50000"/>
-              </a:schemeClr>
-            </a:lnRef>
-            <a:fillRef idx="1">
-              <a:schemeClr val="accent1"/>
-            </a:fillRef>
-            <a:effectRef idx="0">
-              <a:schemeClr val="accent1"/>
-            </a:effectRef>
-            <a:fontRef idx="minor">
-              <a:schemeClr val="lt1"/>
-            </a:fontRef>
-          </p:style>
-          <p:txBody>
-            <a:bodyPr rtlCol="0" anchor="ctr"/>
-            <a:lstStyle/>
-            <a:p>
-              <a:pPr algn="ctr"/>
-              <a:r>
-                <a:rPr lang="en-US" altLang="zh-CN" sz="1400" dirty="0" err="1" smtClean="0"/>
-                <a:t>ExtraTreesRegressor</a:t>
-              </a:r>
-              <a:endParaRPr lang="zh-CN" altLang="en-US" sz="1400" dirty="0"/>
-            </a:p>
-          </p:txBody>
-        </p:sp>
-        <p:sp>
-          <p:nvSpPr>
-            <p:cNvPr id="28" name="圆角矩形 27"/>
-            <p:cNvSpPr/>
-            <p:nvPr/>
-          </p:nvSpPr>
-          <p:spPr>
-            <a:xfrm>
-              <a:off x="5131164" y="4365104"/>
-              <a:ext cx="2250000" cy="288000"/>
-            </a:xfrm>
-            <a:prstGeom prst="roundRect">
-              <a:avLst/>
-            </a:prstGeom>
+          </a:ln>
+        </p:spPr>
+        <p:style>
+          <a:lnRef idx="2">
+            <a:schemeClr val="accent1">
+              <a:shade val="50000"/>
+            </a:schemeClr>
+          </a:lnRef>
+          <a:fillRef idx="1">
+            <a:schemeClr val="accent1"/>
+          </a:fillRef>
+          <a:effectRef idx="0">
+            <a:schemeClr val="accent1"/>
+          </a:effectRef>
+          <a:fontRef idx="minor">
+            <a:schemeClr val="lt1"/>
+          </a:fontRef>
+        </p:style>
+        <p:txBody>
+          <a:bodyPr rtlCol="0" anchor="ctr"/>
+          <a:lstStyle/>
+          <a:p>
+            <a:pPr algn="ctr"/>
+            <a:r>
+              <a:rPr lang="en-US" altLang="zh-CN" sz="1400" dirty="0" smtClean="0"/>
+              <a:t>Ridge</a:t>
+            </a:r>
+            <a:endParaRPr lang="zh-CN" altLang="en-US" sz="1400" dirty="0"/>
+          </a:p>
+        </p:txBody>
+      </p:sp>
+      <p:sp>
+        <p:nvSpPr>
+          <p:cNvPr id="29" name="圆角矩形 28"/>
+          <p:cNvSpPr/>
+          <p:nvPr/>
+        </p:nvSpPr>
+        <p:spPr>
+          <a:xfrm>
+            <a:off x="5130312" y="4293096"/>
+            <a:ext cx="2250000" cy="288000"/>
+          </a:xfrm>
+          <a:prstGeom prst="roundRect">
+            <a:avLst/>
+          </a:prstGeom>
+          <a:solidFill>
+            <a:schemeClr val="accent3">
+              <a:lumMod val="75000"/>
+            </a:schemeClr>
+          </a:solidFill>
+          <a:ln>
             <a:solidFill>
-              <a:schemeClr val="accent3">
-                <a:lumMod val="75000"/>
-              </a:schemeClr>
+              <a:schemeClr val="bg1"/>
             </a:solidFill>
-            <a:ln>
-              <a:solidFill>
-                <a:schemeClr val="bg1"/>
-              </a:solidFill>
-            </a:ln>
-          </p:spPr>
-          <p:style>
-            <a:lnRef idx="2">
-              <a:schemeClr val="accent1">
-                <a:shade val="50000"/>
-              </a:schemeClr>
-            </a:lnRef>
-            <a:fillRef idx="1">
-              <a:schemeClr val="accent1"/>
-            </a:fillRef>
-            <a:effectRef idx="0">
-              <a:schemeClr val="accent1"/>
-            </a:effectRef>
-            <a:fontRef idx="minor">
-              <a:schemeClr val="lt1"/>
-            </a:fontRef>
-          </p:style>
-          <p:txBody>
-            <a:bodyPr rtlCol="0" anchor="ctr"/>
-            <a:lstStyle/>
-            <a:p>
-              <a:pPr algn="ctr"/>
-              <a:r>
-                <a:rPr lang="en-US" altLang="zh-CN" sz="1400" dirty="0" smtClean="0"/>
-                <a:t>Ridge</a:t>
-              </a:r>
-              <a:endParaRPr lang="zh-CN" altLang="en-US" sz="1400" dirty="0"/>
-            </a:p>
-          </p:txBody>
-        </p:sp>
-        <p:sp>
-          <p:nvSpPr>
-            <p:cNvPr id="29" name="圆角矩形 28"/>
-            <p:cNvSpPr/>
-            <p:nvPr/>
-          </p:nvSpPr>
-          <p:spPr>
-            <a:xfrm>
-              <a:off x="5131164" y="4725144"/>
-              <a:ext cx="2250000" cy="288000"/>
-            </a:xfrm>
-            <a:prstGeom prst="roundRect">
-              <a:avLst/>
-            </a:prstGeom>
+          </a:ln>
+        </p:spPr>
+        <p:style>
+          <a:lnRef idx="2">
+            <a:schemeClr val="accent1">
+              <a:shade val="50000"/>
+            </a:schemeClr>
+          </a:lnRef>
+          <a:fillRef idx="1">
+            <a:schemeClr val="accent1"/>
+          </a:fillRef>
+          <a:effectRef idx="0">
+            <a:schemeClr val="accent1"/>
+          </a:effectRef>
+          <a:fontRef idx="minor">
+            <a:schemeClr val="lt1"/>
+          </a:fontRef>
+        </p:style>
+        <p:txBody>
+          <a:bodyPr rtlCol="0" anchor="ctr"/>
+          <a:lstStyle/>
+          <a:p>
+            <a:pPr algn="ctr"/>
+            <a:r>
+              <a:rPr lang="en-US" altLang="zh-CN" sz="1400" dirty="0" err="1" smtClean="0"/>
+              <a:t>KerasDNNRegressor</a:t>
+            </a:r>
+            <a:endParaRPr lang="zh-CN" altLang="en-US" sz="1400" dirty="0"/>
+          </a:p>
+        </p:txBody>
+      </p:sp>
+      <p:sp>
+        <p:nvSpPr>
+          <p:cNvPr id="30" name="圆角矩形 29"/>
+          <p:cNvSpPr/>
+          <p:nvPr/>
+        </p:nvSpPr>
+        <p:spPr>
+          <a:xfrm>
+            <a:off x="5130312" y="4653136"/>
+            <a:ext cx="2250000" cy="288000"/>
+          </a:xfrm>
+          <a:prstGeom prst="roundRect">
+            <a:avLst/>
+          </a:prstGeom>
+          <a:solidFill>
+            <a:schemeClr val="accent3">
+              <a:lumMod val="75000"/>
+            </a:schemeClr>
+          </a:solidFill>
+          <a:ln>
             <a:solidFill>
-              <a:schemeClr val="accent3">
-                <a:lumMod val="75000"/>
-              </a:schemeClr>
+              <a:schemeClr val="bg1"/>
             </a:solidFill>
-            <a:ln>
-              <a:solidFill>
-                <a:schemeClr val="bg1"/>
-              </a:solidFill>
-            </a:ln>
-          </p:spPr>
-          <p:style>
-            <a:lnRef idx="2">
-              <a:schemeClr val="accent1">
-                <a:shade val="50000"/>
-              </a:schemeClr>
-            </a:lnRef>
-            <a:fillRef idx="1">
-              <a:schemeClr val="accent1"/>
-            </a:fillRef>
-            <a:effectRef idx="0">
-              <a:schemeClr val="accent1"/>
-            </a:effectRef>
-            <a:fontRef idx="minor">
-              <a:schemeClr val="lt1"/>
-            </a:fontRef>
-          </p:style>
-          <p:txBody>
-            <a:bodyPr rtlCol="0" anchor="ctr"/>
-            <a:lstStyle/>
-            <a:p>
-              <a:pPr algn="ctr"/>
-              <a:r>
-                <a:rPr lang="en-US" altLang="zh-CN" sz="1400" dirty="0" err="1" smtClean="0"/>
-                <a:t>KerasDNNRegressor</a:t>
-              </a:r>
-              <a:endParaRPr lang="zh-CN" altLang="en-US" sz="1400" dirty="0"/>
-            </a:p>
-          </p:txBody>
-        </p:sp>
-        <p:sp>
-          <p:nvSpPr>
-            <p:cNvPr id="30" name="圆角矩形 29"/>
-            <p:cNvSpPr/>
-            <p:nvPr/>
-          </p:nvSpPr>
-          <p:spPr>
-            <a:xfrm>
-              <a:off x="5131164" y="5085184"/>
-              <a:ext cx="2250000" cy="288000"/>
-            </a:xfrm>
-            <a:prstGeom prst="roundRect">
-              <a:avLst/>
-            </a:prstGeom>
+          </a:ln>
+        </p:spPr>
+        <p:style>
+          <a:lnRef idx="2">
+            <a:schemeClr val="accent1">
+              <a:shade val="50000"/>
+            </a:schemeClr>
+          </a:lnRef>
+          <a:fillRef idx="1">
+            <a:schemeClr val="accent1"/>
+          </a:fillRef>
+          <a:effectRef idx="0">
+            <a:schemeClr val="accent1"/>
+          </a:effectRef>
+          <a:fontRef idx="minor">
+            <a:schemeClr val="lt1"/>
+          </a:fontRef>
+        </p:style>
+        <p:txBody>
+          <a:bodyPr rtlCol="0" anchor="ctr"/>
+          <a:lstStyle/>
+          <a:p>
+            <a:pPr algn="ctr"/>
+            <a:r>
+              <a:rPr lang="en-US" altLang="zh-CN" sz="1400" dirty="0" err="1" smtClean="0"/>
+              <a:t>RGFRegressor</a:t>
+            </a:r>
+            <a:endParaRPr lang="zh-CN" altLang="en-US" sz="1400" dirty="0"/>
+          </a:p>
+        </p:txBody>
+      </p:sp>
+      <p:sp>
+        <p:nvSpPr>
+          <p:cNvPr id="17" name="右箭头 16"/>
+          <p:cNvSpPr/>
+          <p:nvPr/>
+        </p:nvSpPr>
+        <p:spPr>
+          <a:xfrm>
+            <a:off x="4320000" y="2096384"/>
+            <a:ext cx="600905" cy="252496"/>
+          </a:xfrm>
+          <a:prstGeom prst="rightArrow">
+            <a:avLst/>
+          </a:prstGeom>
+        </p:spPr>
+        <p:style>
+          <a:lnRef idx="2">
+            <a:schemeClr val="accent1">
+              <a:shade val="50000"/>
+            </a:schemeClr>
+          </a:lnRef>
+          <a:fillRef idx="1">
+            <a:schemeClr val="accent1"/>
+          </a:fillRef>
+          <a:effectRef idx="0">
+            <a:schemeClr val="accent1"/>
+          </a:effectRef>
+          <a:fontRef idx="minor">
+            <a:schemeClr val="lt1"/>
+          </a:fontRef>
+        </p:style>
+        <p:txBody>
+          <a:bodyPr rtlCol="0" anchor="ctr"/>
+          <a:lstStyle/>
+          <a:p>
+            <a:pPr algn="ctr"/>
+            <a:endParaRPr lang="zh-CN" altLang="en-US"/>
+          </a:p>
+        </p:txBody>
+      </p:sp>
+      <p:sp>
+        <p:nvSpPr>
+          <p:cNvPr id="47" name="右箭头 46"/>
+          <p:cNvSpPr/>
+          <p:nvPr/>
+        </p:nvSpPr>
+        <p:spPr>
+          <a:xfrm>
+            <a:off x="10188624" y="2087232"/>
+            <a:ext cx="600905" cy="252496"/>
+          </a:xfrm>
+          <a:prstGeom prst="rightArrow">
+            <a:avLst/>
+          </a:prstGeom>
+        </p:spPr>
+        <p:style>
+          <a:lnRef idx="2">
+            <a:schemeClr val="accent1">
+              <a:shade val="50000"/>
+            </a:schemeClr>
+          </a:lnRef>
+          <a:fillRef idx="1">
+            <a:schemeClr val="accent1"/>
+          </a:fillRef>
+          <a:effectRef idx="0">
+            <a:schemeClr val="accent1"/>
+          </a:effectRef>
+          <a:fontRef idx="minor">
+            <a:schemeClr val="lt1"/>
+          </a:fontRef>
+        </p:style>
+        <p:txBody>
+          <a:bodyPr rtlCol="0" anchor="ctr"/>
+          <a:lstStyle/>
+          <a:p>
+            <a:pPr algn="ctr"/>
+            <a:endParaRPr lang="zh-CN" altLang="en-US"/>
+          </a:p>
+        </p:txBody>
+      </p:sp>
+      <p:sp>
+        <p:nvSpPr>
+          <p:cNvPr id="48" name="右箭头 47"/>
+          <p:cNvSpPr/>
+          <p:nvPr/>
+        </p:nvSpPr>
+        <p:spPr>
+          <a:xfrm>
+            <a:off x="2555776" y="2087232"/>
+            <a:ext cx="600905" cy="252496"/>
+          </a:xfrm>
+          <a:prstGeom prst="rightArrow">
+            <a:avLst/>
+          </a:prstGeom>
+        </p:spPr>
+        <p:style>
+          <a:lnRef idx="2">
+            <a:schemeClr val="accent1">
+              <a:shade val="50000"/>
+            </a:schemeClr>
+          </a:lnRef>
+          <a:fillRef idx="1">
+            <a:schemeClr val="accent1"/>
+          </a:fillRef>
+          <a:effectRef idx="0">
+            <a:schemeClr val="accent1"/>
+          </a:effectRef>
+          <a:fontRef idx="minor">
+            <a:schemeClr val="lt1"/>
+          </a:fontRef>
+        </p:style>
+        <p:txBody>
+          <a:bodyPr rtlCol="0" anchor="ctr"/>
+          <a:lstStyle/>
+          <a:p>
+            <a:pPr algn="ctr"/>
+            <a:endParaRPr lang="zh-CN" altLang="en-US"/>
+          </a:p>
+        </p:txBody>
+      </p:sp>
+      <p:sp>
+        <p:nvSpPr>
+          <p:cNvPr id="49" name="右箭头 48"/>
+          <p:cNvSpPr/>
+          <p:nvPr/>
+        </p:nvSpPr>
+        <p:spPr>
+          <a:xfrm>
+            <a:off x="802743" y="2087232"/>
+            <a:ext cx="600905" cy="252496"/>
+          </a:xfrm>
+          <a:prstGeom prst="rightArrow">
+            <a:avLst/>
+          </a:prstGeom>
+        </p:spPr>
+        <p:style>
+          <a:lnRef idx="2">
+            <a:schemeClr val="accent1">
+              <a:shade val="50000"/>
+            </a:schemeClr>
+          </a:lnRef>
+          <a:fillRef idx="1">
+            <a:schemeClr val="accent1"/>
+          </a:fillRef>
+          <a:effectRef idx="0">
+            <a:schemeClr val="accent1"/>
+          </a:effectRef>
+          <a:fontRef idx="minor">
+            <a:schemeClr val="lt1"/>
+          </a:fontRef>
+        </p:style>
+        <p:txBody>
+          <a:bodyPr rtlCol="0" anchor="ctr"/>
+          <a:lstStyle/>
+          <a:p>
+            <a:pPr algn="ctr"/>
+            <a:endParaRPr lang="zh-CN" altLang="en-US"/>
+          </a:p>
+        </p:txBody>
+      </p:sp>
+      <p:sp>
+        <p:nvSpPr>
+          <p:cNvPr id="46" name="圆角矩形 45"/>
+          <p:cNvSpPr/>
+          <p:nvPr/>
+        </p:nvSpPr>
+        <p:spPr>
+          <a:xfrm>
+            <a:off x="3059832" y="2845326"/>
+            <a:ext cx="1332000" cy="288000"/>
+          </a:xfrm>
+          <a:prstGeom prst="roundRect">
+            <a:avLst/>
+          </a:prstGeom>
+          <a:solidFill>
+            <a:schemeClr val="bg2">
+              <a:lumMod val="50000"/>
+            </a:schemeClr>
+          </a:solidFill>
+          <a:ln>
             <a:solidFill>
-              <a:schemeClr val="accent3">
-                <a:lumMod val="75000"/>
-              </a:schemeClr>
+              <a:schemeClr val="bg1"/>
             </a:solidFill>
-            <a:ln>
-              <a:solidFill>
-                <a:schemeClr val="bg1"/>
-              </a:solidFill>
-            </a:ln>
-          </p:spPr>
-          <p:style>
-            <a:lnRef idx="2">
-              <a:schemeClr val="accent1">
-                <a:shade val="50000"/>
-              </a:schemeClr>
-            </a:lnRef>
-            <a:fillRef idx="1">
-              <a:schemeClr val="accent1"/>
-            </a:fillRef>
-            <a:effectRef idx="0">
-              <a:schemeClr val="accent1"/>
-            </a:effectRef>
-            <a:fontRef idx="minor">
-              <a:schemeClr val="lt1"/>
-            </a:fontRef>
-          </p:style>
-          <p:txBody>
-            <a:bodyPr rtlCol="0" anchor="ctr"/>
-            <a:lstStyle/>
-            <a:p>
-              <a:pPr algn="ctr"/>
-              <a:r>
-                <a:rPr lang="en-US" altLang="zh-CN" sz="1400" dirty="0" err="1" smtClean="0"/>
-                <a:t>RGFRegressor</a:t>
-              </a:r>
-              <a:endParaRPr lang="zh-CN" altLang="en-US" sz="1400" dirty="0"/>
-            </a:p>
-          </p:txBody>
-        </p:sp>
-        <p:sp>
-          <p:nvSpPr>
-            <p:cNvPr id="17" name="右箭头 16"/>
-            <p:cNvSpPr/>
-            <p:nvPr/>
-          </p:nvSpPr>
-          <p:spPr>
-            <a:xfrm>
-              <a:off x="4320000" y="2096384"/>
-              <a:ext cx="600905" cy="252496"/>
-            </a:xfrm>
-            <a:prstGeom prst="rightArrow">
-              <a:avLst/>
-            </a:prstGeom>
-          </p:spPr>
-          <p:style>
-            <a:lnRef idx="2">
-              <a:schemeClr val="accent1">
-                <a:shade val="50000"/>
-              </a:schemeClr>
-            </a:lnRef>
-            <a:fillRef idx="1">
-              <a:schemeClr val="accent1"/>
-            </a:fillRef>
-            <a:effectRef idx="0">
-              <a:schemeClr val="accent1"/>
-            </a:effectRef>
-            <a:fontRef idx="minor">
-              <a:schemeClr val="lt1"/>
-            </a:fontRef>
-          </p:style>
-          <p:txBody>
-            <a:bodyPr rtlCol="0" anchor="ctr"/>
-            <a:lstStyle/>
-            <a:p>
-              <a:pPr algn="ctr"/>
-              <a:endParaRPr lang="zh-CN" altLang="en-US"/>
-            </a:p>
-          </p:txBody>
-        </p:sp>
-        <p:sp>
-          <p:nvSpPr>
-            <p:cNvPr id="47" name="右箭头 46"/>
-            <p:cNvSpPr/>
-            <p:nvPr/>
-          </p:nvSpPr>
-          <p:spPr>
-            <a:xfrm>
-              <a:off x="10188624" y="2087232"/>
-              <a:ext cx="600905" cy="252496"/>
-            </a:xfrm>
-            <a:prstGeom prst="rightArrow">
-              <a:avLst/>
-            </a:prstGeom>
-          </p:spPr>
-          <p:style>
-            <a:lnRef idx="2">
-              <a:schemeClr val="accent1">
-                <a:shade val="50000"/>
-              </a:schemeClr>
-            </a:lnRef>
-            <a:fillRef idx="1">
-              <a:schemeClr val="accent1"/>
-            </a:fillRef>
-            <a:effectRef idx="0">
-              <a:schemeClr val="accent1"/>
-            </a:effectRef>
-            <a:fontRef idx="minor">
-              <a:schemeClr val="lt1"/>
-            </a:fontRef>
-          </p:style>
-          <p:txBody>
-            <a:bodyPr rtlCol="0" anchor="ctr"/>
-            <a:lstStyle/>
-            <a:p>
-              <a:pPr algn="ctr"/>
-              <a:endParaRPr lang="zh-CN" altLang="en-US"/>
-            </a:p>
-          </p:txBody>
-        </p:sp>
-        <p:sp>
-          <p:nvSpPr>
-            <p:cNvPr id="48" name="右箭头 47"/>
-            <p:cNvSpPr/>
-            <p:nvPr/>
-          </p:nvSpPr>
-          <p:spPr>
-            <a:xfrm>
-              <a:off x="2555776" y="2087232"/>
-              <a:ext cx="600905" cy="252496"/>
-            </a:xfrm>
-            <a:prstGeom prst="rightArrow">
-              <a:avLst/>
-            </a:prstGeom>
-          </p:spPr>
-          <p:style>
-            <a:lnRef idx="2">
-              <a:schemeClr val="accent1">
-                <a:shade val="50000"/>
-              </a:schemeClr>
-            </a:lnRef>
-            <a:fillRef idx="1">
-              <a:schemeClr val="accent1"/>
-            </a:fillRef>
-            <a:effectRef idx="0">
-              <a:schemeClr val="accent1"/>
-            </a:effectRef>
-            <a:fontRef idx="minor">
-              <a:schemeClr val="lt1"/>
-            </a:fontRef>
-          </p:style>
-          <p:txBody>
-            <a:bodyPr rtlCol="0" anchor="ctr"/>
-            <a:lstStyle/>
-            <a:p>
-              <a:pPr algn="ctr"/>
-              <a:endParaRPr lang="zh-CN" altLang="en-US"/>
-            </a:p>
-          </p:txBody>
-        </p:sp>
-        <p:sp>
-          <p:nvSpPr>
-            <p:cNvPr id="49" name="右箭头 48"/>
-            <p:cNvSpPr/>
-            <p:nvPr/>
-          </p:nvSpPr>
-          <p:spPr>
-            <a:xfrm>
-              <a:off x="802743" y="2087232"/>
-              <a:ext cx="600905" cy="252496"/>
-            </a:xfrm>
-            <a:prstGeom prst="rightArrow">
-              <a:avLst/>
-            </a:prstGeom>
-          </p:spPr>
-          <p:style>
-            <a:lnRef idx="2">
-              <a:schemeClr val="accent1">
-                <a:shade val="50000"/>
-              </a:schemeClr>
-            </a:lnRef>
-            <a:fillRef idx="1">
-              <a:schemeClr val="accent1"/>
-            </a:fillRef>
-            <a:effectRef idx="0">
-              <a:schemeClr val="accent1"/>
-            </a:effectRef>
-            <a:fontRef idx="minor">
-              <a:schemeClr val="lt1"/>
-            </a:fontRef>
-          </p:style>
-          <p:txBody>
-            <a:bodyPr rtlCol="0" anchor="ctr"/>
-            <a:lstStyle/>
-            <a:p>
-              <a:pPr algn="ctr"/>
-              <a:endParaRPr lang="zh-CN" altLang="en-US"/>
-            </a:p>
-          </p:txBody>
-        </p:sp>
-        <p:sp>
-          <p:nvSpPr>
-            <p:cNvPr id="46" name="圆角矩形 45"/>
-            <p:cNvSpPr/>
-            <p:nvPr/>
-          </p:nvSpPr>
-          <p:spPr>
-            <a:xfrm>
-              <a:off x="3059832" y="2845326"/>
-              <a:ext cx="1332000" cy="288000"/>
-            </a:xfrm>
-            <a:prstGeom prst="roundRect">
-              <a:avLst/>
-            </a:prstGeom>
+          </a:ln>
+        </p:spPr>
+        <p:style>
+          <a:lnRef idx="2">
+            <a:schemeClr val="accent1">
+              <a:shade val="50000"/>
+            </a:schemeClr>
+          </a:lnRef>
+          <a:fillRef idx="1">
+            <a:schemeClr val="accent1"/>
+          </a:fillRef>
+          <a:effectRef idx="0">
+            <a:schemeClr val="accent1"/>
+          </a:effectRef>
+          <a:fontRef idx="minor">
+            <a:schemeClr val="lt1"/>
+          </a:fontRef>
+        </p:style>
+        <p:txBody>
+          <a:bodyPr rtlCol="0" anchor="ctr"/>
+          <a:lstStyle/>
+          <a:p>
+            <a:pPr algn="ctr"/>
+            <a:r>
+              <a:rPr lang="en-US" altLang="zh-CN" sz="1400" dirty="0" smtClean="0"/>
+              <a:t>Distance</a:t>
+            </a:r>
+            <a:endParaRPr lang="zh-CN" altLang="en-US" sz="1400" dirty="0"/>
+          </a:p>
+        </p:txBody>
+      </p:sp>
+      <p:sp>
+        <p:nvSpPr>
+          <p:cNvPr id="51" name="圆角矩形 50"/>
+          <p:cNvSpPr/>
+          <p:nvPr/>
+        </p:nvSpPr>
+        <p:spPr>
+          <a:xfrm>
+            <a:off x="3059832" y="3221810"/>
+            <a:ext cx="1332000" cy="288000"/>
+          </a:xfrm>
+          <a:prstGeom prst="roundRect">
+            <a:avLst/>
+          </a:prstGeom>
+          <a:solidFill>
+            <a:schemeClr val="bg2">
+              <a:lumMod val="50000"/>
+            </a:schemeClr>
+          </a:solidFill>
+          <a:ln>
             <a:solidFill>
-              <a:schemeClr val="bg2">
-                <a:lumMod val="50000"/>
-              </a:schemeClr>
+              <a:schemeClr val="bg1"/>
             </a:solidFill>
-            <a:ln>
-              <a:solidFill>
-                <a:schemeClr val="bg1"/>
-              </a:solidFill>
-            </a:ln>
-          </p:spPr>
-          <p:style>
-            <a:lnRef idx="2">
-              <a:schemeClr val="accent1">
-                <a:shade val="50000"/>
-              </a:schemeClr>
-            </a:lnRef>
-            <a:fillRef idx="1">
-              <a:schemeClr val="accent1"/>
-            </a:fillRef>
-            <a:effectRef idx="0">
-              <a:schemeClr val="accent1"/>
-            </a:effectRef>
-            <a:fontRef idx="minor">
-              <a:schemeClr val="lt1"/>
-            </a:fontRef>
-          </p:style>
-          <p:txBody>
-            <a:bodyPr rtlCol="0" anchor="ctr"/>
-            <a:lstStyle/>
-            <a:p>
-              <a:pPr algn="ctr"/>
-              <a:r>
-                <a:rPr lang="en-US" altLang="zh-CN" sz="1400" dirty="0" smtClean="0"/>
-                <a:t>Distance</a:t>
-              </a:r>
-              <a:endParaRPr lang="zh-CN" altLang="en-US" sz="1400" dirty="0"/>
-            </a:p>
-          </p:txBody>
-        </p:sp>
-        <p:sp>
-          <p:nvSpPr>
-            <p:cNvPr id="51" name="圆角矩形 50"/>
-            <p:cNvSpPr/>
-            <p:nvPr/>
-          </p:nvSpPr>
-          <p:spPr>
-            <a:xfrm>
-              <a:off x="3059832" y="3221810"/>
-              <a:ext cx="1332000" cy="288000"/>
-            </a:xfrm>
-            <a:prstGeom prst="roundRect">
-              <a:avLst/>
-            </a:prstGeom>
+          </a:ln>
+        </p:spPr>
+        <p:style>
+          <a:lnRef idx="2">
+            <a:schemeClr val="accent1">
+              <a:shade val="50000"/>
+            </a:schemeClr>
+          </a:lnRef>
+          <a:fillRef idx="1">
+            <a:schemeClr val="accent1"/>
+          </a:fillRef>
+          <a:effectRef idx="0">
+            <a:schemeClr val="accent1"/>
+          </a:effectRef>
+          <a:fontRef idx="minor">
+            <a:schemeClr val="lt1"/>
+          </a:fontRef>
+        </p:style>
+        <p:txBody>
+          <a:bodyPr rtlCol="0" anchor="ctr"/>
+          <a:lstStyle/>
+          <a:p>
+            <a:pPr algn="ctr"/>
+            <a:r>
+              <a:rPr lang="en-US" altLang="zh-CN" sz="1400" dirty="0" smtClean="0"/>
+              <a:t>Doc2Vec</a:t>
+            </a:r>
+            <a:endParaRPr lang="zh-CN" altLang="en-US" sz="1400" dirty="0"/>
+          </a:p>
+        </p:txBody>
+      </p:sp>
+      <p:sp>
+        <p:nvSpPr>
+          <p:cNvPr id="52" name="圆角矩形 51"/>
+          <p:cNvSpPr/>
+          <p:nvPr/>
+        </p:nvSpPr>
+        <p:spPr>
+          <a:xfrm>
+            <a:off x="3059832" y="5013176"/>
+            <a:ext cx="1332000" cy="288000"/>
+          </a:xfrm>
+          <a:prstGeom prst="roundRect">
+            <a:avLst/>
+          </a:prstGeom>
+          <a:solidFill>
+            <a:schemeClr val="bg2">
+              <a:lumMod val="50000"/>
+            </a:schemeClr>
+          </a:solidFill>
+          <a:ln>
             <a:solidFill>
-              <a:schemeClr val="bg2">
-                <a:lumMod val="50000"/>
-              </a:schemeClr>
+              <a:schemeClr val="bg1"/>
             </a:solidFill>
-            <a:ln>
-              <a:solidFill>
-                <a:schemeClr val="bg1"/>
-              </a:solidFill>
-            </a:ln>
-          </p:spPr>
-          <p:style>
-            <a:lnRef idx="2">
-              <a:schemeClr val="accent1">
-                <a:shade val="50000"/>
-              </a:schemeClr>
-            </a:lnRef>
-            <a:fillRef idx="1">
-              <a:schemeClr val="accent1"/>
-            </a:fillRef>
-            <a:effectRef idx="0">
-              <a:schemeClr val="accent1"/>
-            </a:effectRef>
-            <a:fontRef idx="minor">
-              <a:schemeClr val="lt1"/>
-            </a:fontRef>
-          </p:style>
-          <p:txBody>
-            <a:bodyPr rtlCol="0" anchor="ctr"/>
-            <a:lstStyle/>
-            <a:p>
-              <a:pPr algn="ctr"/>
-              <a:r>
-                <a:rPr lang="en-US" altLang="zh-CN" sz="1400" dirty="0" smtClean="0"/>
-                <a:t>Doc2Vec</a:t>
-              </a:r>
-              <a:endParaRPr lang="zh-CN" altLang="en-US" sz="1400" dirty="0"/>
-            </a:p>
-          </p:txBody>
-        </p:sp>
-        <p:sp>
-          <p:nvSpPr>
-            <p:cNvPr id="52" name="圆角矩形 51"/>
-            <p:cNvSpPr/>
-            <p:nvPr/>
-          </p:nvSpPr>
-          <p:spPr>
-            <a:xfrm>
-              <a:off x="3059832" y="5013176"/>
-              <a:ext cx="1332000" cy="288000"/>
-            </a:xfrm>
-            <a:prstGeom prst="roundRect">
-              <a:avLst/>
-            </a:prstGeom>
+          </a:ln>
+        </p:spPr>
+        <p:style>
+          <a:lnRef idx="2">
+            <a:schemeClr val="accent1">
+              <a:shade val="50000"/>
+            </a:schemeClr>
+          </a:lnRef>
+          <a:fillRef idx="1">
+            <a:schemeClr val="accent1"/>
+          </a:fillRef>
+          <a:effectRef idx="0">
+            <a:schemeClr val="accent1"/>
+          </a:effectRef>
+          <a:fontRef idx="minor">
+            <a:schemeClr val="lt1"/>
+          </a:fontRef>
+        </p:style>
+        <p:txBody>
+          <a:bodyPr rtlCol="0" anchor="ctr"/>
+          <a:lstStyle/>
+          <a:p>
+            <a:pPr algn="ctr"/>
+            <a:r>
+              <a:rPr lang="en-US" altLang="zh-CN" sz="1400" dirty="0" smtClean="0"/>
+              <a:t>…</a:t>
+            </a:r>
+            <a:endParaRPr lang="zh-CN" altLang="en-US" sz="1400" dirty="0"/>
+          </a:p>
+        </p:txBody>
+      </p:sp>
+      <p:sp>
+        <p:nvSpPr>
+          <p:cNvPr id="53" name="圆角矩形 52"/>
+          <p:cNvSpPr/>
+          <p:nvPr/>
+        </p:nvSpPr>
+        <p:spPr>
+          <a:xfrm>
+            <a:off x="1296778" y="3105024"/>
+            <a:ext cx="1260000" cy="540000"/>
+          </a:xfrm>
+          <a:prstGeom prst="roundRect">
+            <a:avLst/>
+          </a:prstGeom>
+          <a:solidFill>
+            <a:schemeClr val="accent4">
+              <a:lumMod val="75000"/>
+            </a:schemeClr>
+          </a:solidFill>
+          <a:ln>
             <a:solidFill>
-              <a:schemeClr val="bg2">
-                <a:lumMod val="50000"/>
-              </a:schemeClr>
+              <a:schemeClr val="bg1"/>
             </a:solidFill>
-            <a:ln>
-              <a:solidFill>
-                <a:schemeClr val="bg1"/>
-              </a:solidFill>
-            </a:ln>
-          </p:spPr>
-          <p:style>
-            <a:lnRef idx="2">
-              <a:schemeClr val="accent1">
-                <a:shade val="50000"/>
-              </a:schemeClr>
-            </a:lnRef>
-            <a:fillRef idx="1">
-              <a:schemeClr val="accent1"/>
-            </a:fillRef>
-            <a:effectRef idx="0">
-              <a:schemeClr val="accent1"/>
-            </a:effectRef>
-            <a:fontRef idx="minor">
-              <a:schemeClr val="lt1"/>
-            </a:fontRef>
-          </p:style>
-          <p:txBody>
-            <a:bodyPr rtlCol="0" anchor="ctr"/>
-            <a:lstStyle/>
-            <a:p>
-              <a:pPr algn="ctr"/>
-              <a:r>
-                <a:rPr lang="en-US" altLang="zh-CN" sz="1400" dirty="0" smtClean="0"/>
-                <a:t>…</a:t>
-              </a:r>
-              <a:endParaRPr lang="zh-CN" altLang="en-US" sz="1400" dirty="0"/>
-            </a:p>
-          </p:txBody>
-        </p:sp>
-        <p:sp>
-          <p:nvSpPr>
-            <p:cNvPr id="53" name="圆角矩形 52"/>
-            <p:cNvSpPr/>
-            <p:nvPr/>
-          </p:nvSpPr>
-          <p:spPr>
-            <a:xfrm>
-              <a:off x="1296778" y="2961008"/>
-              <a:ext cx="1260000" cy="540000"/>
-            </a:xfrm>
-            <a:prstGeom prst="roundRect">
-              <a:avLst/>
-            </a:prstGeom>
+          </a:ln>
+        </p:spPr>
+        <p:style>
+          <a:lnRef idx="2">
+            <a:schemeClr val="accent1">
+              <a:shade val="50000"/>
+            </a:schemeClr>
+          </a:lnRef>
+          <a:fillRef idx="1">
+            <a:schemeClr val="accent1"/>
+          </a:fillRef>
+          <a:effectRef idx="0">
+            <a:schemeClr val="accent1"/>
+          </a:effectRef>
+          <a:fontRef idx="minor">
+            <a:schemeClr val="lt1"/>
+          </a:fontRef>
+        </p:style>
+        <p:txBody>
+          <a:bodyPr rtlCol="0" anchor="ctr"/>
+          <a:lstStyle/>
+          <a:p>
+            <a:pPr algn="ctr"/>
+            <a:r>
+              <a:rPr lang="en-US" altLang="zh-CN" sz="1400" dirty="0" smtClean="0"/>
+              <a:t>Unit Conversion</a:t>
+            </a:r>
+            <a:endParaRPr lang="zh-CN" altLang="en-US" sz="1400" dirty="0"/>
+          </a:p>
+        </p:txBody>
+      </p:sp>
+      <p:sp>
+        <p:nvSpPr>
+          <p:cNvPr id="54" name="圆角矩形 53"/>
+          <p:cNvSpPr/>
+          <p:nvPr/>
+        </p:nvSpPr>
+        <p:spPr>
+          <a:xfrm>
+            <a:off x="1302585" y="5013176"/>
+            <a:ext cx="1260000" cy="290412"/>
+          </a:xfrm>
+          <a:prstGeom prst="roundRect">
+            <a:avLst/>
+          </a:prstGeom>
+          <a:solidFill>
+            <a:schemeClr val="accent4">
+              <a:lumMod val="75000"/>
+            </a:schemeClr>
+          </a:solidFill>
+          <a:ln>
             <a:solidFill>
-              <a:schemeClr val="accent4">
-                <a:lumMod val="75000"/>
-              </a:schemeClr>
+              <a:schemeClr val="bg1"/>
             </a:solidFill>
-            <a:ln>
-              <a:solidFill>
-                <a:schemeClr val="bg1"/>
-              </a:solidFill>
-            </a:ln>
-          </p:spPr>
-          <p:style>
-            <a:lnRef idx="2">
-              <a:schemeClr val="accent1">
-                <a:shade val="50000"/>
-              </a:schemeClr>
-            </a:lnRef>
-            <a:fillRef idx="1">
-              <a:schemeClr val="accent1"/>
-            </a:fillRef>
-            <a:effectRef idx="0">
-              <a:schemeClr val="accent1"/>
-            </a:effectRef>
-            <a:fontRef idx="minor">
-              <a:schemeClr val="lt1"/>
-            </a:fontRef>
-          </p:style>
-          <p:txBody>
-            <a:bodyPr rtlCol="0" anchor="ctr"/>
-            <a:lstStyle/>
-            <a:p>
-              <a:pPr algn="ctr"/>
-              <a:r>
-                <a:rPr lang="en-US" altLang="zh-CN" sz="1400" dirty="0" smtClean="0"/>
-                <a:t>Unit Conversion</a:t>
-              </a:r>
-              <a:endParaRPr lang="zh-CN" altLang="en-US" sz="1400" dirty="0"/>
-            </a:p>
-          </p:txBody>
-        </p:sp>
-        <p:sp>
-          <p:nvSpPr>
-            <p:cNvPr id="54" name="圆角矩形 53"/>
-            <p:cNvSpPr/>
-            <p:nvPr/>
-          </p:nvSpPr>
-          <p:spPr>
-            <a:xfrm>
-              <a:off x="1302585" y="5082804"/>
-              <a:ext cx="1260000" cy="290412"/>
-            </a:xfrm>
-            <a:prstGeom prst="roundRect">
-              <a:avLst/>
-            </a:prstGeom>
+          </a:ln>
+        </p:spPr>
+        <p:style>
+          <a:lnRef idx="2">
+            <a:schemeClr val="accent1">
+              <a:shade val="50000"/>
+            </a:schemeClr>
+          </a:lnRef>
+          <a:fillRef idx="1">
+            <a:schemeClr val="accent1"/>
+          </a:fillRef>
+          <a:effectRef idx="0">
+            <a:schemeClr val="accent1"/>
+          </a:effectRef>
+          <a:fontRef idx="minor">
+            <a:schemeClr val="lt1"/>
+          </a:fontRef>
+        </p:style>
+        <p:txBody>
+          <a:bodyPr rtlCol="0" anchor="ctr"/>
+          <a:lstStyle/>
+          <a:p>
+            <a:pPr algn="ctr"/>
+            <a:r>
+              <a:rPr lang="en-US" altLang="zh-CN" sz="1400" dirty="0" smtClean="0"/>
+              <a:t>…</a:t>
+            </a:r>
+            <a:endParaRPr lang="zh-CN" altLang="en-US" sz="1400" dirty="0"/>
+          </a:p>
+        </p:txBody>
+      </p:sp>
+      <p:sp>
+        <p:nvSpPr>
+          <p:cNvPr id="55" name="圆角矩形 54"/>
+          <p:cNvSpPr/>
+          <p:nvPr/>
+        </p:nvSpPr>
+        <p:spPr>
+          <a:xfrm>
+            <a:off x="7684512" y="3717032"/>
+            <a:ext cx="2250000" cy="288000"/>
+          </a:xfrm>
+          <a:prstGeom prst="roundRect">
+            <a:avLst/>
+          </a:prstGeom>
+          <a:solidFill>
+            <a:schemeClr val="accent2"/>
+          </a:solidFill>
+          <a:ln>
             <a:solidFill>
-              <a:schemeClr val="accent4">
-                <a:lumMod val="75000"/>
-              </a:schemeClr>
+              <a:schemeClr val="bg1"/>
             </a:solidFill>
-            <a:ln>
-              <a:solidFill>
-                <a:schemeClr val="bg1"/>
-              </a:solidFill>
-            </a:ln>
-          </p:spPr>
-          <p:style>
-            <a:lnRef idx="2">
-              <a:schemeClr val="accent1">
-                <a:shade val="50000"/>
-              </a:schemeClr>
-            </a:lnRef>
-            <a:fillRef idx="1">
-              <a:schemeClr val="accent1"/>
-            </a:fillRef>
-            <a:effectRef idx="0">
-              <a:schemeClr val="accent1"/>
-            </a:effectRef>
-            <a:fontRef idx="minor">
-              <a:schemeClr val="lt1"/>
-            </a:fontRef>
-          </p:style>
-          <p:txBody>
-            <a:bodyPr rtlCol="0" anchor="ctr"/>
-            <a:lstStyle/>
-            <a:p>
-              <a:pPr algn="ctr"/>
-              <a:r>
-                <a:rPr lang="en-US" altLang="zh-CN" sz="1400" dirty="0" smtClean="0"/>
-                <a:t>…</a:t>
-              </a:r>
-              <a:endParaRPr lang="zh-CN" altLang="en-US" sz="1400" dirty="0"/>
-            </a:p>
-          </p:txBody>
-        </p:sp>
-        <p:sp>
-          <p:nvSpPr>
-            <p:cNvPr id="55" name="圆角矩形 54"/>
-            <p:cNvSpPr/>
-            <p:nvPr/>
-          </p:nvSpPr>
-          <p:spPr>
-            <a:xfrm>
-              <a:off x="7684512" y="3789040"/>
-              <a:ext cx="2250000" cy="288000"/>
-            </a:xfrm>
-            <a:prstGeom prst="roundRect">
-              <a:avLst/>
-            </a:prstGeom>
+          </a:ln>
+        </p:spPr>
+        <p:style>
+          <a:lnRef idx="2">
+            <a:schemeClr val="accent1">
+              <a:shade val="50000"/>
+            </a:schemeClr>
+          </a:lnRef>
+          <a:fillRef idx="1">
+            <a:schemeClr val="accent1"/>
+          </a:fillRef>
+          <a:effectRef idx="0">
+            <a:schemeClr val="accent1"/>
+          </a:effectRef>
+          <a:fontRef idx="minor">
+            <a:schemeClr val="lt1"/>
+          </a:fontRef>
+        </p:style>
+        <p:txBody>
+          <a:bodyPr rtlCol="0" anchor="ctr"/>
+          <a:lstStyle/>
+          <a:p>
+            <a:pPr algn="ctr"/>
+            <a:r>
+              <a:rPr lang="en-US" altLang="zh-CN" sz="1400" dirty="0" err="1" smtClean="0"/>
+              <a:t>RandomForestRegressor</a:t>
+            </a:r>
+            <a:endParaRPr lang="zh-CN" altLang="en-US" sz="1400" dirty="0"/>
+          </a:p>
+        </p:txBody>
+      </p:sp>
+      <p:sp>
+        <p:nvSpPr>
+          <p:cNvPr id="56" name="圆角矩形 55"/>
+          <p:cNvSpPr/>
+          <p:nvPr/>
+        </p:nvSpPr>
+        <p:spPr>
+          <a:xfrm>
+            <a:off x="7684512" y="2852936"/>
+            <a:ext cx="2250000" cy="288000"/>
+          </a:xfrm>
+          <a:prstGeom prst="roundRect">
+            <a:avLst/>
+          </a:prstGeom>
+          <a:solidFill>
+            <a:schemeClr val="accent2"/>
+          </a:solidFill>
+          <a:ln>
             <a:solidFill>
-              <a:schemeClr val="accent2"/>
+              <a:schemeClr val="bg1"/>
             </a:solidFill>
-            <a:ln>
-              <a:solidFill>
-                <a:schemeClr val="bg1"/>
-              </a:solidFill>
-            </a:ln>
-          </p:spPr>
-          <p:style>
-            <a:lnRef idx="2">
-              <a:schemeClr val="accent1">
-                <a:shade val="50000"/>
-              </a:schemeClr>
-            </a:lnRef>
-            <a:fillRef idx="1">
-              <a:schemeClr val="accent1"/>
-            </a:fillRef>
-            <a:effectRef idx="0">
-              <a:schemeClr val="accent1"/>
-            </a:effectRef>
-            <a:fontRef idx="minor">
-              <a:schemeClr val="lt1"/>
-            </a:fontRef>
-          </p:style>
-          <p:txBody>
-            <a:bodyPr rtlCol="0" anchor="ctr"/>
-            <a:lstStyle/>
-            <a:p>
-              <a:pPr algn="ctr"/>
-              <a:r>
-                <a:rPr lang="en-US" altLang="zh-CN" sz="1400" dirty="0" err="1" smtClean="0"/>
-                <a:t>RandomForestRegressor</a:t>
-              </a:r>
-              <a:endParaRPr lang="zh-CN" altLang="en-US" sz="1400" dirty="0"/>
-            </a:p>
-          </p:txBody>
-        </p:sp>
-        <p:sp>
-          <p:nvSpPr>
-            <p:cNvPr id="56" name="圆角矩形 55"/>
-            <p:cNvSpPr/>
-            <p:nvPr/>
-          </p:nvSpPr>
-          <p:spPr>
-            <a:xfrm>
-              <a:off x="7684512" y="2924944"/>
-              <a:ext cx="2250000" cy="288000"/>
-            </a:xfrm>
-            <a:prstGeom prst="roundRect">
-              <a:avLst/>
-            </a:prstGeom>
+          </a:ln>
+        </p:spPr>
+        <p:style>
+          <a:lnRef idx="2">
+            <a:schemeClr val="accent1">
+              <a:shade val="50000"/>
+            </a:schemeClr>
+          </a:lnRef>
+          <a:fillRef idx="1">
+            <a:schemeClr val="accent1"/>
+          </a:fillRef>
+          <a:effectRef idx="0">
+            <a:schemeClr val="accent1"/>
+          </a:effectRef>
+          <a:fontRef idx="minor">
+            <a:schemeClr val="lt1"/>
+          </a:fontRef>
+        </p:style>
+        <p:txBody>
+          <a:bodyPr rtlCol="0" anchor="ctr"/>
+          <a:lstStyle/>
+          <a:p>
+            <a:pPr algn="ctr"/>
+            <a:r>
+              <a:rPr lang="en-US" altLang="zh-CN" sz="1400" dirty="0" err="1" smtClean="0"/>
+              <a:t>XGBoostRegressor</a:t>
+            </a:r>
+            <a:endParaRPr lang="zh-CN" altLang="en-US" sz="1400" dirty="0"/>
+          </a:p>
+        </p:txBody>
+      </p:sp>
+      <p:sp>
+        <p:nvSpPr>
+          <p:cNvPr id="57" name="圆角矩形 56"/>
+          <p:cNvSpPr/>
+          <p:nvPr/>
+        </p:nvSpPr>
+        <p:spPr>
+          <a:xfrm>
+            <a:off x="7684512" y="3284984"/>
+            <a:ext cx="2250000" cy="288000"/>
+          </a:xfrm>
+          <a:prstGeom prst="roundRect">
+            <a:avLst/>
+          </a:prstGeom>
+          <a:solidFill>
+            <a:schemeClr val="accent2"/>
+          </a:solidFill>
+          <a:ln>
             <a:solidFill>
-              <a:schemeClr val="accent2"/>
+              <a:schemeClr val="bg1"/>
             </a:solidFill>
-            <a:ln>
-              <a:solidFill>
-                <a:schemeClr val="bg1"/>
-              </a:solidFill>
-            </a:ln>
-          </p:spPr>
-          <p:style>
-            <a:lnRef idx="2">
-              <a:schemeClr val="accent1">
-                <a:shade val="50000"/>
-              </a:schemeClr>
-            </a:lnRef>
-            <a:fillRef idx="1">
-              <a:schemeClr val="accent1"/>
-            </a:fillRef>
-            <a:effectRef idx="0">
-              <a:schemeClr val="accent1"/>
-            </a:effectRef>
-            <a:fontRef idx="minor">
-              <a:schemeClr val="lt1"/>
-            </a:fontRef>
-          </p:style>
-          <p:txBody>
-            <a:bodyPr rtlCol="0" anchor="ctr"/>
-            <a:lstStyle/>
-            <a:p>
-              <a:pPr algn="ctr"/>
-              <a:r>
-                <a:rPr lang="en-US" altLang="zh-CN" sz="1400" dirty="0" err="1" smtClean="0"/>
-                <a:t>XGBoostRegressor</a:t>
-              </a:r>
-              <a:endParaRPr lang="zh-CN" altLang="en-US" sz="1400" dirty="0"/>
-            </a:p>
-          </p:txBody>
-        </p:sp>
-        <p:sp>
-          <p:nvSpPr>
-            <p:cNvPr id="57" name="圆角矩形 56"/>
-            <p:cNvSpPr/>
-            <p:nvPr/>
-          </p:nvSpPr>
-          <p:spPr>
-            <a:xfrm>
-              <a:off x="7684512" y="3356992"/>
-              <a:ext cx="2250000" cy="288000"/>
-            </a:xfrm>
-            <a:prstGeom prst="roundRect">
-              <a:avLst/>
-            </a:prstGeom>
+          </a:ln>
+        </p:spPr>
+        <p:style>
+          <a:lnRef idx="2">
+            <a:schemeClr val="accent1">
+              <a:shade val="50000"/>
+            </a:schemeClr>
+          </a:lnRef>
+          <a:fillRef idx="1">
+            <a:schemeClr val="accent1"/>
+          </a:fillRef>
+          <a:effectRef idx="0">
+            <a:schemeClr val="accent1"/>
+          </a:effectRef>
+          <a:fontRef idx="minor">
+            <a:schemeClr val="lt1"/>
+          </a:fontRef>
+        </p:style>
+        <p:txBody>
+          <a:bodyPr rtlCol="0" anchor="ctr"/>
+          <a:lstStyle/>
+          <a:p>
+            <a:pPr algn="ctr"/>
+            <a:r>
+              <a:rPr lang="en-US" altLang="zh-CN" sz="1400" dirty="0" err="1" smtClean="0"/>
+              <a:t>ExtraTreesRegressor</a:t>
+            </a:r>
+            <a:endParaRPr lang="zh-CN" altLang="en-US" sz="1400" dirty="0"/>
+          </a:p>
+        </p:txBody>
+      </p:sp>
+      <p:sp>
+        <p:nvSpPr>
+          <p:cNvPr id="58" name="圆角矩形 57"/>
+          <p:cNvSpPr/>
+          <p:nvPr/>
+        </p:nvSpPr>
+        <p:spPr>
+          <a:xfrm>
+            <a:off x="7684512" y="4149112"/>
+            <a:ext cx="2250000" cy="288000"/>
+          </a:xfrm>
+          <a:prstGeom prst="roundRect">
+            <a:avLst/>
+          </a:prstGeom>
+          <a:solidFill>
+            <a:schemeClr val="accent2"/>
+          </a:solidFill>
+          <a:ln>
             <a:solidFill>
-              <a:schemeClr val="accent2"/>
+              <a:schemeClr val="bg1"/>
             </a:solidFill>
-            <a:ln>
-              <a:solidFill>
-                <a:schemeClr val="bg1"/>
-              </a:solidFill>
-            </a:ln>
-          </p:spPr>
-          <p:style>
-            <a:lnRef idx="2">
-              <a:schemeClr val="accent1">
-                <a:shade val="50000"/>
-              </a:schemeClr>
-            </a:lnRef>
-            <a:fillRef idx="1">
-              <a:schemeClr val="accent1"/>
-            </a:fillRef>
-            <a:effectRef idx="0">
-              <a:schemeClr val="accent1"/>
-            </a:effectRef>
-            <a:fontRef idx="minor">
-              <a:schemeClr val="lt1"/>
-            </a:fontRef>
-          </p:style>
-          <p:txBody>
-            <a:bodyPr rtlCol="0" anchor="ctr"/>
-            <a:lstStyle/>
-            <a:p>
-              <a:pPr algn="ctr"/>
-              <a:r>
-                <a:rPr lang="en-US" altLang="zh-CN" sz="1400" dirty="0" err="1" smtClean="0"/>
-                <a:t>ExtraTreesRegressor</a:t>
-              </a:r>
-              <a:endParaRPr lang="zh-CN" altLang="en-US" sz="1400" dirty="0"/>
-            </a:p>
-          </p:txBody>
-        </p:sp>
-        <p:sp>
-          <p:nvSpPr>
-            <p:cNvPr id="58" name="圆角矩形 57"/>
-            <p:cNvSpPr/>
-            <p:nvPr/>
-          </p:nvSpPr>
-          <p:spPr>
-            <a:xfrm>
-              <a:off x="7684512" y="4221120"/>
-              <a:ext cx="2250000" cy="288000"/>
-            </a:xfrm>
-            <a:prstGeom prst="roundRect">
-              <a:avLst/>
-            </a:prstGeom>
+          </a:ln>
+        </p:spPr>
+        <p:style>
+          <a:lnRef idx="2">
+            <a:schemeClr val="accent1">
+              <a:shade val="50000"/>
+            </a:schemeClr>
+          </a:lnRef>
+          <a:fillRef idx="1">
+            <a:schemeClr val="accent1"/>
+          </a:fillRef>
+          <a:effectRef idx="0">
+            <a:schemeClr val="accent1"/>
+          </a:effectRef>
+          <a:fontRef idx="minor">
+            <a:schemeClr val="lt1"/>
+          </a:fontRef>
+        </p:style>
+        <p:txBody>
+          <a:bodyPr rtlCol="0" anchor="ctr"/>
+          <a:lstStyle/>
+          <a:p>
+            <a:pPr algn="ctr"/>
+            <a:r>
+              <a:rPr lang="en-US" altLang="zh-CN" sz="1400" dirty="0" smtClean="0"/>
+              <a:t>Ridge</a:t>
+            </a:r>
+            <a:endParaRPr lang="zh-CN" altLang="en-US" sz="1400" dirty="0"/>
+          </a:p>
+        </p:txBody>
+      </p:sp>
+      <p:sp>
+        <p:nvSpPr>
+          <p:cNvPr id="59" name="圆角矩形 58"/>
+          <p:cNvSpPr/>
+          <p:nvPr/>
+        </p:nvSpPr>
+        <p:spPr>
+          <a:xfrm>
+            <a:off x="7684512" y="4581160"/>
+            <a:ext cx="2250000" cy="288000"/>
+          </a:xfrm>
+          <a:prstGeom prst="roundRect">
+            <a:avLst/>
+          </a:prstGeom>
+          <a:solidFill>
+            <a:schemeClr val="accent2"/>
+          </a:solidFill>
+          <a:ln>
             <a:solidFill>
-              <a:schemeClr val="accent2"/>
+              <a:schemeClr val="bg1"/>
             </a:solidFill>
-            <a:ln>
-              <a:solidFill>
-                <a:schemeClr val="bg1"/>
-              </a:solidFill>
-            </a:ln>
-          </p:spPr>
-          <p:style>
-            <a:lnRef idx="2">
-              <a:schemeClr val="accent1">
-                <a:shade val="50000"/>
-              </a:schemeClr>
-            </a:lnRef>
-            <a:fillRef idx="1">
-              <a:schemeClr val="accent1"/>
-            </a:fillRef>
-            <a:effectRef idx="0">
-              <a:schemeClr val="accent1"/>
-            </a:effectRef>
-            <a:fontRef idx="minor">
-              <a:schemeClr val="lt1"/>
-            </a:fontRef>
-          </p:style>
-          <p:txBody>
-            <a:bodyPr rtlCol="0" anchor="ctr"/>
-            <a:lstStyle/>
-            <a:p>
-              <a:pPr algn="ctr"/>
-              <a:r>
-                <a:rPr lang="en-US" altLang="zh-CN" sz="1400" dirty="0" smtClean="0"/>
-                <a:t>Ridge</a:t>
-              </a:r>
-              <a:endParaRPr lang="zh-CN" altLang="en-US" sz="1400" dirty="0"/>
-            </a:p>
-          </p:txBody>
-        </p:sp>
-        <p:sp>
-          <p:nvSpPr>
-            <p:cNvPr id="59" name="圆角矩形 58"/>
-            <p:cNvSpPr/>
-            <p:nvPr/>
-          </p:nvSpPr>
-          <p:spPr>
-            <a:xfrm>
-              <a:off x="7684512" y="4653168"/>
-              <a:ext cx="2250000" cy="288000"/>
-            </a:xfrm>
-            <a:prstGeom prst="roundRect">
-              <a:avLst/>
-            </a:prstGeom>
-            <a:solidFill>
-              <a:schemeClr val="accent2"/>
-            </a:solidFill>
-            <a:ln>
-              <a:solidFill>
-                <a:schemeClr val="bg1"/>
-              </a:solidFill>
-            </a:ln>
-          </p:spPr>
-          <p:style>
-            <a:lnRef idx="2">
-              <a:schemeClr val="accent1">
-                <a:shade val="50000"/>
-              </a:schemeClr>
-            </a:lnRef>
-            <a:fillRef idx="1">
-              <a:schemeClr val="accent1"/>
-            </a:fillRef>
-            <a:effectRef idx="0">
-              <a:schemeClr val="accent1"/>
-            </a:effectRef>
-            <a:fontRef idx="minor">
-              <a:schemeClr val="lt1"/>
-            </a:fontRef>
-          </p:style>
-          <p:txBody>
-            <a:bodyPr rtlCol="0" anchor="ctr"/>
-            <a:lstStyle/>
-            <a:p>
-              <a:pPr algn="ctr"/>
-              <a:r>
-                <a:rPr lang="en-US" altLang="zh-CN" sz="1400" dirty="0" err="1" smtClean="0"/>
-                <a:t>KerasDNNRegressor</a:t>
-              </a:r>
-              <a:endParaRPr lang="zh-CN" altLang="en-US" sz="1400" dirty="0"/>
-            </a:p>
-          </p:txBody>
-        </p:sp>
-        <p:sp>
-          <p:nvSpPr>
-            <p:cNvPr id="3" name="圆角矩形 2"/>
-            <p:cNvSpPr/>
-            <p:nvPr/>
-          </p:nvSpPr>
-          <p:spPr>
-            <a:xfrm>
-              <a:off x="5419194" y="2096384"/>
-              <a:ext cx="1673086" cy="403547"/>
-            </a:xfrm>
-            <a:prstGeom prst="roundRect">
-              <a:avLst/>
-            </a:prstGeom>
+          </a:ln>
+        </p:spPr>
+        <p:style>
+          <a:lnRef idx="2">
+            <a:schemeClr val="accent1">
+              <a:shade val="50000"/>
+            </a:schemeClr>
+          </a:lnRef>
+          <a:fillRef idx="1">
+            <a:schemeClr val="accent1"/>
+          </a:fillRef>
+          <a:effectRef idx="0">
+            <a:schemeClr val="accent1"/>
+          </a:effectRef>
+          <a:fontRef idx="minor">
+            <a:schemeClr val="lt1"/>
+          </a:fontRef>
+        </p:style>
+        <p:txBody>
+          <a:bodyPr rtlCol="0" anchor="ctr"/>
+          <a:lstStyle/>
+          <a:p>
+            <a:pPr algn="ctr"/>
+            <a:r>
+              <a:rPr lang="en-US" altLang="zh-CN" sz="1400" dirty="0" err="1" smtClean="0"/>
+              <a:t>KerasDNNRegressor</a:t>
+            </a:r>
+            <a:endParaRPr lang="zh-CN" altLang="en-US" sz="1400" dirty="0"/>
+          </a:p>
+        </p:txBody>
+      </p:sp>
+      <p:sp>
+        <p:nvSpPr>
+          <p:cNvPr id="3" name="圆角矩形 2"/>
+          <p:cNvSpPr/>
+          <p:nvPr/>
+        </p:nvSpPr>
+        <p:spPr>
+          <a:xfrm>
+            <a:off x="5418342" y="2096384"/>
+            <a:ext cx="1673086" cy="403547"/>
+          </a:xfrm>
+          <a:prstGeom prst="roundRect">
+            <a:avLst/>
+          </a:prstGeom>
+          <a:noFill/>
+          <a:ln>
             <a:noFill/>
-            <a:ln>
-              <a:noFill/>
-            </a:ln>
-          </p:spPr>
-          <p:style>
-            <a:lnRef idx="2">
-              <a:schemeClr val="accent1">
-                <a:shade val="50000"/>
-              </a:schemeClr>
-            </a:lnRef>
-            <a:fillRef idx="1">
-              <a:schemeClr val="accent1"/>
-            </a:fillRef>
-            <a:effectRef idx="0">
-              <a:schemeClr val="accent1"/>
-            </a:effectRef>
-            <a:fontRef idx="minor">
-              <a:schemeClr val="lt1"/>
-            </a:fontRef>
-          </p:style>
-          <p:txBody>
-            <a:bodyPr rtlCol="0" anchor="ctr"/>
-            <a:lstStyle/>
-            <a:p>
-              <a:pPr algn="ctr"/>
-              <a:r>
-                <a:rPr lang="en-US" altLang="zh-CN" b="1" dirty="0" smtClean="0">
-                  <a:solidFill>
-                    <a:schemeClr val="accent3">
-                      <a:lumMod val="75000"/>
-                    </a:schemeClr>
-                  </a:solidFill>
-                </a:rPr>
-                <a:t>1st level model</a:t>
-              </a:r>
-              <a:endParaRPr lang="zh-CN" altLang="en-US" b="1" dirty="0">
+          </a:ln>
+        </p:spPr>
+        <p:style>
+          <a:lnRef idx="2">
+            <a:schemeClr val="accent1">
+              <a:shade val="50000"/>
+            </a:schemeClr>
+          </a:lnRef>
+          <a:fillRef idx="1">
+            <a:schemeClr val="accent1"/>
+          </a:fillRef>
+          <a:effectRef idx="0">
+            <a:schemeClr val="accent1"/>
+          </a:effectRef>
+          <a:fontRef idx="minor">
+            <a:schemeClr val="lt1"/>
+          </a:fontRef>
+        </p:style>
+        <p:txBody>
+          <a:bodyPr rtlCol="0" anchor="ctr"/>
+          <a:lstStyle/>
+          <a:p>
+            <a:pPr algn="ctr"/>
+            <a:r>
+              <a:rPr lang="en-US" altLang="zh-CN" b="1" dirty="0" smtClean="0">
                 <a:solidFill>
                   <a:schemeClr val="accent3">
                     <a:lumMod val="75000"/>
                   </a:schemeClr>
                 </a:solidFill>
-              </a:endParaRPr>
-            </a:p>
-          </p:txBody>
-        </p:sp>
-        <p:sp>
-          <p:nvSpPr>
-            <p:cNvPr id="61" name="圆角矩形 60"/>
-            <p:cNvSpPr/>
-            <p:nvPr/>
-          </p:nvSpPr>
-          <p:spPr>
-            <a:xfrm>
-              <a:off x="7889402" y="2089349"/>
-              <a:ext cx="1795166" cy="403547"/>
-            </a:xfrm>
-            <a:prstGeom prst="roundRect">
-              <a:avLst/>
-            </a:prstGeom>
+              </a:rPr>
+              <a:t>1st level model</a:t>
+            </a:r>
+            <a:endParaRPr lang="zh-CN" altLang="en-US" b="1" dirty="0">
+              <a:solidFill>
+                <a:schemeClr val="accent3">
+                  <a:lumMod val="75000"/>
+                </a:schemeClr>
+              </a:solidFill>
+            </a:endParaRPr>
+          </a:p>
+        </p:txBody>
+      </p:sp>
+      <p:sp>
+        <p:nvSpPr>
+          <p:cNvPr id="61" name="圆角矩形 60"/>
+          <p:cNvSpPr/>
+          <p:nvPr/>
+        </p:nvSpPr>
+        <p:spPr>
+          <a:xfrm>
+            <a:off x="7889402" y="2089349"/>
+            <a:ext cx="1795166" cy="403547"/>
+          </a:xfrm>
+          <a:prstGeom prst="roundRect">
+            <a:avLst/>
+          </a:prstGeom>
+          <a:noFill/>
+          <a:ln>
             <a:noFill/>
-            <a:ln>
-              <a:noFill/>
-            </a:ln>
-          </p:spPr>
-          <p:style>
-            <a:lnRef idx="2">
-              <a:schemeClr val="accent1">
-                <a:shade val="50000"/>
-              </a:schemeClr>
-            </a:lnRef>
-            <a:fillRef idx="1">
-              <a:schemeClr val="accent1"/>
-            </a:fillRef>
-            <a:effectRef idx="0">
-              <a:schemeClr val="accent1"/>
-            </a:effectRef>
-            <a:fontRef idx="minor">
-              <a:schemeClr val="lt1"/>
-            </a:fontRef>
-          </p:style>
-          <p:txBody>
-            <a:bodyPr rtlCol="0" anchor="ctr"/>
-            <a:lstStyle/>
-            <a:p>
-              <a:pPr algn="ctr"/>
-              <a:r>
-                <a:rPr lang="en-US" altLang="zh-CN" b="1" dirty="0" smtClean="0">
-                  <a:solidFill>
-                    <a:schemeClr val="accent2"/>
-                  </a:solidFill>
-                </a:rPr>
-                <a:t>2nd level model</a:t>
-              </a:r>
-              <a:endParaRPr lang="zh-CN" altLang="en-US" b="1" dirty="0">
+          </a:ln>
+        </p:spPr>
+        <p:style>
+          <a:lnRef idx="2">
+            <a:schemeClr val="accent1">
+              <a:shade val="50000"/>
+            </a:schemeClr>
+          </a:lnRef>
+          <a:fillRef idx="1">
+            <a:schemeClr val="accent1"/>
+          </a:fillRef>
+          <a:effectRef idx="0">
+            <a:schemeClr val="accent1"/>
+          </a:effectRef>
+          <a:fontRef idx="minor">
+            <a:schemeClr val="lt1"/>
+          </a:fontRef>
+        </p:style>
+        <p:txBody>
+          <a:bodyPr rtlCol="0" anchor="ctr"/>
+          <a:lstStyle/>
+          <a:p>
+            <a:pPr algn="ctr"/>
+            <a:r>
+              <a:rPr lang="en-US" altLang="zh-CN" b="1" dirty="0" smtClean="0">
                 <a:solidFill>
                   <a:schemeClr val="accent2"/>
                 </a:solidFill>
-              </a:endParaRPr>
-            </a:p>
-          </p:txBody>
-        </p:sp>
-        <p:sp>
-          <p:nvSpPr>
-            <p:cNvPr id="62" name="圆角矩形 61"/>
-            <p:cNvSpPr/>
-            <p:nvPr/>
-          </p:nvSpPr>
-          <p:spPr>
-            <a:xfrm>
-              <a:off x="1314844" y="2375397"/>
-              <a:ext cx="1260000" cy="540000"/>
-            </a:xfrm>
-            <a:prstGeom prst="roundRect">
-              <a:avLst/>
-            </a:prstGeom>
+              </a:rPr>
+              <a:t>2nd level model</a:t>
+            </a:r>
+            <a:endParaRPr lang="zh-CN" altLang="en-US" b="1" dirty="0">
+              <a:solidFill>
+                <a:schemeClr val="accent2"/>
+              </a:solidFill>
+            </a:endParaRPr>
+          </a:p>
+        </p:txBody>
+      </p:sp>
+      <p:sp>
+        <p:nvSpPr>
+          <p:cNvPr id="62" name="圆角矩形 61"/>
+          <p:cNvSpPr/>
+          <p:nvPr/>
+        </p:nvSpPr>
+        <p:spPr>
+          <a:xfrm>
+            <a:off x="1295776" y="2492896"/>
+            <a:ext cx="1260000" cy="540000"/>
+          </a:xfrm>
+          <a:prstGeom prst="roundRect">
+            <a:avLst/>
+          </a:prstGeom>
+          <a:solidFill>
+            <a:schemeClr val="accent4">
+              <a:lumMod val="75000"/>
+            </a:schemeClr>
+          </a:solidFill>
+          <a:ln>
             <a:solidFill>
-              <a:schemeClr val="accent4">
-                <a:lumMod val="75000"/>
-              </a:schemeClr>
+              <a:schemeClr val="bg1"/>
             </a:solidFill>
-            <a:ln>
-              <a:solidFill>
-                <a:schemeClr val="bg1"/>
-              </a:solidFill>
-            </a:ln>
-          </p:spPr>
-          <p:style>
-            <a:lnRef idx="2">
-              <a:schemeClr val="accent1">
-                <a:shade val="50000"/>
-              </a:schemeClr>
-            </a:lnRef>
-            <a:fillRef idx="1">
-              <a:schemeClr val="accent1"/>
-            </a:fillRef>
-            <a:effectRef idx="0">
-              <a:schemeClr val="accent1"/>
-            </a:effectRef>
-            <a:fontRef idx="minor">
-              <a:schemeClr val="lt1"/>
-            </a:fontRef>
-          </p:style>
-          <p:txBody>
-            <a:bodyPr rtlCol="0" anchor="ctr"/>
-            <a:lstStyle/>
-            <a:p>
-              <a:pPr algn="ctr"/>
-              <a:r>
-                <a:rPr lang="en-US" altLang="zh-CN" sz="1400" dirty="0" smtClean="0"/>
-                <a:t>Case Conversion</a:t>
-              </a:r>
-              <a:endParaRPr lang="zh-CN" altLang="en-US" sz="1400" dirty="0"/>
-            </a:p>
-          </p:txBody>
-        </p:sp>
-        <p:sp>
-          <p:nvSpPr>
-            <p:cNvPr id="64" name="圆角矩形 63"/>
-            <p:cNvSpPr/>
-            <p:nvPr/>
-          </p:nvSpPr>
-          <p:spPr>
-            <a:xfrm>
-              <a:off x="3072713" y="3573016"/>
-              <a:ext cx="1332000" cy="288000"/>
-            </a:xfrm>
-            <a:prstGeom prst="roundRect">
-              <a:avLst/>
-            </a:prstGeom>
+          </a:ln>
+        </p:spPr>
+        <p:style>
+          <a:lnRef idx="2">
+            <a:schemeClr val="accent1">
+              <a:shade val="50000"/>
+            </a:schemeClr>
+          </a:lnRef>
+          <a:fillRef idx="1">
+            <a:schemeClr val="accent1"/>
+          </a:fillRef>
+          <a:effectRef idx="0">
+            <a:schemeClr val="accent1"/>
+          </a:effectRef>
+          <a:fontRef idx="minor">
+            <a:schemeClr val="lt1"/>
+          </a:fontRef>
+        </p:style>
+        <p:txBody>
+          <a:bodyPr rtlCol="0" anchor="ctr"/>
+          <a:lstStyle/>
+          <a:p>
+            <a:pPr algn="ctr"/>
+            <a:r>
+              <a:rPr lang="en-US" altLang="zh-CN" sz="1400" dirty="0" smtClean="0"/>
+              <a:t>Case Conversion</a:t>
+            </a:r>
+            <a:endParaRPr lang="zh-CN" altLang="en-US" sz="1400" dirty="0"/>
+          </a:p>
+        </p:txBody>
+      </p:sp>
+      <p:sp>
+        <p:nvSpPr>
+          <p:cNvPr id="64" name="圆角矩形 63"/>
+          <p:cNvSpPr/>
+          <p:nvPr/>
+        </p:nvSpPr>
+        <p:spPr>
+          <a:xfrm>
+            <a:off x="3072713" y="3573016"/>
+            <a:ext cx="1332000" cy="288000"/>
+          </a:xfrm>
+          <a:prstGeom prst="roundRect">
+            <a:avLst/>
+          </a:prstGeom>
+          <a:solidFill>
+            <a:schemeClr val="bg2">
+              <a:lumMod val="50000"/>
+            </a:schemeClr>
+          </a:solidFill>
+          <a:ln>
             <a:solidFill>
-              <a:schemeClr val="bg2">
-                <a:lumMod val="50000"/>
-              </a:schemeClr>
+              <a:schemeClr val="bg1"/>
             </a:solidFill>
-            <a:ln>
-              <a:solidFill>
-                <a:schemeClr val="bg1"/>
-              </a:solidFill>
-            </a:ln>
-          </p:spPr>
-          <p:style>
-            <a:lnRef idx="2">
-              <a:schemeClr val="accent1">
-                <a:shade val="50000"/>
-              </a:schemeClr>
-            </a:lnRef>
-            <a:fillRef idx="1">
-              <a:schemeClr val="accent1"/>
-            </a:fillRef>
-            <a:effectRef idx="0">
-              <a:schemeClr val="accent1"/>
-            </a:effectRef>
-            <a:fontRef idx="minor">
-              <a:schemeClr val="lt1"/>
-            </a:fontRef>
-          </p:style>
-          <p:txBody>
-            <a:bodyPr rtlCol="0" anchor="ctr"/>
-            <a:lstStyle/>
-            <a:p>
-              <a:pPr algn="ctr"/>
-              <a:r>
-                <a:rPr lang="en-US" altLang="zh-CN" sz="1400" dirty="0" smtClean="0"/>
-                <a:t>Intersect Count</a:t>
-              </a:r>
-              <a:endParaRPr lang="zh-CN" altLang="en-US" sz="1400" dirty="0"/>
-            </a:p>
-          </p:txBody>
-        </p:sp>
-      </p:grpSp>
+          </a:ln>
+        </p:spPr>
+        <p:style>
+          <a:lnRef idx="2">
+            <a:schemeClr val="accent1">
+              <a:shade val="50000"/>
+            </a:schemeClr>
+          </a:lnRef>
+          <a:fillRef idx="1">
+            <a:schemeClr val="accent1"/>
+          </a:fillRef>
+          <a:effectRef idx="0">
+            <a:schemeClr val="accent1"/>
+          </a:effectRef>
+          <a:fontRef idx="minor">
+            <a:schemeClr val="lt1"/>
+          </a:fontRef>
+        </p:style>
+        <p:txBody>
+          <a:bodyPr rtlCol="0" anchor="ctr"/>
+          <a:lstStyle/>
+          <a:p>
+            <a:pPr algn="ctr"/>
+            <a:r>
+              <a:rPr lang="en-US" altLang="zh-CN" sz="1400" dirty="0" smtClean="0"/>
+              <a:t>Intersect Count</a:t>
+            </a:r>
+            <a:endParaRPr lang="zh-CN" altLang="en-US" sz="1400" dirty="0"/>
+          </a:p>
+        </p:txBody>
+      </p:sp>
+      <p:sp>
+        <p:nvSpPr>
+          <p:cNvPr id="43" name="圆角矩形 42"/>
+          <p:cNvSpPr/>
+          <p:nvPr/>
+        </p:nvSpPr>
+        <p:spPr>
+          <a:xfrm>
+            <a:off x="5129460" y="5013176"/>
+            <a:ext cx="2250000" cy="288000"/>
+          </a:xfrm>
+          <a:prstGeom prst="roundRect">
+            <a:avLst/>
+          </a:prstGeom>
+          <a:solidFill>
+            <a:schemeClr val="accent3">
+              <a:lumMod val="75000"/>
+            </a:schemeClr>
+          </a:solidFill>
+          <a:ln>
+            <a:solidFill>
+              <a:schemeClr val="bg1"/>
+            </a:solidFill>
+          </a:ln>
+        </p:spPr>
+        <p:style>
+          <a:lnRef idx="2">
+            <a:schemeClr val="accent1">
+              <a:shade val="50000"/>
+            </a:schemeClr>
+          </a:lnRef>
+          <a:fillRef idx="1">
+            <a:schemeClr val="accent1"/>
+          </a:fillRef>
+          <a:effectRef idx="0">
+            <a:schemeClr val="accent1"/>
+          </a:effectRef>
+          <a:fontRef idx="minor">
+            <a:schemeClr val="lt1"/>
+          </a:fontRef>
+        </p:style>
+        <p:txBody>
+          <a:bodyPr rtlCol="0" anchor="ctr"/>
+          <a:lstStyle/>
+          <a:p>
+            <a:pPr algn="ctr"/>
+            <a:r>
+              <a:rPr lang="en-US" altLang="zh-CN" sz="1400" dirty="0" smtClean="0"/>
+              <a:t>…</a:t>
+            </a:r>
+            <a:endParaRPr lang="zh-CN" altLang="en-US" sz="1400" dirty="0"/>
+          </a:p>
+        </p:txBody>
+      </p:sp>
+      <p:sp>
+        <p:nvSpPr>
+          <p:cNvPr id="44" name="圆角矩形 43"/>
+          <p:cNvSpPr/>
+          <p:nvPr/>
+        </p:nvSpPr>
+        <p:spPr>
+          <a:xfrm>
+            <a:off x="1295776" y="4293096"/>
+            <a:ext cx="1260000" cy="290412"/>
+          </a:xfrm>
+          <a:prstGeom prst="roundRect">
+            <a:avLst/>
+          </a:prstGeom>
+          <a:solidFill>
+            <a:schemeClr val="accent4">
+              <a:lumMod val="75000"/>
+            </a:schemeClr>
+          </a:solidFill>
+          <a:ln>
+            <a:solidFill>
+              <a:schemeClr val="bg1"/>
+            </a:solidFill>
+          </a:ln>
+        </p:spPr>
+        <p:style>
+          <a:lnRef idx="2">
+            <a:schemeClr val="accent1">
+              <a:shade val="50000"/>
+            </a:schemeClr>
+          </a:lnRef>
+          <a:fillRef idx="1">
+            <a:schemeClr val="accent1"/>
+          </a:fillRef>
+          <a:effectRef idx="0">
+            <a:schemeClr val="accent1"/>
+          </a:effectRef>
+          <a:fontRef idx="minor">
+            <a:schemeClr val="lt1"/>
+          </a:fontRef>
+        </p:style>
+        <p:txBody>
+          <a:bodyPr rtlCol="0" anchor="ctr"/>
+          <a:lstStyle/>
+          <a:p>
+            <a:pPr algn="ctr"/>
+            <a:r>
+              <a:rPr lang="en-US" altLang="zh-CN" sz="1400" dirty="0" smtClean="0"/>
+              <a:t>Lemmatizing</a:t>
+            </a:r>
+            <a:endParaRPr lang="zh-CN" altLang="en-US" sz="1400" dirty="0"/>
+          </a:p>
+        </p:txBody>
+      </p:sp>
     </p:spTree>
   </p:cSld>
   <p:clrMapOvr>

--- a/Fig/FlowChart.pptx
+++ b/Fig/FlowChart.pptx
@@ -3512,2147 +3512,2162 @@
           <a:chExt cx="0" cy="0"/>
         </a:xfrm>
       </p:grpSpPr>
-      <p:sp>
-        <p:nvSpPr>
-          <p:cNvPr id="6" name="圆角矩形 5"/>
-          <p:cNvSpPr/>
+      <p:grpSp>
+        <p:nvGrpSpPr>
+          <p:cNvPr id="5" name="组合 4"/>
+          <p:cNvGrpSpPr/>
           <p:nvPr/>
-        </p:nvSpPr>
-        <p:spPr>
+        </p:nvGrpSpPr>
+        <p:grpSpPr>
           <a:xfrm>
             <a:off x="35496" y="1440000"/>
-            <a:ext cx="901358" cy="4320000"/>
+            <a:ext cx="11881321" cy="4320000"/>
+            <a:chOff x="35496" y="1440000"/>
+            <a:chExt cx="11881321" cy="4320000"/>
           </a:xfrm>
-          <a:prstGeom prst="roundRect">
-            <a:avLst/>
-          </a:prstGeom>
-          <a:solidFill>
-            <a:schemeClr val="bg1">
-              <a:lumMod val="95000"/>
-            </a:schemeClr>
-          </a:solidFill>
-          <a:ln>
-            <a:noFill/>
-          </a:ln>
-        </p:spPr>
-        <p:style>
-          <a:lnRef idx="2">
-            <a:schemeClr val="accent1">
-              <a:shade val="50000"/>
-            </a:schemeClr>
-          </a:lnRef>
-          <a:fillRef idx="1">
-            <a:schemeClr val="accent1"/>
-          </a:fillRef>
-          <a:effectRef idx="0">
-            <a:schemeClr val="accent1"/>
-          </a:effectRef>
-          <a:fontRef idx="minor">
-            <a:schemeClr val="lt1"/>
-          </a:fontRef>
-        </p:style>
-        <p:txBody>
-          <a:bodyPr rtlCol="0" anchor="t" anchorCtr="1"/>
-          <a:lstStyle/>
-          <a:p>
-            <a:pPr algn="ctr"/>
-            <a:r>
-              <a:rPr lang="en-US" altLang="zh-CN" sz="1600" b="1" dirty="0" smtClean="0">
+        </p:grpSpPr>
+        <p:sp>
+          <p:nvSpPr>
+            <p:cNvPr id="6" name="圆角矩形 5"/>
+            <p:cNvSpPr/>
+            <p:nvPr/>
+          </p:nvSpPr>
+          <p:spPr>
+            <a:xfrm>
+              <a:off x="35496" y="1440000"/>
+              <a:ext cx="901358" cy="4320000"/>
+            </a:xfrm>
+            <a:prstGeom prst="roundRect">
+              <a:avLst/>
+            </a:prstGeom>
+            <a:solidFill>
+              <a:schemeClr val="bg1">
+                <a:lumMod val="95000"/>
+              </a:schemeClr>
+            </a:solidFill>
+            <a:ln>
+              <a:noFill/>
+            </a:ln>
+          </p:spPr>
+          <p:style>
+            <a:lnRef idx="2">
+              <a:schemeClr val="accent1">
+                <a:shade val="50000"/>
+              </a:schemeClr>
+            </a:lnRef>
+            <a:fillRef idx="1">
+              <a:schemeClr val="accent1"/>
+            </a:fillRef>
+            <a:effectRef idx="0">
+              <a:schemeClr val="accent1"/>
+            </a:effectRef>
+            <a:fontRef idx="minor">
+              <a:schemeClr val="lt1"/>
+            </a:fontRef>
+          </p:style>
+          <p:txBody>
+            <a:bodyPr rtlCol="0" anchor="t" anchorCtr="1"/>
+            <a:lstStyle/>
+            <a:p>
+              <a:pPr algn="ctr"/>
+              <a:r>
+                <a:rPr lang="en-US" altLang="zh-CN" sz="1600" b="1" dirty="0" smtClean="0">
+                  <a:solidFill>
+                    <a:schemeClr val="tx1"/>
+                  </a:solidFill>
+                </a:rPr>
+                <a:t>Input</a:t>
+              </a:r>
+              <a:endParaRPr lang="zh-CN" altLang="en-US" sz="1600" b="1" dirty="0">
                 <a:solidFill>
                   <a:schemeClr val="tx1"/>
                 </a:solidFill>
-              </a:rPr>
-              <a:t>Input</a:t>
-            </a:r>
-            <a:endParaRPr lang="zh-CN" altLang="en-US" sz="1600" b="1" dirty="0">
+              </a:endParaRPr>
+            </a:p>
+          </p:txBody>
+        </p:sp>
+        <p:sp>
+          <p:nvSpPr>
+            <p:cNvPr id="9" name="圆角矩形 8"/>
+            <p:cNvSpPr/>
+            <p:nvPr/>
+          </p:nvSpPr>
+          <p:spPr>
+            <a:xfrm>
+              <a:off x="161984" y="3429000"/>
+              <a:ext cx="630000" cy="540000"/>
+            </a:xfrm>
+            <a:prstGeom prst="roundRect">
+              <a:avLst/>
+            </a:prstGeom>
+            <a:solidFill>
+              <a:schemeClr val="accent2">
+                <a:lumMod val="75000"/>
+              </a:schemeClr>
+            </a:solidFill>
+            <a:ln>
               <a:solidFill>
-                <a:schemeClr val="tx1"/>
+                <a:schemeClr val="bg1"/>
               </a:solidFill>
-            </a:endParaRPr>
-          </a:p>
-        </p:txBody>
-      </p:sp>
-      <p:sp>
-        <p:nvSpPr>
-          <p:cNvPr id="9" name="圆角矩形 8"/>
-          <p:cNvSpPr/>
-          <p:nvPr/>
-        </p:nvSpPr>
-        <p:spPr>
-          <a:xfrm>
-            <a:off x="161984" y="3429000"/>
-            <a:ext cx="630000" cy="540000"/>
-          </a:xfrm>
-          <a:prstGeom prst="roundRect">
-            <a:avLst/>
-          </a:prstGeom>
-          <a:solidFill>
-            <a:schemeClr val="accent2">
-              <a:lumMod val="75000"/>
-            </a:schemeClr>
-          </a:solidFill>
-          <a:ln>
+            </a:ln>
+          </p:spPr>
+          <p:style>
+            <a:lnRef idx="2">
+              <a:schemeClr val="accent1">
+                <a:shade val="50000"/>
+              </a:schemeClr>
+            </a:lnRef>
+            <a:fillRef idx="1">
+              <a:schemeClr val="accent1"/>
+            </a:fillRef>
+            <a:effectRef idx="0">
+              <a:schemeClr val="accent1"/>
+            </a:effectRef>
+            <a:fontRef idx="minor">
+              <a:schemeClr val="lt1"/>
+            </a:fontRef>
+          </p:style>
+          <p:txBody>
+            <a:bodyPr rtlCol="0" anchor="ctr"/>
+            <a:lstStyle/>
+            <a:p>
+              <a:pPr algn="ctr"/>
+              <a:r>
+                <a:rPr lang="en-US" altLang="zh-CN" sz="1600" dirty="0" smtClean="0"/>
+                <a:t>Data</a:t>
+              </a:r>
+              <a:endParaRPr lang="zh-CN" altLang="en-US" sz="1600" dirty="0"/>
+            </a:p>
+          </p:txBody>
+        </p:sp>
+        <p:sp>
+          <p:nvSpPr>
+            <p:cNvPr id="8" name="圆角矩形 7"/>
+            <p:cNvSpPr/>
+            <p:nvPr/>
+          </p:nvSpPr>
+          <p:spPr>
+            <a:xfrm>
+              <a:off x="1161840" y="1440000"/>
+              <a:ext cx="1530000" cy="4320000"/>
+            </a:xfrm>
+            <a:prstGeom prst="roundRect">
+              <a:avLst/>
+            </a:prstGeom>
             <a:solidFill>
-              <a:schemeClr val="bg1"/>
+              <a:schemeClr val="accent4">
+                <a:lumMod val="20000"/>
+                <a:lumOff val="80000"/>
+              </a:schemeClr>
             </a:solidFill>
-          </a:ln>
-        </p:spPr>
-        <p:style>
-          <a:lnRef idx="2">
-            <a:schemeClr val="accent1">
-              <a:shade val="50000"/>
-            </a:schemeClr>
-          </a:lnRef>
-          <a:fillRef idx="1">
-            <a:schemeClr val="accent1"/>
-          </a:fillRef>
-          <a:effectRef idx="0">
-            <a:schemeClr val="accent1"/>
-          </a:effectRef>
-          <a:fontRef idx="minor">
-            <a:schemeClr val="lt1"/>
-          </a:fontRef>
-        </p:style>
-        <p:txBody>
-          <a:bodyPr rtlCol="0" anchor="ctr"/>
-          <a:lstStyle/>
-          <a:p>
-            <a:pPr algn="ctr"/>
-            <a:r>
-              <a:rPr lang="en-US" altLang="zh-CN" sz="1600" dirty="0" smtClean="0"/>
-              <a:t>Data</a:t>
-            </a:r>
-            <a:endParaRPr lang="zh-CN" altLang="en-US" sz="1600" dirty="0"/>
-          </a:p>
-        </p:txBody>
-      </p:sp>
-      <p:sp>
-        <p:nvSpPr>
-          <p:cNvPr id="8" name="圆角矩形 7"/>
-          <p:cNvSpPr/>
-          <p:nvPr/>
-        </p:nvSpPr>
-        <p:spPr>
-          <a:xfrm>
-            <a:off x="1161840" y="1440000"/>
-            <a:ext cx="1530000" cy="4320000"/>
-          </a:xfrm>
-          <a:prstGeom prst="roundRect">
-            <a:avLst/>
-          </a:prstGeom>
-          <a:solidFill>
-            <a:schemeClr val="accent4">
-              <a:lumMod val="20000"/>
-              <a:lumOff val="80000"/>
-            </a:schemeClr>
-          </a:solidFill>
-          <a:ln>
-            <a:noFill/>
-          </a:ln>
-        </p:spPr>
-        <p:style>
-          <a:lnRef idx="2">
-            <a:schemeClr val="accent1">
-              <a:shade val="50000"/>
-            </a:schemeClr>
-          </a:lnRef>
-          <a:fillRef idx="1">
-            <a:schemeClr val="accent1"/>
-          </a:fillRef>
-          <a:effectRef idx="0">
-            <a:schemeClr val="accent1"/>
-          </a:effectRef>
-          <a:fontRef idx="minor">
-            <a:schemeClr val="lt1"/>
-          </a:fontRef>
-        </p:style>
-        <p:txBody>
-          <a:bodyPr rtlCol="0" anchor="t" anchorCtr="1"/>
-          <a:lstStyle/>
-          <a:p>
-            <a:pPr algn="ctr"/>
-            <a:r>
-              <a:rPr lang="en-US" altLang="zh-CN" sz="1600" b="1" dirty="0" smtClean="0">
+            <a:ln>
+              <a:noFill/>
+            </a:ln>
+          </p:spPr>
+          <p:style>
+            <a:lnRef idx="2">
+              <a:schemeClr val="accent1">
+                <a:shade val="50000"/>
+              </a:schemeClr>
+            </a:lnRef>
+            <a:fillRef idx="1">
+              <a:schemeClr val="accent1"/>
+            </a:fillRef>
+            <a:effectRef idx="0">
+              <a:schemeClr val="accent1"/>
+            </a:effectRef>
+            <a:fontRef idx="minor">
+              <a:schemeClr val="lt1"/>
+            </a:fontRef>
+          </p:style>
+          <p:txBody>
+            <a:bodyPr rtlCol="0" anchor="t" anchorCtr="1"/>
+            <a:lstStyle/>
+            <a:p>
+              <a:pPr algn="ctr"/>
+              <a:r>
+                <a:rPr lang="en-US" altLang="zh-CN" sz="1600" b="1" dirty="0" smtClean="0">
+                  <a:solidFill>
+                    <a:schemeClr val="tx1"/>
+                  </a:solidFill>
+                </a:rPr>
+                <a:t>Preprocessing</a:t>
+              </a:r>
+              <a:endParaRPr lang="zh-CN" altLang="en-US" sz="1600" b="1" dirty="0">
                 <a:solidFill>
                   <a:schemeClr val="tx1"/>
                 </a:solidFill>
-              </a:rPr>
-              <a:t>Preprocessing</a:t>
-            </a:r>
-            <a:endParaRPr lang="zh-CN" altLang="en-US" sz="1600" b="1" dirty="0">
+              </a:endParaRPr>
+            </a:p>
+          </p:txBody>
+        </p:sp>
+        <p:sp>
+          <p:nvSpPr>
+            <p:cNvPr id="10" name="圆角矩形 9"/>
+            <p:cNvSpPr/>
+            <p:nvPr/>
+          </p:nvSpPr>
+          <p:spPr>
+            <a:xfrm>
+              <a:off x="1295776" y="3717032"/>
+              <a:ext cx="1260000" cy="540000"/>
+            </a:xfrm>
+            <a:prstGeom prst="roundRect">
+              <a:avLst/>
+            </a:prstGeom>
+            <a:solidFill>
+              <a:schemeClr val="accent4">
+                <a:lumMod val="75000"/>
+              </a:schemeClr>
+            </a:solidFill>
+            <a:ln>
               <a:solidFill>
-                <a:schemeClr val="tx1"/>
+                <a:schemeClr val="bg1"/>
               </a:solidFill>
-            </a:endParaRPr>
-          </a:p>
-        </p:txBody>
-      </p:sp>
-      <p:sp>
-        <p:nvSpPr>
-          <p:cNvPr id="10" name="圆角矩形 9"/>
-          <p:cNvSpPr/>
-          <p:nvPr/>
-        </p:nvSpPr>
-        <p:spPr>
-          <a:xfrm>
-            <a:off x="1295776" y="3717032"/>
-            <a:ext cx="1260000" cy="540000"/>
-          </a:xfrm>
-          <a:prstGeom prst="roundRect">
-            <a:avLst/>
-          </a:prstGeom>
-          <a:solidFill>
-            <a:schemeClr val="accent4">
-              <a:lumMod val="75000"/>
-            </a:schemeClr>
-          </a:solidFill>
-          <a:ln>
+            </a:ln>
+          </p:spPr>
+          <p:style>
+            <a:lnRef idx="2">
+              <a:schemeClr val="accent1">
+                <a:shade val="50000"/>
+              </a:schemeClr>
+            </a:lnRef>
+            <a:fillRef idx="1">
+              <a:schemeClr val="accent1"/>
+            </a:fillRef>
+            <a:effectRef idx="0">
+              <a:schemeClr val="accent1"/>
+            </a:effectRef>
+            <a:fontRef idx="minor">
+              <a:schemeClr val="lt1"/>
+            </a:fontRef>
+          </p:style>
+          <p:txBody>
+            <a:bodyPr rtlCol="0" anchor="ctr"/>
+            <a:lstStyle/>
+            <a:p>
+              <a:pPr algn="ctr"/>
+              <a:r>
+                <a:rPr lang="en-US" altLang="zh-CN" sz="1400" dirty="0" smtClean="0"/>
+                <a:t>Word Replacement</a:t>
+              </a:r>
+              <a:endParaRPr lang="zh-CN" altLang="en-US" sz="1400" dirty="0"/>
+            </a:p>
+          </p:txBody>
+        </p:sp>
+        <p:sp>
+          <p:nvSpPr>
+            <p:cNvPr id="11" name="圆角矩形 10"/>
+            <p:cNvSpPr/>
+            <p:nvPr/>
+          </p:nvSpPr>
+          <p:spPr>
+            <a:xfrm>
+              <a:off x="1302585" y="4653136"/>
+              <a:ext cx="1260000" cy="290412"/>
+            </a:xfrm>
+            <a:prstGeom prst="roundRect">
+              <a:avLst/>
+            </a:prstGeom>
             <a:solidFill>
-              <a:schemeClr val="bg1"/>
+              <a:schemeClr val="accent4">
+                <a:lumMod val="75000"/>
+              </a:schemeClr>
             </a:solidFill>
-          </a:ln>
-        </p:spPr>
-        <p:style>
-          <a:lnRef idx="2">
-            <a:schemeClr val="accent1">
-              <a:shade val="50000"/>
-            </a:schemeClr>
-          </a:lnRef>
-          <a:fillRef idx="1">
-            <a:schemeClr val="accent1"/>
-          </a:fillRef>
-          <a:effectRef idx="0">
-            <a:schemeClr val="accent1"/>
-          </a:effectRef>
-          <a:fontRef idx="minor">
-            <a:schemeClr val="lt1"/>
-          </a:fontRef>
-        </p:style>
-        <p:txBody>
-          <a:bodyPr rtlCol="0" anchor="ctr"/>
-          <a:lstStyle/>
-          <a:p>
-            <a:pPr algn="ctr"/>
-            <a:r>
-              <a:rPr lang="en-US" altLang="zh-CN" sz="1400" dirty="0" smtClean="0"/>
-              <a:t>Word Replacement</a:t>
-            </a:r>
-            <a:endParaRPr lang="zh-CN" altLang="en-US" sz="1400" dirty="0"/>
-          </a:p>
-        </p:txBody>
-      </p:sp>
-      <p:sp>
-        <p:nvSpPr>
-          <p:cNvPr id="11" name="圆角矩形 10"/>
-          <p:cNvSpPr/>
-          <p:nvPr/>
-        </p:nvSpPr>
-        <p:spPr>
-          <a:xfrm>
-            <a:off x="1302585" y="4653136"/>
-            <a:ext cx="1260000" cy="290412"/>
-          </a:xfrm>
-          <a:prstGeom prst="roundRect">
-            <a:avLst/>
-          </a:prstGeom>
-          <a:solidFill>
-            <a:schemeClr val="accent4">
-              <a:lumMod val="75000"/>
-            </a:schemeClr>
-          </a:solidFill>
-          <a:ln>
+            <a:ln>
+              <a:solidFill>
+                <a:schemeClr val="bg1"/>
+              </a:solidFill>
+            </a:ln>
+          </p:spPr>
+          <p:style>
+            <a:lnRef idx="2">
+              <a:schemeClr val="accent1">
+                <a:shade val="50000"/>
+              </a:schemeClr>
+            </a:lnRef>
+            <a:fillRef idx="1">
+              <a:schemeClr val="accent1"/>
+            </a:fillRef>
+            <a:effectRef idx="0">
+              <a:schemeClr val="accent1"/>
+            </a:effectRef>
+            <a:fontRef idx="minor">
+              <a:schemeClr val="lt1"/>
+            </a:fontRef>
+          </p:style>
+          <p:txBody>
+            <a:bodyPr rtlCol="0" anchor="ctr"/>
+            <a:lstStyle/>
+            <a:p>
+              <a:pPr algn="ctr"/>
+              <a:r>
+                <a:rPr lang="en-US" altLang="zh-CN" sz="1400" dirty="0" smtClean="0"/>
+                <a:t>Stemming</a:t>
+              </a:r>
+              <a:endParaRPr lang="zh-CN" altLang="en-US" sz="1400" dirty="0"/>
+            </a:p>
+          </p:txBody>
+        </p:sp>
+        <p:sp>
+          <p:nvSpPr>
+            <p:cNvPr id="13" name="圆角矩形 12"/>
+            <p:cNvSpPr/>
+            <p:nvPr/>
+          </p:nvSpPr>
+          <p:spPr>
+            <a:xfrm>
+              <a:off x="2922625" y="1440000"/>
+              <a:ext cx="1577367" cy="4320000"/>
+            </a:xfrm>
+            <a:prstGeom prst="roundRect">
+              <a:avLst/>
+            </a:prstGeom>
             <a:solidFill>
-              <a:schemeClr val="bg1"/>
+              <a:schemeClr val="bg1">
+                <a:lumMod val="95000"/>
+              </a:schemeClr>
             </a:solidFill>
-          </a:ln>
-        </p:spPr>
-        <p:style>
-          <a:lnRef idx="2">
-            <a:schemeClr val="accent1">
-              <a:shade val="50000"/>
-            </a:schemeClr>
-          </a:lnRef>
-          <a:fillRef idx="1">
-            <a:schemeClr val="accent1"/>
-          </a:fillRef>
-          <a:effectRef idx="0">
-            <a:schemeClr val="accent1"/>
-          </a:effectRef>
-          <a:fontRef idx="minor">
-            <a:schemeClr val="lt1"/>
-          </a:fontRef>
-        </p:style>
-        <p:txBody>
-          <a:bodyPr rtlCol="0" anchor="ctr"/>
-          <a:lstStyle/>
-          <a:p>
-            <a:pPr algn="ctr"/>
-            <a:r>
-              <a:rPr lang="en-US" altLang="zh-CN" sz="1400" dirty="0" smtClean="0"/>
-              <a:t>Stemming</a:t>
-            </a:r>
-            <a:endParaRPr lang="zh-CN" altLang="en-US" sz="1400" dirty="0"/>
-          </a:p>
-        </p:txBody>
-      </p:sp>
-      <p:sp>
-        <p:nvSpPr>
-          <p:cNvPr id="13" name="圆角矩形 12"/>
-          <p:cNvSpPr/>
-          <p:nvPr/>
-        </p:nvSpPr>
-        <p:spPr>
-          <a:xfrm>
-            <a:off x="2922625" y="1440000"/>
-            <a:ext cx="1577367" cy="4320000"/>
-          </a:xfrm>
-          <a:prstGeom prst="roundRect">
-            <a:avLst/>
-          </a:prstGeom>
-          <a:solidFill>
-            <a:schemeClr val="bg1">
-              <a:lumMod val="95000"/>
-            </a:schemeClr>
-          </a:solidFill>
-          <a:ln>
-            <a:noFill/>
-          </a:ln>
-        </p:spPr>
-        <p:style>
-          <a:lnRef idx="2">
-            <a:schemeClr val="accent1">
-              <a:shade val="50000"/>
-            </a:schemeClr>
-          </a:lnRef>
-          <a:fillRef idx="1">
-            <a:schemeClr val="accent1"/>
-          </a:fillRef>
-          <a:effectRef idx="0">
-            <a:schemeClr val="accent1"/>
-          </a:effectRef>
-          <a:fontRef idx="minor">
-            <a:schemeClr val="lt1"/>
-          </a:fontRef>
-        </p:style>
-        <p:txBody>
-          <a:bodyPr rtlCol="0" anchor="t" anchorCtr="1"/>
-          <a:lstStyle/>
-          <a:p>
-            <a:pPr algn="ctr"/>
-            <a:r>
-              <a:rPr lang="en-US" altLang="zh-CN" sz="1600" b="1" dirty="0" smtClean="0">
+            <a:ln>
+              <a:noFill/>
+            </a:ln>
+          </p:spPr>
+          <p:style>
+            <a:lnRef idx="2">
+              <a:schemeClr val="accent1">
+                <a:shade val="50000"/>
+              </a:schemeClr>
+            </a:lnRef>
+            <a:fillRef idx="1">
+              <a:schemeClr val="accent1"/>
+            </a:fillRef>
+            <a:effectRef idx="0">
+              <a:schemeClr val="accent1"/>
+            </a:effectRef>
+            <a:fontRef idx="minor">
+              <a:schemeClr val="lt1"/>
+            </a:fontRef>
+          </p:style>
+          <p:txBody>
+            <a:bodyPr rtlCol="0" anchor="t" anchorCtr="1"/>
+            <a:lstStyle/>
+            <a:p>
+              <a:pPr algn="ctr"/>
+              <a:r>
+                <a:rPr lang="en-US" altLang="zh-CN" sz="1600" b="1" dirty="0" smtClean="0">
+                  <a:solidFill>
+                    <a:schemeClr val="tx1"/>
+                  </a:solidFill>
+                </a:rPr>
+                <a:t>Feature Extraction</a:t>
+              </a:r>
+              <a:endParaRPr lang="zh-CN" altLang="en-US" sz="1600" b="1" dirty="0">
                 <a:solidFill>
                   <a:schemeClr val="tx1"/>
                 </a:solidFill>
-              </a:rPr>
-              <a:t>Feature Extraction</a:t>
-            </a:r>
-            <a:endParaRPr lang="zh-CN" altLang="en-US" sz="1600" b="1" dirty="0">
+              </a:endParaRPr>
+            </a:p>
+          </p:txBody>
+        </p:sp>
+        <p:sp>
+          <p:nvSpPr>
+            <p:cNvPr id="14" name="圆角矩形 13"/>
+            <p:cNvSpPr/>
+            <p:nvPr/>
+          </p:nvSpPr>
+          <p:spPr>
+            <a:xfrm>
+              <a:off x="3059832" y="2499931"/>
+              <a:ext cx="1332000" cy="288000"/>
+            </a:xfrm>
+            <a:prstGeom prst="roundRect">
+              <a:avLst/>
+            </a:prstGeom>
+            <a:solidFill>
+              <a:schemeClr val="bg2">
+                <a:lumMod val="50000"/>
+              </a:schemeClr>
+            </a:solidFill>
+            <a:ln>
               <a:solidFill>
-                <a:schemeClr val="tx1"/>
+                <a:schemeClr val="bg1"/>
               </a:solidFill>
-            </a:endParaRPr>
-          </a:p>
-        </p:txBody>
-      </p:sp>
-      <p:sp>
-        <p:nvSpPr>
-          <p:cNvPr id="14" name="圆角矩形 13"/>
-          <p:cNvSpPr/>
-          <p:nvPr/>
-        </p:nvSpPr>
-        <p:spPr>
-          <a:xfrm>
-            <a:off x="3059832" y="2499931"/>
-            <a:ext cx="1332000" cy="288000"/>
-          </a:xfrm>
-          <a:prstGeom prst="roundRect">
-            <a:avLst/>
-          </a:prstGeom>
-          <a:solidFill>
-            <a:schemeClr val="bg2">
-              <a:lumMod val="50000"/>
-            </a:schemeClr>
-          </a:solidFill>
-          <a:ln>
+            </a:ln>
+          </p:spPr>
+          <p:style>
+            <a:lnRef idx="2">
+              <a:schemeClr val="accent1">
+                <a:shade val="50000"/>
+              </a:schemeClr>
+            </a:lnRef>
+            <a:fillRef idx="1">
+              <a:schemeClr val="accent1"/>
+            </a:fillRef>
+            <a:effectRef idx="0">
+              <a:schemeClr val="accent1"/>
+            </a:effectRef>
+            <a:fontRef idx="minor">
+              <a:schemeClr val="lt1"/>
+            </a:fontRef>
+          </p:style>
+          <p:txBody>
+            <a:bodyPr rtlCol="0" anchor="ctr"/>
+            <a:lstStyle/>
+            <a:p>
+              <a:pPr algn="ctr"/>
+              <a:r>
+                <a:rPr lang="en-US" altLang="zh-CN" sz="1400" dirty="0" smtClean="0"/>
+                <a:t>Basic</a:t>
+              </a:r>
+              <a:endParaRPr lang="zh-CN" altLang="en-US" sz="1400" dirty="0"/>
+            </a:p>
+          </p:txBody>
+        </p:sp>
+        <p:sp>
+          <p:nvSpPr>
+            <p:cNvPr id="15" name="圆角矩形 14"/>
+            <p:cNvSpPr/>
+            <p:nvPr/>
+          </p:nvSpPr>
+          <p:spPr>
+            <a:xfrm>
+              <a:off x="3059832" y="4293096"/>
+              <a:ext cx="1332000" cy="288000"/>
+            </a:xfrm>
+            <a:prstGeom prst="roundRect">
+              <a:avLst/>
+            </a:prstGeom>
             <a:solidFill>
-              <a:schemeClr val="bg1"/>
+              <a:schemeClr val="bg2">
+                <a:lumMod val="50000"/>
+              </a:schemeClr>
             </a:solidFill>
-          </a:ln>
-        </p:spPr>
-        <p:style>
-          <a:lnRef idx="2">
-            <a:schemeClr val="accent1">
-              <a:shade val="50000"/>
-            </a:schemeClr>
-          </a:lnRef>
-          <a:fillRef idx="1">
-            <a:schemeClr val="accent1"/>
-          </a:fillRef>
-          <a:effectRef idx="0">
-            <a:schemeClr val="accent1"/>
-          </a:effectRef>
-          <a:fontRef idx="minor">
-            <a:schemeClr val="lt1"/>
-          </a:fontRef>
-        </p:style>
-        <p:txBody>
-          <a:bodyPr rtlCol="0" anchor="ctr"/>
-          <a:lstStyle/>
-          <a:p>
-            <a:pPr algn="ctr"/>
-            <a:r>
-              <a:rPr lang="en-US" altLang="zh-CN" sz="1400" dirty="0" smtClean="0"/>
-              <a:t>Basic</a:t>
-            </a:r>
-            <a:endParaRPr lang="zh-CN" altLang="en-US" sz="1400" dirty="0"/>
-          </a:p>
-        </p:txBody>
-      </p:sp>
-      <p:sp>
-        <p:nvSpPr>
-          <p:cNvPr id="15" name="圆角矩形 14"/>
-          <p:cNvSpPr/>
-          <p:nvPr/>
-        </p:nvSpPr>
-        <p:spPr>
-          <a:xfrm>
-            <a:off x="3059832" y="4293096"/>
-            <a:ext cx="1332000" cy="288000"/>
-          </a:xfrm>
-          <a:prstGeom prst="roundRect">
-            <a:avLst/>
-          </a:prstGeom>
-          <a:solidFill>
-            <a:schemeClr val="bg2">
-              <a:lumMod val="50000"/>
-            </a:schemeClr>
-          </a:solidFill>
-          <a:ln>
+            <a:ln>
+              <a:solidFill>
+                <a:schemeClr val="bg1"/>
+              </a:solidFill>
+            </a:ln>
+          </p:spPr>
+          <p:style>
+            <a:lnRef idx="2">
+              <a:schemeClr val="accent1">
+                <a:shade val="50000"/>
+              </a:schemeClr>
+            </a:lnRef>
+            <a:fillRef idx="1">
+              <a:schemeClr val="accent1"/>
+            </a:fillRef>
+            <a:effectRef idx="0">
+              <a:schemeClr val="accent1"/>
+            </a:effectRef>
+            <a:fontRef idx="minor">
+              <a:schemeClr val="lt1"/>
+            </a:fontRef>
+          </p:style>
+          <p:txBody>
+            <a:bodyPr rtlCol="0" anchor="ctr"/>
+            <a:lstStyle/>
+            <a:p>
+              <a:pPr algn="ctr"/>
+              <a:r>
+                <a:rPr lang="en-US" altLang="zh-CN" sz="1400" dirty="0" smtClean="0"/>
+                <a:t>Word2Vec</a:t>
+              </a:r>
+              <a:endParaRPr lang="zh-CN" altLang="en-US" sz="1400" dirty="0"/>
+            </a:p>
+          </p:txBody>
+        </p:sp>
+        <p:sp>
+          <p:nvSpPr>
+            <p:cNvPr id="16" name="圆角矩形 15"/>
+            <p:cNvSpPr/>
+            <p:nvPr/>
+          </p:nvSpPr>
+          <p:spPr>
+            <a:xfrm>
+              <a:off x="3059832" y="3933056"/>
+              <a:ext cx="1332000" cy="288000"/>
+            </a:xfrm>
+            <a:prstGeom prst="roundRect">
+              <a:avLst/>
+            </a:prstGeom>
             <a:solidFill>
-              <a:schemeClr val="bg1"/>
+              <a:schemeClr val="bg2">
+                <a:lumMod val="50000"/>
+              </a:schemeClr>
             </a:solidFill>
-          </a:ln>
-        </p:spPr>
-        <p:style>
-          <a:lnRef idx="2">
-            <a:schemeClr val="accent1">
-              <a:shade val="50000"/>
-            </a:schemeClr>
-          </a:lnRef>
-          <a:fillRef idx="1">
-            <a:schemeClr val="accent1"/>
-          </a:fillRef>
-          <a:effectRef idx="0">
-            <a:schemeClr val="accent1"/>
-          </a:effectRef>
-          <a:fontRef idx="minor">
-            <a:schemeClr val="lt1"/>
-          </a:fontRef>
-        </p:style>
-        <p:txBody>
-          <a:bodyPr rtlCol="0" anchor="ctr"/>
-          <a:lstStyle/>
-          <a:p>
-            <a:pPr algn="ctr"/>
-            <a:r>
-              <a:rPr lang="en-US" altLang="zh-CN" sz="1400" dirty="0" smtClean="0"/>
-              <a:t>Word2Vec</a:t>
-            </a:r>
-            <a:endParaRPr lang="zh-CN" altLang="en-US" sz="1400" dirty="0"/>
-          </a:p>
-        </p:txBody>
-      </p:sp>
-      <p:sp>
-        <p:nvSpPr>
-          <p:cNvPr id="16" name="圆角矩形 15"/>
-          <p:cNvSpPr/>
-          <p:nvPr/>
-        </p:nvSpPr>
-        <p:spPr>
-          <a:xfrm>
-            <a:off x="3059832" y="3933056"/>
-            <a:ext cx="1332000" cy="288000"/>
-          </a:xfrm>
-          <a:prstGeom prst="roundRect">
-            <a:avLst/>
-          </a:prstGeom>
-          <a:solidFill>
-            <a:schemeClr val="bg2">
-              <a:lumMod val="50000"/>
-            </a:schemeClr>
-          </a:solidFill>
-          <a:ln>
+            <a:ln>
+              <a:solidFill>
+                <a:schemeClr val="bg1"/>
+              </a:solidFill>
+            </a:ln>
+          </p:spPr>
+          <p:style>
+            <a:lnRef idx="2">
+              <a:schemeClr val="accent1">
+                <a:shade val="50000"/>
+              </a:schemeClr>
+            </a:lnRef>
+            <a:fillRef idx="1">
+              <a:schemeClr val="accent1"/>
+            </a:fillRef>
+            <a:effectRef idx="0">
+              <a:schemeClr val="accent1"/>
+            </a:effectRef>
+            <a:fontRef idx="minor">
+              <a:schemeClr val="lt1"/>
+            </a:fontRef>
+          </p:style>
+          <p:txBody>
+            <a:bodyPr rtlCol="0" anchor="ctr"/>
+            <a:lstStyle/>
+            <a:p>
+              <a:pPr algn="ctr"/>
+              <a:r>
+                <a:rPr lang="en-US" altLang="zh-CN" sz="1400" dirty="0" smtClean="0"/>
+                <a:t>Vector Space</a:t>
+              </a:r>
+              <a:endParaRPr lang="zh-CN" altLang="en-US" sz="1400" dirty="0"/>
+            </a:p>
+          </p:txBody>
+        </p:sp>
+        <p:sp>
+          <p:nvSpPr>
+            <p:cNvPr id="31" name="圆角矩形 30"/>
+            <p:cNvSpPr/>
+            <p:nvPr/>
+          </p:nvSpPr>
+          <p:spPr>
+            <a:xfrm>
+              <a:off x="3059832" y="4653136"/>
+              <a:ext cx="1332000" cy="288000"/>
+            </a:xfrm>
+            <a:prstGeom prst="roundRect">
+              <a:avLst/>
+            </a:prstGeom>
             <a:solidFill>
-              <a:schemeClr val="bg1"/>
+              <a:schemeClr val="bg2">
+                <a:lumMod val="50000"/>
+              </a:schemeClr>
             </a:solidFill>
-          </a:ln>
-        </p:spPr>
-        <p:style>
-          <a:lnRef idx="2">
-            <a:schemeClr val="accent1">
-              <a:shade val="50000"/>
-            </a:schemeClr>
-          </a:lnRef>
-          <a:fillRef idx="1">
-            <a:schemeClr val="accent1"/>
-          </a:fillRef>
-          <a:effectRef idx="0">
-            <a:schemeClr val="accent1"/>
-          </a:effectRef>
-          <a:fontRef idx="minor">
-            <a:schemeClr val="lt1"/>
-          </a:fontRef>
-        </p:style>
-        <p:txBody>
-          <a:bodyPr rtlCol="0" anchor="ctr"/>
-          <a:lstStyle/>
-          <a:p>
-            <a:pPr algn="ctr"/>
-            <a:r>
-              <a:rPr lang="en-US" altLang="zh-CN" sz="1400" dirty="0" smtClean="0"/>
-              <a:t>Vector Space</a:t>
-            </a:r>
-            <a:endParaRPr lang="zh-CN" altLang="en-US" sz="1400" dirty="0"/>
-          </a:p>
-        </p:txBody>
-      </p:sp>
-      <p:sp>
-        <p:nvSpPr>
-          <p:cNvPr id="31" name="圆角矩形 30"/>
-          <p:cNvSpPr/>
-          <p:nvPr/>
-        </p:nvSpPr>
-        <p:spPr>
-          <a:xfrm>
-            <a:off x="3059832" y="4653136"/>
-            <a:ext cx="1332000" cy="288000"/>
-          </a:xfrm>
-          <a:prstGeom prst="roundRect">
-            <a:avLst/>
-          </a:prstGeom>
-          <a:solidFill>
-            <a:schemeClr val="bg2">
-              <a:lumMod val="50000"/>
-            </a:schemeClr>
-          </a:solidFill>
-          <a:ln>
+            <a:ln>
+              <a:solidFill>
+                <a:schemeClr val="bg1"/>
+              </a:solidFill>
+            </a:ln>
+          </p:spPr>
+          <p:style>
+            <a:lnRef idx="2">
+              <a:schemeClr val="accent1">
+                <a:shade val="50000"/>
+              </a:schemeClr>
+            </a:lnRef>
+            <a:fillRef idx="1">
+              <a:schemeClr val="accent1"/>
+            </a:fillRef>
+            <a:effectRef idx="0">
+              <a:schemeClr val="accent1"/>
+            </a:effectRef>
+            <a:fontRef idx="minor">
+              <a:schemeClr val="lt1"/>
+            </a:fontRef>
+          </p:style>
+          <p:txBody>
+            <a:bodyPr rtlCol="0" anchor="ctr"/>
+            <a:lstStyle/>
+            <a:p>
+              <a:pPr algn="ctr"/>
+              <a:r>
+                <a:rPr lang="en-US" altLang="zh-CN" sz="1400" dirty="0" err="1" smtClean="0"/>
+                <a:t>WordNet</a:t>
+              </a:r>
+              <a:r>
+                <a:rPr lang="en-US" altLang="zh-CN" sz="1400" dirty="0" smtClean="0"/>
+                <a:t> </a:t>
+              </a:r>
+              <a:r>
+                <a:rPr lang="en-US" altLang="zh-CN" sz="1400" dirty="0" err="1" smtClean="0"/>
+                <a:t>Sim</a:t>
+              </a:r>
+              <a:endParaRPr lang="zh-CN" altLang="en-US" sz="1400" dirty="0"/>
+            </a:p>
+          </p:txBody>
+        </p:sp>
+        <p:sp>
+          <p:nvSpPr>
+            <p:cNvPr id="39" name="圆角矩形 38"/>
+            <p:cNvSpPr/>
+            <p:nvPr/>
+          </p:nvSpPr>
+          <p:spPr>
+            <a:xfrm>
+              <a:off x="10571873" y="1440000"/>
+              <a:ext cx="1344944" cy="4320000"/>
+            </a:xfrm>
+            <a:prstGeom prst="roundRect">
+              <a:avLst/>
+            </a:prstGeom>
             <a:solidFill>
-              <a:schemeClr val="bg1"/>
+              <a:schemeClr val="bg1">
+                <a:lumMod val="95000"/>
+              </a:schemeClr>
             </a:solidFill>
-          </a:ln>
-        </p:spPr>
-        <p:style>
-          <a:lnRef idx="2">
-            <a:schemeClr val="accent1">
-              <a:shade val="50000"/>
-            </a:schemeClr>
-          </a:lnRef>
-          <a:fillRef idx="1">
-            <a:schemeClr val="accent1"/>
-          </a:fillRef>
-          <a:effectRef idx="0">
-            <a:schemeClr val="accent1"/>
-          </a:effectRef>
-          <a:fontRef idx="minor">
-            <a:schemeClr val="lt1"/>
-          </a:fontRef>
-        </p:style>
-        <p:txBody>
-          <a:bodyPr rtlCol="0" anchor="ctr"/>
-          <a:lstStyle/>
-          <a:p>
-            <a:pPr algn="ctr"/>
-            <a:r>
-              <a:rPr lang="en-US" altLang="zh-CN" sz="1400" dirty="0" err="1" smtClean="0"/>
-              <a:t>WordNet</a:t>
-            </a:r>
-            <a:r>
-              <a:rPr lang="en-US" altLang="zh-CN" sz="1400" dirty="0" smtClean="0"/>
-              <a:t> </a:t>
-            </a:r>
-            <a:r>
-              <a:rPr lang="en-US" altLang="zh-CN" sz="1400" dirty="0" err="1" smtClean="0"/>
-              <a:t>Sim</a:t>
-            </a:r>
-            <a:endParaRPr lang="zh-CN" altLang="en-US" sz="1400" dirty="0"/>
-          </a:p>
-        </p:txBody>
-      </p:sp>
-      <p:sp>
-        <p:nvSpPr>
-          <p:cNvPr id="39" name="圆角矩形 38"/>
-          <p:cNvSpPr/>
-          <p:nvPr/>
-        </p:nvSpPr>
-        <p:spPr>
-          <a:xfrm>
-            <a:off x="10571873" y="1440000"/>
-            <a:ext cx="1225768" cy="4320000"/>
-          </a:xfrm>
-          <a:prstGeom prst="roundRect">
-            <a:avLst/>
-          </a:prstGeom>
-          <a:solidFill>
-            <a:schemeClr val="bg1">
-              <a:lumMod val="95000"/>
-            </a:schemeClr>
-          </a:solidFill>
-          <a:ln>
-            <a:noFill/>
-          </a:ln>
-        </p:spPr>
-        <p:style>
-          <a:lnRef idx="2">
-            <a:schemeClr val="accent1">
-              <a:shade val="50000"/>
-            </a:schemeClr>
-          </a:lnRef>
-          <a:fillRef idx="1">
-            <a:schemeClr val="accent1"/>
-          </a:fillRef>
-          <a:effectRef idx="0">
-            <a:schemeClr val="accent1"/>
-          </a:effectRef>
-          <a:fontRef idx="minor">
-            <a:schemeClr val="lt1"/>
-          </a:fontRef>
-        </p:style>
-        <p:txBody>
-          <a:bodyPr rtlCol="0" anchor="t" anchorCtr="1"/>
-          <a:lstStyle/>
-          <a:p>
-            <a:pPr algn="ctr"/>
-            <a:r>
-              <a:rPr lang="en-US" altLang="zh-CN" sz="1600" b="1" dirty="0" smtClean="0">
+            <a:ln>
+              <a:noFill/>
+            </a:ln>
+          </p:spPr>
+          <p:style>
+            <a:lnRef idx="2">
+              <a:schemeClr val="accent1">
+                <a:shade val="50000"/>
+              </a:schemeClr>
+            </a:lnRef>
+            <a:fillRef idx="1">
+              <a:schemeClr val="accent1"/>
+            </a:fillRef>
+            <a:effectRef idx="0">
+              <a:schemeClr val="accent1"/>
+            </a:effectRef>
+            <a:fontRef idx="minor">
+              <a:schemeClr val="lt1"/>
+            </a:fontRef>
+          </p:style>
+          <p:txBody>
+            <a:bodyPr rtlCol="0" anchor="t" anchorCtr="1"/>
+            <a:lstStyle/>
+            <a:p>
+              <a:pPr algn="ctr"/>
+              <a:r>
+                <a:rPr lang="en-US" altLang="zh-CN" sz="1600" b="1" dirty="0" smtClean="0">
+                  <a:solidFill>
+                    <a:schemeClr val="tx1"/>
+                  </a:solidFill>
+                </a:rPr>
+                <a:t>Output</a:t>
+              </a:r>
+              <a:endParaRPr lang="zh-CN" altLang="en-US" sz="1600" b="1" dirty="0">
                 <a:solidFill>
                   <a:schemeClr val="tx1"/>
                 </a:solidFill>
-              </a:rPr>
-              <a:t>Output</a:t>
-            </a:r>
-            <a:endParaRPr lang="zh-CN" altLang="en-US" sz="1600" b="1" dirty="0">
+              </a:endParaRPr>
+            </a:p>
+          </p:txBody>
+        </p:sp>
+        <p:sp>
+          <p:nvSpPr>
+            <p:cNvPr id="40" name="圆角矩形 39"/>
+            <p:cNvSpPr/>
+            <p:nvPr/>
+          </p:nvSpPr>
+          <p:spPr>
+            <a:xfrm>
+              <a:off x="10645633" y="3465064"/>
+              <a:ext cx="1188000" cy="540000"/>
+            </a:xfrm>
+            <a:prstGeom prst="roundRect">
+              <a:avLst/>
+            </a:prstGeom>
+            <a:solidFill>
+              <a:schemeClr val="accent2">
+                <a:lumMod val="75000"/>
+              </a:schemeClr>
+            </a:solidFill>
+            <a:ln>
               <a:solidFill>
-                <a:schemeClr val="tx1"/>
+                <a:schemeClr val="bg1"/>
               </a:solidFill>
-            </a:endParaRPr>
-          </a:p>
-        </p:txBody>
-      </p:sp>
-      <p:sp>
-        <p:nvSpPr>
-          <p:cNvPr id="40" name="圆角矩形 39"/>
-          <p:cNvSpPr/>
-          <p:nvPr/>
-        </p:nvSpPr>
-        <p:spPr>
-          <a:xfrm>
-            <a:off x="10645633" y="3465064"/>
-            <a:ext cx="1055160" cy="540000"/>
-          </a:xfrm>
-          <a:prstGeom prst="roundRect">
-            <a:avLst/>
-          </a:prstGeom>
-          <a:solidFill>
-            <a:schemeClr val="accent2">
-              <a:lumMod val="75000"/>
-            </a:schemeClr>
-          </a:solidFill>
-          <a:ln>
+            </a:ln>
+          </p:spPr>
+          <p:style>
+            <a:lnRef idx="2">
+              <a:schemeClr val="accent1">
+                <a:shade val="50000"/>
+              </a:schemeClr>
+            </a:lnRef>
+            <a:fillRef idx="1">
+              <a:schemeClr val="accent1"/>
+            </a:fillRef>
+            <a:effectRef idx="0">
+              <a:schemeClr val="accent1"/>
+            </a:effectRef>
+            <a:fontRef idx="minor">
+              <a:schemeClr val="lt1"/>
+            </a:fontRef>
+          </p:style>
+          <p:txBody>
+            <a:bodyPr rtlCol="0" anchor="ctr"/>
+            <a:lstStyle/>
+            <a:p>
+              <a:pPr algn="ctr"/>
+              <a:r>
+                <a:rPr lang="en-US" altLang="zh-CN" sz="1600" dirty="0"/>
+                <a:t>Submission</a:t>
+              </a:r>
+              <a:endParaRPr lang="zh-CN" altLang="en-US" sz="1600" dirty="0"/>
+            </a:p>
+          </p:txBody>
+        </p:sp>
+        <p:sp>
+          <p:nvSpPr>
+            <p:cNvPr id="19" name="圆角矩形 18"/>
+            <p:cNvSpPr/>
+            <p:nvPr/>
+          </p:nvSpPr>
+          <p:spPr>
+            <a:xfrm>
+              <a:off x="4716015" y="1440000"/>
+              <a:ext cx="5638535" cy="4320000"/>
+            </a:xfrm>
+            <a:prstGeom prst="roundRect">
+              <a:avLst/>
+            </a:prstGeom>
             <a:solidFill>
-              <a:schemeClr val="bg1"/>
+              <a:schemeClr val="bg1">
+                <a:lumMod val="95000"/>
+              </a:schemeClr>
             </a:solidFill>
-          </a:ln>
-        </p:spPr>
-        <p:style>
-          <a:lnRef idx="2">
-            <a:schemeClr val="accent1">
-              <a:shade val="50000"/>
-            </a:schemeClr>
-          </a:lnRef>
-          <a:fillRef idx="1">
-            <a:schemeClr val="accent1"/>
-          </a:fillRef>
-          <a:effectRef idx="0">
-            <a:schemeClr val="accent1"/>
-          </a:effectRef>
-          <a:fontRef idx="minor">
-            <a:schemeClr val="lt1"/>
-          </a:fontRef>
-        </p:style>
-        <p:txBody>
-          <a:bodyPr rtlCol="0" anchor="ctr"/>
-          <a:lstStyle/>
-          <a:p>
-            <a:pPr algn="ctr"/>
-            <a:r>
-              <a:rPr lang="en-US" altLang="zh-CN" sz="1400" dirty="0"/>
-              <a:t>Submission</a:t>
-            </a:r>
-            <a:endParaRPr lang="zh-CN" altLang="en-US" sz="1400" dirty="0"/>
-          </a:p>
-        </p:txBody>
-      </p:sp>
-      <p:sp>
-        <p:nvSpPr>
-          <p:cNvPr id="19" name="圆角矩形 18"/>
-          <p:cNvSpPr/>
-          <p:nvPr/>
-        </p:nvSpPr>
-        <p:spPr>
-          <a:xfrm>
-            <a:off x="4716015" y="1440000"/>
-            <a:ext cx="5638535" cy="4320000"/>
-          </a:xfrm>
-          <a:prstGeom prst="roundRect">
-            <a:avLst/>
-          </a:prstGeom>
-          <a:solidFill>
-            <a:schemeClr val="bg1">
-              <a:lumMod val="95000"/>
-            </a:schemeClr>
-          </a:solidFill>
-          <a:ln>
-            <a:noFill/>
-          </a:ln>
-        </p:spPr>
-        <p:style>
-          <a:lnRef idx="2">
-            <a:schemeClr val="accent1">
-              <a:shade val="50000"/>
-            </a:schemeClr>
-          </a:lnRef>
-          <a:fillRef idx="1">
-            <a:schemeClr val="accent1"/>
-          </a:fillRef>
-          <a:effectRef idx="0">
-            <a:schemeClr val="accent1"/>
-          </a:effectRef>
-          <a:fontRef idx="minor">
-            <a:schemeClr val="lt1"/>
-          </a:fontRef>
-        </p:style>
-        <p:txBody>
-          <a:bodyPr tIns="0" rtlCol="0" anchor="t" anchorCtr="0"/>
-          <a:lstStyle/>
-          <a:p>
-            <a:pPr algn="ctr"/>
-            <a:r>
-              <a:rPr lang="en-US" altLang="zh-CN" sz="1600" b="1" dirty="0" smtClean="0">
+            <a:ln>
+              <a:noFill/>
+            </a:ln>
+          </p:spPr>
+          <p:style>
+            <a:lnRef idx="2">
+              <a:schemeClr val="accent1">
+                <a:shade val="50000"/>
+              </a:schemeClr>
+            </a:lnRef>
+            <a:fillRef idx="1">
+              <a:schemeClr val="accent1"/>
+            </a:fillRef>
+            <a:effectRef idx="0">
+              <a:schemeClr val="accent1"/>
+            </a:effectRef>
+            <a:fontRef idx="minor">
+              <a:schemeClr val="lt1"/>
+            </a:fontRef>
+          </p:style>
+          <p:txBody>
+            <a:bodyPr tIns="0" rtlCol="0" anchor="t" anchorCtr="0"/>
+            <a:lstStyle/>
+            <a:p>
+              <a:pPr algn="ctr"/>
+              <a:r>
+                <a:rPr lang="en-US" altLang="zh-CN" sz="1600" b="1" dirty="0" smtClean="0">
+                  <a:solidFill>
+                    <a:schemeClr val="tx1"/>
+                  </a:solidFill>
+                </a:rPr>
+                <a:t>Stacking</a:t>
+              </a:r>
+              <a:endParaRPr lang="zh-CN" altLang="en-US" sz="1600" b="1" dirty="0">
                 <a:solidFill>
                   <a:schemeClr val="tx1"/>
                 </a:solidFill>
-              </a:rPr>
-              <a:t>Stacking</a:t>
-            </a:r>
-            <a:endParaRPr lang="zh-CN" altLang="en-US" sz="1600" b="1" dirty="0">
+              </a:endParaRPr>
+            </a:p>
+          </p:txBody>
+        </p:sp>
+        <p:sp>
+          <p:nvSpPr>
+            <p:cNvPr id="23" name="圆角矩形 22"/>
+            <p:cNvSpPr/>
+            <p:nvPr/>
+          </p:nvSpPr>
+          <p:spPr>
+            <a:xfrm>
+              <a:off x="5130310" y="2852936"/>
+              <a:ext cx="2250000" cy="288000"/>
+            </a:xfrm>
+            <a:prstGeom prst="roundRect">
+              <a:avLst/>
+            </a:prstGeom>
+            <a:solidFill>
+              <a:schemeClr val="accent3">
+                <a:lumMod val="75000"/>
+              </a:schemeClr>
+            </a:solidFill>
+            <a:ln>
               <a:solidFill>
-                <a:schemeClr val="tx1"/>
+                <a:schemeClr val="bg1"/>
               </a:solidFill>
-            </a:endParaRPr>
-          </a:p>
-        </p:txBody>
-      </p:sp>
-      <p:sp>
-        <p:nvSpPr>
-          <p:cNvPr id="23" name="圆角矩形 22"/>
-          <p:cNvSpPr/>
-          <p:nvPr/>
-        </p:nvSpPr>
-        <p:spPr>
-          <a:xfrm>
-            <a:off x="5130310" y="2852936"/>
-            <a:ext cx="2250000" cy="288000"/>
-          </a:xfrm>
-          <a:prstGeom prst="roundRect">
-            <a:avLst/>
-          </a:prstGeom>
-          <a:solidFill>
-            <a:schemeClr val="accent3">
-              <a:lumMod val="75000"/>
-            </a:schemeClr>
-          </a:solidFill>
-          <a:ln>
+            </a:ln>
+          </p:spPr>
+          <p:style>
+            <a:lnRef idx="2">
+              <a:schemeClr val="accent1">
+                <a:shade val="50000"/>
+              </a:schemeClr>
+            </a:lnRef>
+            <a:fillRef idx="1">
+              <a:schemeClr val="accent1"/>
+            </a:fillRef>
+            <a:effectRef idx="0">
+              <a:schemeClr val="accent1"/>
+            </a:effectRef>
+            <a:fontRef idx="minor">
+              <a:schemeClr val="lt1"/>
+            </a:fontRef>
+          </p:style>
+          <p:txBody>
+            <a:bodyPr rtlCol="0" anchor="ctr"/>
+            <a:lstStyle/>
+            <a:p>
+              <a:pPr algn="ctr"/>
+              <a:r>
+                <a:rPr lang="en-US" altLang="zh-CN" sz="1400" dirty="0" err="1" smtClean="0"/>
+                <a:t>GradientBoostingRegressor</a:t>
+              </a:r>
+              <a:endParaRPr lang="zh-CN" altLang="en-US" sz="1400" dirty="0"/>
+            </a:p>
+          </p:txBody>
+        </p:sp>
+        <p:sp>
+          <p:nvSpPr>
+            <p:cNvPr id="24" name="圆角矩形 23"/>
+            <p:cNvSpPr/>
+            <p:nvPr/>
+          </p:nvSpPr>
+          <p:spPr>
+            <a:xfrm>
+              <a:off x="5130312" y="3573016"/>
+              <a:ext cx="2250000" cy="288000"/>
+            </a:xfrm>
+            <a:prstGeom prst="roundRect">
+              <a:avLst/>
+            </a:prstGeom>
             <a:solidFill>
-              <a:schemeClr val="bg1"/>
+              <a:schemeClr val="accent3">
+                <a:lumMod val="75000"/>
+              </a:schemeClr>
             </a:solidFill>
-          </a:ln>
-        </p:spPr>
-        <p:style>
-          <a:lnRef idx="2">
-            <a:schemeClr val="accent1">
-              <a:shade val="50000"/>
-            </a:schemeClr>
-          </a:lnRef>
-          <a:fillRef idx="1">
-            <a:schemeClr val="accent1"/>
-          </a:fillRef>
-          <a:effectRef idx="0">
-            <a:schemeClr val="accent1"/>
-          </a:effectRef>
-          <a:fontRef idx="minor">
-            <a:schemeClr val="lt1"/>
-          </a:fontRef>
-        </p:style>
-        <p:txBody>
-          <a:bodyPr rtlCol="0" anchor="ctr"/>
-          <a:lstStyle/>
-          <a:p>
-            <a:pPr algn="ctr"/>
-            <a:r>
-              <a:rPr lang="en-US" altLang="zh-CN" sz="1400" dirty="0" err="1" smtClean="0"/>
-              <a:t>GradientBoostingRegressor</a:t>
-            </a:r>
-            <a:endParaRPr lang="zh-CN" altLang="en-US" sz="1400" dirty="0"/>
-          </a:p>
-        </p:txBody>
-      </p:sp>
-      <p:sp>
-        <p:nvSpPr>
-          <p:cNvPr id="24" name="圆角矩形 23"/>
-          <p:cNvSpPr/>
-          <p:nvPr/>
-        </p:nvSpPr>
-        <p:spPr>
-          <a:xfrm>
-            <a:off x="5130312" y="3573016"/>
-            <a:ext cx="2250000" cy="288000"/>
-          </a:xfrm>
-          <a:prstGeom prst="roundRect">
-            <a:avLst/>
-          </a:prstGeom>
-          <a:solidFill>
-            <a:schemeClr val="accent3">
-              <a:lumMod val="75000"/>
-            </a:schemeClr>
-          </a:solidFill>
-          <a:ln>
+            <a:ln>
+              <a:solidFill>
+                <a:schemeClr val="bg1"/>
+              </a:solidFill>
+            </a:ln>
+          </p:spPr>
+          <p:style>
+            <a:lnRef idx="2">
+              <a:schemeClr val="accent1">
+                <a:shade val="50000"/>
+              </a:schemeClr>
+            </a:lnRef>
+            <a:fillRef idx="1">
+              <a:schemeClr val="accent1"/>
+            </a:fillRef>
+            <a:effectRef idx="0">
+              <a:schemeClr val="accent1"/>
+            </a:effectRef>
+            <a:fontRef idx="minor">
+              <a:schemeClr val="lt1"/>
+            </a:fontRef>
+          </p:style>
+          <p:txBody>
+            <a:bodyPr rtlCol="0" anchor="ctr"/>
+            <a:lstStyle/>
+            <a:p>
+              <a:pPr algn="ctr"/>
+              <a:r>
+                <a:rPr lang="en-US" altLang="zh-CN" sz="1400" dirty="0" err="1" smtClean="0"/>
+                <a:t>RandomForestRegressor</a:t>
+              </a:r>
+              <a:endParaRPr lang="zh-CN" altLang="en-US" sz="1400" dirty="0"/>
+            </a:p>
+          </p:txBody>
+        </p:sp>
+        <p:sp>
+          <p:nvSpPr>
+            <p:cNvPr id="26" name="圆角矩形 25"/>
+            <p:cNvSpPr/>
+            <p:nvPr/>
+          </p:nvSpPr>
+          <p:spPr>
+            <a:xfrm>
+              <a:off x="5130312" y="2492896"/>
+              <a:ext cx="2250000" cy="288000"/>
+            </a:xfrm>
+            <a:prstGeom prst="roundRect">
+              <a:avLst/>
+            </a:prstGeom>
             <a:solidFill>
-              <a:schemeClr val="bg1"/>
+              <a:schemeClr val="accent3">
+                <a:lumMod val="75000"/>
+              </a:schemeClr>
             </a:solidFill>
-          </a:ln>
-        </p:spPr>
-        <p:style>
-          <a:lnRef idx="2">
-            <a:schemeClr val="accent1">
-              <a:shade val="50000"/>
-            </a:schemeClr>
-          </a:lnRef>
-          <a:fillRef idx="1">
-            <a:schemeClr val="accent1"/>
-          </a:fillRef>
-          <a:effectRef idx="0">
-            <a:schemeClr val="accent1"/>
-          </a:effectRef>
-          <a:fontRef idx="minor">
-            <a:schemeClr val="lt1"/>
-          </a:fontRef>
-        </p:style>
-        <p:txBody>
-          <a:bodyPr rtlCol="0" anchor="ctr"/>
-          <a:lstStyle/>
-          <a:p>
-            <a:pPr algn="ctr"/>
-            <a:r>
-              <a:rPr lang="en-US" altLang="zh-CN" sz="1400" dirty="0" err="1" smtClean="0"/>
-              <a:t>RandomForestRegressor</a:t>
-            </a:r>
-            <a:endParaRPr lang="zh-CN" altLang="en-US" sz="1400" dirty="0"/>
-          </a:p>
-        </p:txBody>
-      </p:sp>
-      <p:sp>
-        <p:nvSpPr>
-          <p:cNvPr id="26" name="圆角矩形 25"/>
-          <p:cNvSpPr/>
-          <p:nvPr/>
-        </p:nvSpPr>
-        <p:spPr>
-          <a:xfrm>
-            <a:off x="5130312" y="2492896"/>
-            <a:ext cx="2250000" cy="288000"/>
-          </a:xfrm>
-          <a:prstGeom prst="roundRect">
-            <a:avLst/>
-          </a:prstGeom>
-          <a:solidFill>
-            <a:schemeClr val="accent3">
-              <a:lumMod val="75000"/>
-            </a:schemeClr>
-          </a:solidFill>
-          <a:ln>
+            <a:ln>
+              <a:solidFill>
+                <a:schemeClr val="bg1"/>
+              </a:solidFill>
+            </a:ln>
+          </p:spPr>
+          <p:style>
+            <a:lnRef idx="2">
+              <a:schemeClr val="accent1">
+                <a:shade val="50000"/>
+              </a:schemeClr>
+            </a:lnRef>
+            <a:fillRef idx="1">
+              <a:schemeClr val="accent1"/>
+            </a:fillRef>
+            <a:effectRef idx="0">
+              <a:schemeClr val="accent1"/>
+            </a:effectRef>
+            <a:fontRef idx="minor">
+              <a:schemeClr val="lt1"/>
+            </a:fontRef>
+          </p:style>
+          <p:txBody>
+            <a:bodyPr rtlCol="0" anchor="ctr"/>
+            <a:lstStyle/>
+            <a:p>
+              <a:pPr algn="ctr"/>
+              <a:r>
+                <a:rPr lang="en-US" altLang="zh-CN" sz="1400" dirty="0" err="1" smtClean="0"/>
+                <a:t>XGBoostRegressor</a:t>
+              </a:r>
+              <a:endParaRPr lang="zh-CN" altLang="en-US" sz="1400" dirty="0"/>
+            </a:p>
+          </p:txBody>
+        </p:sp>
+        <p:sp>
+          <p:nvSpPr>
+            <p:cNvPr id="27" name="圆角矩形 26"/>
+            <p:cNvSpPr/>
+            <p:nvPr/>
+          </p:nvSpPr>
+          <p:spPr>
+            <a:xfrm>
+              <a:off x="5130312" y="3212976"/>
+              <a:ext cx="2250000" cy="288000"/>
+            </a:xfrm>
+            <a:prstGeom prst="roundRect">
+              <a:avLst/>
+            </a:prstGeom>
             <a:solidFill>
-              <a:schemeClr val="bg1"/>
+              <a:schemeClr val="accent3">
+                <a:lumMod val="75000"/>
+              </a:schemeClr>
             </a:solidFill>
-          </a:ln>
-        </p:spPr>
-        <p:style>
-          <a:lnRef idx="2">
-            <a:schemeClr val="accent1">
-              <a:shade val="50000"/>
-            </a:schemeClr>
-          </a:lnRef>
-          <a:fillRef idx="1">
-            <a:schemeClr val="accent1"/>
-          </a:fillRef>
-          <a:effectRef idx="0">
-            <a:schemeClr val="accent1"/>
-          </a:effectRef>
-          <a:fontRef idx="minor">
-            <a:schemeClr val="lt1"/>
-          </a:fontRef>
-        </p:style>
-        <p:txBody>
-          <a:bodyPr rtlCol="0" anchor="ctr"/>
-          <a:lstStyle/>
-          <a:p>
-            <a:pPr algn="ctr"/>
-            <a:r>
-              <a:rPr lang="en-US" altLang="zh-CN" sz="1400" dirty="0" err="1" smtClean="0"/>
-              <a:t>XGBoostRegressor</a:t>
-            </a:r>
-            <a:endParaRPr lang="zh-CN" altLang="en-US" sz="1400" dirty="0"/>
-          </a:p>
-        </p:txBody>
-      </p:sp>
-      <p:sp>
-        <p:nvSpPr>
-          <p:cNvPr id="27" name="圆角矩形 26"/>
-          <p:cNvSpPr/>
-          <p:nvPr/>
-        </p:nvSpPr>
-        <p:spPr>
-          <a:xfrm>
-            <a:off x="5130312" y="3212976"/>
-            <a:ext cx="2250000" cy="288000"/>
-          </a:xfrm>
-          <a:prstGeom prst="roundRect">
-            <a:avLst/>
-          </a:prstGeom>
-          <a:solidFill>
-            <a:schemeClr val="accent3">
-              <a:lumMod val="75000"/>
-            </a:schemeClr>
-          </a:solidFill>
-          <a:ln>
+            <a:ln>
+              <a:solidFill>
+                <a:schemeClr val="bg1"/>
+              </a:solidFill>
+            </a:ln>
+          </p:spPr>
+          <p:style>
+            <a:lnRef idx="2">
+              <a:schemeClr val="accent1">
+                <a:shade val="50000"/>
+              </a:schemeClr>
+            </a:lnRef>
+            <a:fillRef idx="1">
+              <a:schemeClr val="accent1"/>
+            </a:fillRef>
+            <a:effectRef idx="0">
+              <a:schemeClr val="accent1"/>
+            </a:effectRef>
+            <a:fontRef idx="minor">
+              <a:schemeClr val="lt1"/>
+            </a:fontRef>
+          </p:style>
+          <p:txBody>
+            <a:bodyPr rtlCol="0" anchor="ctr"/>
+            <a:lstStyle/>
+            <a:p>
+              <a:pPr algn="ctr"/>
+              <a:r>
+                <a:rPr lang="en-US" altLang="zh-CN" sz="1400" dirty="0" err="1" smtClean="0"/>
+                <a:t>ExtraTreesRegressor</a:t>
+              </a:r>
+              <a:endParaRPr lang="zh-CN" altLang="en-US" sz="1400" dirty="0"/>
+            </a:p>
+          </p:txBody>
+        </p:sp>
+        <p:sp>
+          <p:nvSpPr>
+            <p:cNvPr id="28" name="圆角矩形 27"/>
+            <p:cNvSpPr/>
+            <p:nvPr/>
+          </p:nvSpPr>
+          <p:spPr>
+            <a:xfrm>
+              <a:off x="5130312" y="3933056"/>
+              <a:ext cx="2250000" cy="288000"/>
+            </a:xfrm>
+            <a:prstGeom prst="roundRect">
+              <a:avLst/>
+            </a:prstGeom>
             <a:solidFill>
-              <a:schemeClr val="bg1"/>
+              <a:schemeClr val="accent3">
+                <a:lumMod val="75000"/>
+              </a:schemeClr>
             </a:solidFill>
-          </a:ln>
-        </p:spPr>
-        <p:style>
-          <a:lnRef idx="2">
-            <a:schemeClr val="accent1">
-              <a:shade val="50000"/>
-            </a:schemeClr>
-          </a:lnRef>
-          <a:fillRef idx="1">
-            <a:schemeClr val="accent1"/>
-          </a:fillRef>
-          <a:effectRef idx="0">
-            <a:schemeClr val="accent1"/>
-          </a:effectRef>
-          <a:fontRef idx="minor">
-            <a:schemeClr val="lt1"/>
-          </a:fontRef>
-        </p:style>
-        <p:txBody>
-          <a:bodyPr rtlCol="0" anchor="ctr"/>
-          <a:lstStyle/>
-          <a:p>
-            <a:pPr algn="ctr"/>
-            <a:r>
-              <a:rPr lang="en-US" altLang="zh-CN" sz="1400" dirty="0" err="1" smtClean="0"/>
-              <a:t>ExtraTreesRegressor</a:t>
-            </a:r>
-            <a:endParaRPr lang="zh-CN" altLang="en-US" sz="1400" dirty="0"/>
-          </a:p>
-        </p:txBody>
-      </p:sp>
-      <p:sp>
-        <p:nvSpPr>
-          <p:cNvPr id="28" name="圆角矩形 27"/>
-          <p:cNvSpPr/>
-          <p:nvPr/>
-        </p:nvSpPr>
-        <p:spPr>
-          <a:xfrm>
-            <a:off x="5130312" y="3933056"/>
-            <a:ext cx="2250000" cy="288000"/>
-          </a:xfrm>
-          <a:prstGeom prst="roundRect">
-            <a:avLst/>
-          </a:prstGeom>
-          <a:solidFill>
-            <a:schemeClr val="accent3">
-              <a:lumMod val="75000"/>
-            </a:schemeClr>
-          </a:solidFill>
-          <a:ln>
+            <a:ln>
+              <a:solidFill>
+                <a:schemeClr val="bg1"/>
+              </a:solidFill>
+            </a:ln>
+          </p:spPr>
+          <p:style>
+            <a:lnRef idx="2">
+              <a:schemeClr val="accent1">
+                <a:shade val="50000"/>
+              </a:schemeClr>
+            </a:lnRef>
+            <a:fillRef idx="1">
+              <a:schemeClr val="accent1"/>
+            </a:fillRef>
+            <a:effectRef idx="0">
+              <a:schemeClr val="accent1"/>
+            </a:effectRef>
+            <a:fontRef idx="minor">
+              <a:schemeClr val="lt1"/>
+            </a:fontRef>
+          </p:style>
+          <p:txBody>
+            <a:bodyPr rtlCol="0" anchor="ctr"/>
+            <a:lstStyle/>
+            <a:p>
+              <a:pPr algn="ctr"/>
+              <a:r>
+                <a:rPr lang="en-US" altLang="zh-CN" sz="1400" dirty="0" smtClean="0"/>
+                <a:t>Ridge</a:t>
+              </a:r>
+              <a:endParaRPr lang="zh-CN" altLang="en-US" sz="1400" dirty="0"/>
+            </a:p>
+          </p:txBody>
+        </p:sp>
+        <p:sp>
+          <p:nvSpPr>
+            <p:cNvPr id="29" name="圆角矩形 28"/>
+            <p:cNvSpPr/>
+            <p:nvPr/>
+          </p:nvSpPr>
+          <p:spPr>
+            <a:xfrm>
+              <a:off x="5130312" y="4293096"/>
+              <a:ext cx="2250000" cy="288000"/>
+            </a:xfrm>
+            <a:prstGeom prst="roundRect">
+              <a:avLst/>
+            </a:prstGeom>
             <a:solidFill>
-              <a:schemeClr val="bg1"/>
+              <a:schemeClr val="accent3">
+                <a:lumMod val="75000"/>
+              </a:schemeClr>
             </a:solidFill>
-          </a:ln>
-        </p:spPr>
-        <p:style>
-          <a:lnRef idx="2">
-            <a:schemeClr val="accent1">
-              <a:shade val="50000"/>
-            </a:schemeClr>
-          </a:lnRef>
-          <a:fillRef idx="1">
-            <a:schemeClr val="accent1"/>
-          </a:fillRef>
-          <a:effectRef idx="0">
-            <a:schemeClr val="accent1"/>
-          </a:effectRef>
-          <a:fontRef idx="minor">
-            <a:schemeClr val="lt1"/>
-          </a:fontRef>
-        </p:style>
-        <p:txBody>
-          <a:bodyPr rtlCol="0" anchor="ctr"/>
-          <a:lstStyle/>
-          <a:p>
-            <a:pPr algn="ctr"/>
-            <a:r>
-              <a:rPr lang="en-US" altLang="zh-CN" sz="1400" dirty="0" smtClean="0"/>
-              <a:t>Ridge</a:t>
-            </a:r>
-            <a:endParaRPr lang="zh-CN" altLang="en-US" sz="1400" dirty="0"/>
-          </a:p>
-        </p:txBody>
-      </p:sp>
-      <p:sp>
-        <p:nvSpPr>
-          <p:cNvPr id="29" name="圆角矩形 28"/>
-          <p:cNvSpPr/>
-          <p:nvPr/>
-        </p:nvSpPr>
-        <p:spPr>
-          <a:xfrm>
-            <a:off x="5130312" y="4293096"/>
-            <a:ext cx="2250000" cy="288000"/>
-          </a:xfrm>
-          <a:prstGeom prst="roundRect">
-            <a:avLst/>
-          </a:prstGeom>
-          <a:solidFill>
-            <a:schemeClr val="accent3">
-              <a:lumMod val="75000"/>
-            </a:schemeClr>
-          </a:solidFill>
-          <a:ln>
+            <a:ln>
+              <a:solidFill>
+                <a:schemeClr val="bg1"/>
+              </a:solidFill>
+            </a:ln>
+          </p:spPr>
+          <p:style>
+            <a:lnRef idx="2">
+              <a:schemeClr val="accent1">
+                <a:shade val="50000"/>
+              </a:schemeClr>
+            </a:lnRef>
+            <a:fillRef idx="1">
+              <a:schemeClr val="accent1"/>
+            </a:fillRef>
+            <a:effectRef idx="0">
+              <a:schemeClr val="accent1"/>
+            </a:effectRef>
+            <a:fontRef idx="minor">
+              <a:schemeClr val="lt1"/>
+            </a:fontRef>
+          </p:style>
+          <p:txBody>
+            <a:bodyPr rtlCol="0" anchor="ctr"/>
+            <a:lstStyle/>
+            <a:p>
+              <a:pPr algn="ctr"/>
+              <a:r>
+                <a:rPr lang="en-US" altLang="zh-CN" sz="1400" dirty="0" err="1" smtClean="0"/>
+                <a:t>KerasDNNRegressor</a:t>
+              </a:r>
+              <a:endParaRPr lang="zh-CN" altLang="en-US" sz="1400" dirty="0"/>
+            </a:p>
+          </p:txBody>
+        </p:sp>
+        <p:sp>
+          <p:nvSpPr>
+            <p:cNvPr id="30" name="圆角矩形 29"/>
+            <p:cNvSpPr/>
+            <p:nvPr/>
+          </p:nvSpPr>
+          <p:spPr>
+            <a:xfrm>
+              <a:off x="5130312" y="4653136"/>
+              <a:ext cx="2250000" cy="288000"/>
+            </a:xfrm>
+            <a:prstGeom prst="roundRect">
+              <a:avLst/>
+            </a:prstGeom>
             <a:solidFill>
-              <a:schemeClr val="bg1"/>
+              <a:schemeClr val="accent3">
+                <a:lumMod val="75000"/>
+              </a:schemeClr>
             </a:solidFill>
-          </a:ln>
-        </p:spPr>
-        <p:style>
-          <a:lnRef idx="2">
-            <a:schemeClr val="accent1">
-              <a:shade val="50000"/>
-            </a:schemeClr>
-          </a:lnRef>
-          <a:fillRef idx="1">
-            <a:schemeClr val="accent1"/>
-          </a:fillRef>
-          <a:effectRef idx="0">
-            <a:schemeClr val="accent1"/>
-          </a:effectRef>
-          <a:fontRef idx="minor">
-            <a:schemeClr val="lt1"/>
-          </a:fontRef>
-        </p:style>
-        <p:txBody>
-          <a:bodyPr rtlCol="0" anchor="ctr"/>
-          <a:lstStyle/>
-          <a:p>
-            <a:pPr algn="ctr"/>
-            <a:r>
-              <a:rPr lang="en-US" altLang="zh-CN" sz="1400" dirty="0" err="1" smtClean="0"/>
-              <a:t>KerasDNNRegressor</a:t>
-            </a:r>
-            <a:endParaRPr lang="zh-CN" altLang="en-US" sz="1400" dirty="0"/>
-          </a:p>
-        </p:txBody>
-      </p:sp>
-      <p:sp>
-        <p:nvSpPr>
-          <p:cNvPr id="30" name="圆角矩形 29"/>
-          <p:cNvSpPr/>
-          <p:nvPr/>
-        </p:nvSpPr>
-        <p:spPr>
-          <a:xfrm>
-            <a:off x="5130312" y="4653136"/>
-            <a:ext cx="2250000" cy="288000"/>
-          </a:xfrm>
-          <a:prstGeom prst="roundRect">
-            <a:avLst/>
-          </a:prstGeom>
-          <a:solidFill>
-            <a:schemeClr val="accent3">
-              <a:lumMod val="75000"/>
-            </a:schemeClr>
-          </a:solidFill>
-          <a:ln>
+            <a:ln>
+              <a:solidFill>
+                <a:schemeClr val="bg1"/>
+              </a:solidFill>
+            </a:ln>
+          </p:spPr>
+          <p:style>
+            <a:lnRef idx="2">
+              <a:schemeClr val="accent1">
+                <a:shade val="50000"/>
+              </a:schemeClr>
+            </a:lnRef>
+            <a:fillRef idx="1">
+              <a:schemeClr val="accent1"/>
+            </a:fillRef>
+            <a:effectRef idx="0">
+              <a:schemeClr val="accent1"/>
+            </a:effectRef>
+            <a:fontRef idx="minor">
+              <a:schemeClr val="lt1"/>
+            </a:fontRef>
+          </p:style>
+          <p:txBody>
+            <a:bodyPr rtlCol="0" anchor="ctr"/>
+            <a:lstStyle/>
+            <a:p>
+              <a:pPr algn="ctr"/>
+              <a:r>
+                <a:rPr lang="en-US" altLang="zh-CN" sz="1400" dirty="0" err="1" smtClean="0"/>
+                <a:t>RGFRegressor</a:t>
+              </a:r>
+              <a:endParaRPr lang="zh-CN" altLang="en-US" sz="1400" dirty="0"/>
+            </a:p>
+          </p:txBody>
+        </p:sp>
+        <p:sp>
+          <p:nvSpPr>
+            <p:cNvPr id="17" name="右箭头 16"/>
+            <p:cNvSpPr/>
+            <p:nvPr/>
+          </p:nvSpPr>
+          <p:spPr>
+            <a:xfrm>
+              <a:off x="4320000" y="2096384"/>
+              <a:ext cx="600905" cy="252496"/>
+            </a:xfrm>
+            <a:prstGeom prst="rightArrow">
+              <a:avLst/>
+            </a:prstGeom>
+          </p:spPr>
+          <p:style>
+            <a:lnRef idx="2">
+              <a:schemeClr val="accent1">
+                <a:shade val="50000"/>
+              </a:schemeClr>
+            </a:lnRef>
+            <a:fillRef idx="1">
+              <a:schemeClr val="accent1"/>
+            </a:fillRef>
+            <a:effectRef idx="0">
+              <a:schemeClr val="accent1"/>
+            </a:effectRef>
+            <a:fontRef idx="minor">
+              <a:schemeClr val="lt1"/>
+            </a:fontRef>
+          </p:style>
+          <p:txBody>
+            <a:bodyPr rtlCol="0" anchor="ctr"/>
+            <a:lstStyle/>
+            <a:p>
+              <a:pPr algn="ctr"/>
+              <a:endParaRPr lang="zh-CN" altLang="en-US"/>
+            </a:p>
+          </p:txBody>
+        </p:sp>
+        <p:sp>
+          <p:nvSpPr>
+            <p:cNvPr id="47" name="右箭头 46"/>
+            <p:cNvSpPr/>
+            <p:nvPr/>
+          </p:nvSpPr>
+          <p:spPr>
+            <a:xfrm>
+              <a:off x="10188624" y="2087232"/>
+              <a:ext cx="600905" cy="252496"/>
+            </a:xfrm>
+            <a:prstGeom prst="rightArrow">
+              <a:avLst/>
+            </a:prstGeom>
+          </p:spPr>
+          <p:style>
+            <a:lnRef idx="2">
+              <a:schemeClr val="accent1">
+                <a:shade val="50000"/>
+              </a:schemeClr>
+            </a:lnRef>
+            <a:fillRef idx="1">
+              <a:schemeClr val="accent1"/>
+            </a:fillRef>
+            <a:effectRef idx="0">
+              <a:schemeClr val="accent1"/>
+            </a:effectRef>
+            <a:fontRef idx="minor">
+              <a:schemeClr val="lt1"/>
+            </a:fontRef>
+          </p:style>
+          <p:txBody>
+            <a:bodyPr rtlCol="0" anchor="ctr"/>
+            <a:lstStyle/>
+            <a:p>
+              <a:pPr algn="ctr"/>
+              <a:endParaRPr lang="zh-CN" altLang="en-US"/>
+            </a:p>
+          </p:txBody>
+        </p:sp>
+        <p:sp>
+          <p:nvSpPr>
+            <p:cNvPr id="48" name="右箭头 47"/>
+            <p:cNvSpPr/>
+            <p:nvPr/>
+          </p:nvSpPr>
+          <p:spPr>
+            <a:xfrm>
+              <a:off x="2555776" y="2087232"/>
+              <a:ext cx="600905" cy="252496"/>
+            </a:xfrm>
+            <a:prstGeom prst="rightArrow">
+              <a:avLst/>
+            </a:prstGeom>
+          </p:spPr>
+          <p:style>
+            <a:lnRef idx="2">
+              <a:schemeClr val="accent1">
+                <a:shade val="50000"/>
+              </a:schemeClr>
+            </a:lnRef>
+            <a:fillRef idx="1">
+              <a:schemeClr val="accent1"/>
+            </a:fillRef>
+            <a:effectRef idx="0">
+              <a:schemeClr val="accent1"/>
+            </a:effectRef>
+            <a:fontRef idx="minor">
+              <a:schemeClr val="lt1"/>
+            </a:fontRef>
+          </p:style>
+          <p:txBody>
+            <a:bodyPr rtlCol="0" anchor="ctr"/>
+            <a:lstStyle/>
+            <a:p>
+              <a:pPr algn="ctr"/>
+              <a:endParaRPr lang="zh-CN" altLang="en-US"/>
+            </a:p>
+          </p:txBody>
+        </p:sp>
+        <p:sp>
+          <p:nvSpPr>
+            <p:cNvPr id="49" name="右箭头 48"/>
+            <p:cNvSpPr/>
+            <p:nvPr/>
+          </p:nvSpPr>
+          <p:spPr>
+            <a:xfrm>
+              <a:off x="802743" y="2087232"/>
+              <a:ext cx="600905" cy="252496"/>
+            </a:xfrm>
+            <a:prstGeom prst="rightArrow">
+              <a:avLst/>
+            </a:prstGeom>
+          </p:spPr>
+          <p:style>
+            <a:lnRef idx="2">
+              <a:schemeClr val="accent1">
+                <a:shade val="50000"/>
+              </a:schemeClr>
+            </a:lnRef>
+            <a:fillRef idx="1">
+              <a:schemeClr val="accent1"/>
+            </a:fillRef>
+            <a:effectRef idx="0">
+              <a:schemeClr val="accent1"/>
+            </a:effectRef>
+            <a:fontRef idx="minor">
+              <a:schemeClr val="lt1"/>
+            </a:fontRef>
+          </p:style>
+          <p:txBody>
+            <a:bodyPr rtlCol="0" anchor="ctr"/>
+            <a:lstStyle/>
+            <a:p>
+              <a:pPr algn="ctr"/>
+              <a:endParaRPr lang="zh-CN" altLang="en-US"/>
+            </a:p>
+          </p:txBody>
+        </p:sp>
+        <p:sp>
+          <p:nvSpPr>
+            <p:cNvPr id="46" name="圆角矩形 45"/>
+            <p:cNvSpPr/>
+            <p:nvPr/>
+          </p:nvSpPr>
+          <p:spPr>
+            <a:xfrm>
+              <a:off x="3059832" y="2845326"/>
+              <a:ext cx="1332000" cy="288000"/>
+            </a:xfrm>
+            <a:prstGeom prst="roundRect">
+              <a:avLst/>
+            </a:prstGeom>
             <a:solidFill>
-              <a:schemeClr val="bg1"/>
+              <a:schemeClr val="bg2">
+                <a:lumMod val="50000"/>
+              </a:schemeClr>
             </a:solidFill>
-          </a:ln>
-        </p:spPr>
-        <p:style>
-          <a:lnRef idx="2">
-            <a:schemeClr val="accent1">
-              <a:shade val="50000"/>
-            </a:schemeClr>
-          </a:lnRef>
-          <a:fillRef idx="1">
-            <a:schemeClr val="accent1"/>
-          </a:fillRef>
-          <a:effectRef idx="0">
-            <a:schemeClr val="accent1"/>
-          </a:effectRef>
-          <a:fontRef idx="minor">
-            <a:schemeClr val="lt1"/>
-          </a:fontRef>
-        </p:style>
-        <p:txBody>
-          <a:bodyPr rtlCol="0" anchor="ctr"/>
-          <a:lstStyle/>
-          <a:p>
-            <a:pPr algn="ctr"/>
-            <a:r>
-              <a:rPr lang="en-US" altLang="zh-CN" sz="1400" dirty="0" err="1" smtClean="0"/>
-              <a:t>RGFRegressor</a:t>
-            </a:r>
-            <a:endParaRPr lang="zh-CN" altLang="en-US" sz="1400" dirty="0"/>
-          </a:p>
-        </p:txBody>
-      </p:sp>
-      <p:sp>
-        <p:nvSpPr>
-          <p:cNvPr id="17" name="右箭头 16"/>
-          <p:cNvSpPr/>
-          <p:nvPr/>
-        </p:nvSpPr>
-        <p:spPr>
-          <a:xfrm>
-            <a:off x="4320000" y="2096384"/>
-            <a:ext cx="600905" cy="252496"/>
-          </a:xfrm>
-          <a:prstGeom prst="rightArrow">
-            <a:avLst/>
-          </a:prstGeom>
-        </p:spPr>
-        <p:style>
-          <a:lnRef idx="2">
-            <a:schemeClr val="accent1">
-              <a:shade val="50000"/>
-            </a:schemeClr>
-          </a:lnRef>
-          <a:fillRef idx="1">
-            <a:schemeClr val="accent1"/>
-          </a:fillRef>
-          <a:effectRef idx="0">
-            <a:schemeClr val="accent1"/>
-          </a:effectRef>
-          <a:fontRef idx="minor">
-            <a:schemeClr val="lt1"/>
-          </a:fontRef>
-        </p:style>
-        <p:txBody>
-          <a:bodyPr rtlCol="0" anchor="ctr"/>
-          <a:lstStyle/>
-          <a:p>
-            <a:pPr algn="ctr"/>
-            <a:endParaRPr lang="zh-CN" altLang="en-US"/>
-          </a:p>
-        </p:txBody>
-      </p:sp>
-      <p:sp>
-        <p:nvSpPr>
-          <p:cNvPr id="47" name="右箭头 46"/>
-          <p:cNvSpPr/>
-          <p:nvPr/>
-        </p:nvSpPr>
-        <p:spPr>
-          <a:xfrm>
-            <a:off x="10188624" y="2087232"/>
-            <a:ext cx="600905" cy="252496"/>
-          </a:xfrm>
-          <a:prstGeom prst="rightArrow">
-            <a:avLst/>
-          </a:prstGeom>
-        </p:spPr>
-        <p:style>
-          <a:lnRef idx="2">
-            <a:schemeClr val="accent1">
-              <a:shade val="50000"/>
-            </a:schemeClr>
-          </a:lnRef>
-          <a:fillRef idx="1">
-            <a:schemeClr val="accent1"/>
-          </a:fillRef>
-          <a:effectRef idx="0">
-            <a:schemeClr val="accent1"/>
-          </a:effectRef>
-          <a:fontRef idx="minor">
-            <a:schemeClr val="lt1"/>
-          </a:fontRef>
-        </p:style>
-        <p:txBody>
-          <a:bodyPr rtlCol="0" anchor="ctr"/>
-          <a:lstStyle/>
-          <a:p>
-            <a:pPr algn="ctr"/>
-            <a:endParaRPr lang="zh-CN" altLang="en-US"/>
-          </a:p>
-        </p:txBody>
-      </p:sp>
-      <p:sp>
-        <p:nvSpPr>
-          <p:cNvPr id="48" name="右箭头 47"/>
-          <p:cNvSpPr/>
-          <p:nvPr/>
-        </p:nvSpPr>
-        <p:spPr>
-          <a:xfrm>
-            <a:off x="2555776" y="2087232"/>
-            <a:ext cx="600905" cy="252496"/>
-          </a:xfrm>
-          <a:prstGeom prst="rightArrow">
-            <a:avLst/>
-          </a:prstGeom>
-        </p:spPr>
-        <p:style>
-          <a:lnRef idx="2">
-            <a:schemeClr val="accent1">
-              <a:shade val="50000"/>
-            </a:schemeClr>
-          </a:lnRef>
-          <a:fillRef idx="1">
-            <a:schemeClr val="accent1"/>
-          </a:fillRef>
-          <a:effectRef idx="0">
-            <a:schemeClr val="accent1"/>
-          </a:effectRef>
-          <a:fontRef idx="minor">
-            <a:schemeClr val="lt1"/>
-          </a:fontRef>
-        </p:style>
-        <p:txBody>
-          <a:bodyPr rtlCol="0" anchor="ctr"/>
-          <a:lstStyle/>
-          <a:p>
-            <a:pPr algn="ctr"/>
-            <a:endParaRPr lang="zh-CN" altLang="en-US"/>
-          </a:p>
-        </p:txBody>
-      </p:sp>
-      <p:sp>
-        <p:nvSpPr>
-          <p:cNvPr id="49" name="右箭头 48"/>
-          <p:cNvSpPr/>
-          <p:nvPr/>
-        </p:nvSpPr>
-        <p:spPr>
-          <a:xfrm>
-            <a:off x="802743" y="2087232"/>
-            <a:ext cx="600905" cy="252496"/>
-          </a:xfrm>
-          <a:prstGeom prst="rightArrow">
-            <a:avLst/>
-          </a:prstGeom>
-        </p:spPr>
-        <p:style>
-          <a:lnRef idx="2">
-            <a:schemeClr val="accent1">
-              <a:shade val="50000"/>
-            </a:schemeClr>
-          </a:lnRef>
-          <a:fillRef idx="1">
-            <a:schemeClr val="accent1"/>
-          </a:fillRef>
-          <a:effectRef idx="0">
-            <a:schemeClr val="accent1"/>
-          </a:effectRef>
-          <a:fontRef idx="minor">
-            <a:schemeClr val="lt1"/>
-          </a:fontRef>
-        </p:style>
-        <p:txBody>
-          <a:bodyPr rtlCol="0" anchor="ctr"/>
-          <a:lstStyle/>
-          <a:p>
-            <a:pPr algn="ctr"/>
-            <a:endParaRPr lang="zh-CN" altLang="en-US"/>
-          </a:p>
-        </p:txBody>
-      </p:sp>
-      <p:sp>
-        <p:nvSpPr>
-          <p:cNvPr id="46" name="圆角矩形 45"/>
-          <p:cNvSpPr/>
-          <p:nvPr/>
-        </p:nvSpPr>
-        <p:spPr>
-          <a:xfrm>
-            <a:off x="3059832" y="2845326"/>
-            <a:ext cx="1332000" cy="288000"/>
-          </a:xfrm>
-          <a:prstGeom prst="roundRect">
-            <a:avLst/>
-          </a:prstGeom>
-          <a:solidFill>
-            <a:schemeClr val="bg2">
-              <a:lumMod val="50000"/>
-            </a:schemeClr>
-          </a:solidFill>
-          <a:ln>
+            <a:ln>
+              <a:solidFill>
+                <a:schemeClr val="bg1"/>
+              </a:solidFill>
+            </a:ln>
+          </p:spPr>
+          <p:style>
+            <a:lnRef idx="2">
+              <a:schemeClr val="accent1">
+                <a:shade val="50000"/>
+              </a:schemeClr>
+            </a:lnRef>
+            <a:fillRef idx="1">
+              <a:schemeClr val="accent1"/>
+            </a:fillRef>
+            <a:effectRef idx="0">
+              <a:schemeClr val="accent1"/>
+            </a:effectRef>
+            <a:fontRef idx="minor">
+              <a:schemeClr val="lt1"/>
+            </a:fontRef>
+          </p:style>
+          <p:txBody>
+            <a:bodyPr rtlCol="0" anchor="ctr"/>
+            <a:lstStyle/>
+            <a:p>
+              <a:pPr algn="ctr"/>
+              <a:r>
+                <a:rPr lang="en-US" altLang="zh-CN" sz="1400" dirty="0" smtClean="0"/>
+                <a:t>Distance</a:t>
+              </a:r>
+              <a:endParaRPr lang="zh-CN" altLang="en-US" sz="1400" dirty="0"/>
+            </a:p>
+          </p:txBody>
+        </p:sp>
+        <p:sp>
+          <p:nvSpPr>
+            <p:cNvPr id="51" name="圆角矩形 50"/>
+            <p:cNvSpPr/>
+            <p:nvPr/>
+          </p:nvSpPr>
+          <p:spPr>
+            <a:xfrm>
+              <a:off x="3059832" y="3221810"/>
+              <a:ext cx="1332000" cy="288000"/>
+            </a:xfrm>
+            <a:prstGeom prst="roundRect">
+              <a:avLst/>
+            </a:prstGeom>
             <a:solidFill>
-              <a:schemeClr val="bg1"/>
+              <a:schemeClr val="bg2">
+                <a:lumMod val="50000"/>
+              </a:schemeClr>
             </a:solidFill>
-          </a:ln>
-        </p:spPr>
-        <p:style>
-          <a:lnRef idx="2">
-            <a:schemeClr val="accent1">
-              <a:shade val="50000"/>
-            </a:schemeClr>
-          </a:lnRef>
-          <a:fillRef idx="1">
-            <a:schemeClr val="accent1"/>
-          </a:fillRef>
-          <a:effectRef idx="0">
-            <a:schemeClr val="accent1"/>
-          </a:effectRef>
-          <a:fontRef idx="minor">
-            <a:schemeClr val="lt1"/>
-          </a:fontRef>
-        </p:style>
-        <p:txBody>
-          <a:bodyPr rtlCol="0" anchor="ctr"/>
-          <a:lstStyle/>
-          <a:p>
-            <a:pPr algn="ctr"/>
-            <a:r>
-              <a:rPr lang="en-US" altLang="zh-CN" sz="1400" dirty="0" smtClean="0"/>
-              <a:t>Distance</a:t>
-            </a:r>
-            <a:endParaRPr lang="zh-CN" altLang="en-US" sz="1400" dirty="0"/>
-          </a:p>
-        </p:txBody>
-      </p:sp>
-      <p:sp>
-        <p:nvSpPr>
-          <p:cNvPr id="51" name="圆角矩形 50"/>
-          <p:cNvSpPr/>
-          <p:nvPr/>
-        </p:nvSpPr>
-        <p:spPr>
-          <a:xfrm>
-            <a:off x="3059832" y="3221810"/>
-            <a:ext cx="1332000" cy="288000"/>
-          </a:xfrm>
-          <a:prstGeom prst="roundRect">
-            <a:avLst/>
-          </a:prstGeom>
-          <a:solidFill>
-            <a:schemeClr val="bg2">
-              <a:lumMod val="50000"/>
-            </a:schemeClr>
-          </a:solidFill>
-          <a:ln>
+            <a:ln>
+              <a:solidFill>
+                <a:schemeClr val="bg1"/>
+              </a:solidFill>
+            </a:ln>
+          </p:spPr>
+          <p:style>
+            <a:lnRef idx="2">
+              <a:schemeClr val="accent1">
+                <a:shade val="50000"/>
+              </a:schemeClr>
+            </a:lnRef>
+            <a:fillRef idx="1">
+              <a:schemeClr val="accent1"/>
+            </a:fillRef>
+            <a:effectRef idx="0">
+              <a:schemeClr val="accent1"/>
+            </a:effectRef>
+            <a:fontRef idx="minor">
+              <a:schemeClr val="lt1"/>
+            </a:fontRef>
+          </p:style>
+          <p:txBody>
+            <a:bodyPr rtlCol="0" anchor="ctr"/>
+            <a:lstStyle/>
+            <a:p>
+              <a:pPr algn="ctr"/>
+              <a:r>
+                <a:rPr lang="en-US" altLang="zh-CN" sz="1400" dirty="0" smtClean="0"/>
+                <a:t>Doc2Vec</a:t>
+              </a:r>
+              <a:endParaRPr lang="zh-CN" altLang="en-US" sz="1400" dirty="0"/>
+            </a:p>
+          </p:txBody>
+        </p:sp>
+        <p:sp>
+          <p:nvSpPr>
+            <p:cNvPr id="52" name="圆角矩形 51"/>
+            <p:cNvSpPr/>
+            <p:nvPr/>
+          </p:nvSpPr>
+          <p:spPr>
+            <a:xfrm>
+              <a:off x="3059832" y="5013176"/>
+              <a:ext cx="1332000" cy="288000"/>
+            </a:xfrm>
+            <a:prstGeom prst="roundRect">
+              <a:avLst/>
+            </a:prstGeom>
             <a:solidFill>
-              <a:schemeClr val="bg1"/>
+              <a:schemeClr val="bg2">
+                <a:lumMod val="50000"/>
+              </a:schemeClr>
             </a:solidFill>
-          </a:ln>
-        </p:spPr>
-        <p:style>
-          <a:lnRef idx="2">
-            <a:schemeClr val="accent1">
-              <a:shade val="50000"/>
-            </a:schemeClr>
-          </a:lnRef>
-          <a:fillRef idx="1">
-            <a:schemeClr val="accent1"/>
-          </a:fillRef>
-          <a:effectRef idx="0">
-            <a:schemeClr val="accent1"/>
-          </a:effectRef>
-          <a:fontRef idx="minor">
-            <a:schemeClr val="lt1"/>
-          </a:fontRef>
-        </p:style>
-        <p:txBody>
-          <a:bodyPr rtlCol="0" anchor="ctr"/>
-          <a:lstStyle/>
-          <a:p>
-            <a:pPr algn="ctr"/>
-            <a:r>
-              <a:rPr lang="en-US" altLang="zh-CN" sz="1400" dirty="0" smtClean="0"/>
-              <a:t>Doc2Vec</a:t>
-            </a:r>
-            <a:endParaRPr lang="zh-CN" altLang="en-US" sz="1400" dirty="0"/>
-          </a:p>
-        </p:txBody>
-      </p:sp>
-      <p:sp>
-        <p:nvSpPr>
-          <p:cNvPr id="52" name="圆角矩形 51"/>
-          <p:cNvSpPr/>
-          <p:nvPr/>
-        </p:nvSpPr>
-        <p:spPr>
-          <a:xfrm>
-            <a:off x="3059832" y="5013176"/>
-            <a:ext cx="1332000" cy="288000"/>
-          </a:xfrm>
-          <a:prstGeom prst="roundRect">
-            <a:avLst/>
-          </a:prstGeom>
-          <a:solidFill>
-            <a:schemeClr val="bg2">
-              <a:lumMod val="50000"/>
-            </a:schemeClr>
-          </a:solidFill>
-          <a:ln>
+            <a:ln>
+              <a:solidFill>
+                <a:schemeClr val="bg1"/>
+              </a:solidFill>
+            </a:ln>
+          </p:spPr>
+          <p:style>
+            <a:lnRef idx="2">
+              <a:schemeClr val="accent1">
+                <a:shade val="50000"/>
+              </a:schemeClr>
+            </a:lnRef>
+            <a:fillRef idx="1">
+              <a:schemeClr val="accent1"/>
+            </a:fillRef>
+            <a:effectRef idx="0">
+              <a:schemeClr val="accent1"/>
+            </a:effectRef>
+            <a:fontRef idx="minor">
+              <a:schemeClr val="lt1"/>
+            </a:fontRef>
+          </p:style>
+          <p:txBody>
+            <a:bodyPr rtlCol="0" anchor="ctr"/>
+            <a:lstStyle/>
+            <a:p>
+              <a:pPr algn="ctr"/>
+              <a:r>
+                <a:rPr lang="en-US" altLang="zh-CN" sz="1400" dirty="0" smtClean="0"/>
+                <a:t>…</a:t>
+              </a:r>
+              <a:endParaRPr lang="zh-CN" altLang="en-US" sz="1400" dirty="0"/>
+            </a:p>
+          </p:txBody>
+        </p:sp>
+        <p:sp>
+          <p:nvSpPr>
+            <p:cNvPr id="53" name="圆角矩形 52"/>
+            <p:cNvSpPr/>
+            <p:nvPr/>
+          </p:nvSpPr>
+          <p:spPr>
+            <a:xfrm>
+              <a:off x="1296778" y="3105024"/>
+              <a:ext cx="1260000" cy="540000"/>
+            </a:xfrm>
+            <a:prstGeom prst="roundRect">
+              <a:avLst/>
+            </a:prstGeom>
             <a:solidFill>
-              <a:schemeClr val="bg1"/>
+              <a:schemeClr val="accent4">
+                <a:lumMod val="75000"/>
+              </a:schemeClr>
             </a:solidFill>
-          </a:ln>
-        </p:spPr>
-        <p:style>
-          <a:lnRef idx="2">
-            <a:schemeClr val="accent1">
-              <a:shade val="50000"/>
-            </a:schemeClr>
-          </a:lnRef>
-          <a:fillRef idx="1">
-            <a:schemeClr val="accent1"/>
-          </a:fillRef>
-          <a:effectRef idx="0">
-            <a:schemeClr val="accent1"/>
-          </a:effectRef>
-          <a:fontRef idx="minor">
-            <a:schemeClr val="lt1"/>
-          </a:fontRef>
-        </p:style>
-        <p:txBody>
-          <a:bodyPr rtlCol="0" anchor="ctr"/>
-          <a:lstStyle/>
-          <a:p>
-            <a:pPr algn="ctr"/>
-            <a:r>
-              <a:rPr lang="en-US" altLang="zh-CN" sz="1400" dirty="0" smtClean="0"/>
-              <a:t>…</a:t>
-            </a:r>
-            <a:endParaRPr lang="zh-CN" altLang="en-US" sz="1400" dirty="0"/>
-          </a:p>
-        </p:txBody>
-      </p:sp>
-      <p:sp>
-        <p:nvSpPr>
-          <p:cNvPr id="53" name="圆角矩形 52"/>
-          <p:cNvSpPr/>
-          <p:nvPr/>
-        </p:nvSpPr>
-        <p:spPr>
-          <a:xfrm>
-            <a:off x="1296778" y="3105024"/>
-            <a:ext cx="1260000" cy="540000"/>
-          </a:xfrm>
-          <a:prstGeom prst="roundRect">
-            <a:avLst/>
-          </a:prstGeom>
-          <a:solidFill>
-            <a:schemeClr val="accent4">
-              <a:lumMod val="75000"/>
-            </a:schemeClr>
-          </a:solidFill>
-          <a:ln>
+            <a:ln>
+              <a:solidFill>
+                <a:schemeClr val="bg1"/>
+              </a:solidFill>
+            </a:ln>
+          </p:spPr>
+          <p:style>
+            <a:lnRef idx="2">
+              <a:schemeClr val="accent1">
+                <a:shade val="50000"/>
+              </a:schemeClr>
+            </a:lnRef>
+            <a:fillRef idx="1">
+              <a:schemeClr val="accent1"/>
+            </a:fillRef>
+            <a:effectRef idx="0">
+              <a:schemeClr val="accent1"/>
+            </a:effectRef>
+            <a:fontRef idx="minor">
+              <a:schemeClr val="lt1"/>
+            </a:fontRef>
+          </p:style>
+          <p:txBody>
+            <a:bodyPr rtlCol="0" anchor="ctr"/>
+            <a:lstStyle/>
+            <a:p>
+              <a:pPr algn="ctr"/>
+              <a:r>
+                <a:rPr lang="en-US" altLang="zh-CN" sz="1400" dirty="0" smtClean="0"/>
+                <a:t>Unit Conversion</a:t>
+              </a:r>
+              <a:endParaRPr lang="zh-CN" altLang="en-US" sz="1400" dirty="0"/>
+            </a:p>
+          </p:txBody>
+        </p:sp>
+        <p:sp>
+          <p:nvSpPr>
+            <p:cNvPr id="54" name="圆角矩形 53"/>
+            <p:cNvSpPr/>
+            <p:nvPr/>
+          </p:nvSpPr>
+          <p:spPr>
+            <a:xfrm>
+              <a:off x="1302585" y="5013176"/>
+              <a:ext cx="1260000" cy="290412"/>
+            </a:xfrm>
+            <a:prstGeom prst="roundRect">
+              <a:avLst/>
+            </a:prstGeom>
             <a:solidFill>
-              <a:schemeClr val="bg1"/>
+              <a:schemeClr val="accent4">
+                <a:lumMod val="75000"/>
+              </a:schemeClr>
             </a:solidFill>
-          </a:ln>
-        </p:spPr>
-        <p:style>
-          <a:lnRef idx="2">
-            <a:schemeClr val="accent1">
-              <a:shade val="50000"/>
-            </a:schemeClr>
-          </a:lnRef>
-          <a:fillRef idx="1">
-            <a:schemeClr val="accent1"/>
-          </a:fillRef>
-          <a:effectRef idx="0">
-            <a:schemeClr val="accent1"/>
-          </a:effectRef>
-          <a:fontRef idx="minor">
-            <a:schemeClr val="lt1"/>
-          </a:fontRef>
-        </p:style>
-        <p:txBody>
-          <a:bodyPr rtlCol="0" anchor="ctr"/>
-          <a:lstStyle/>
-          <a:p>
-            <a:pPr algn="ctr"/>
-            <a:r>
-              <a:rPr lang="en-US" altLang="zh-CN" sz="1400" dirty="0" smtClean="0"/>
-              <a:t>Unit Conversion</a:t>
-            </a:r>
-            <a:endParaRPr lang="zh-CN" altLang="en-US" sz="1400" dirty="0"/>
-          </a:p>
-        </p:txBody>
-      </p:sp>
-      <p:sp>
-        <p:nvSpPr>
-          <p:cNvPr id="54" name="圆角矩形 53"/>
-          <p:cNvSpPr/>
-          <p:nvPr/>
-        </p:nvSpPr>
-        <p:spPr>
-          <a:xfrm>
-            <a:off x="1302585" y="5013176"/>
-            <a:ext cx="1260000" cy="290412"/>
-          </a:xfrm>
-          <a:prstGeom prst="roundRect">
-            <a:avLst/>
-          </a:prstGeom>
-          <a:solidFill>
-            <a:schemeClr val="accent4">
-              <a:lumMod val="75000"/>
-            </a:schemeClr>
-          </a:solidFill>
-          <a:ln>
+            <a:ln>
+              <a:solidFill>
+                <a:schemeClr val="bg1"/>
+              </a:solidFill>
+            </a:ln>
+          </p:spPr>
+          <p:style>
+            <a:lnRef idx="2">
+              <a:schemeClr val="accent1">
+                <a:shade val="50000"/>
+              </a:schemeClr>
+            </a:lnRef>
+            <a:fillRef idx="1">
+              <a:schemeClr val="accent1"/>
+            </a:fillRef>
+            <a:effectRef idx="0">
+              <a:schemeClr val="accent1"/>
+            </a:effectRef>
+            <a:fontRef idx="minor">
+              <a:schemeClr val="lt1"/>
+            </a:fontRef>
+          </p:style>
+          <p:txBody>
+            <a:bodyPr rtlCol="0" anchor="ctr"/>
+            <a:lstStyle/>
+            <a:p>
+              <a:pPr algn="ctr"/>
+              <a:r>
+                <a:rPr lang="en-US" altLang="zh-CN" sz="1400" dirty="0" smtClean="0"/>
+                <a:t>…</a:t>
+              </a:r>
+              <a:endParaRPr lang="zh-CN" altLang="en-US" sz="1400" dirty="0"/>
+            </a:p>
+          </p:txBody>
+        </p:sp>
+        <p:sp>
+          <p:nvSpPr>
+            <p:cNvPr id="55" name="圆角矩形 54"/>
+            <p:cNvSpPr/>
+            <p:nvPr/>
+          </p:nvSpPr>
+          <p:spPr>
+            <a:xfrm>
+              <a:off x="7684512" y="3717032"/>
+              <a:ext cx="2250000" cy="288000"/>
+            </a:xfrm>
+            <a:prstGeom prst="roundRect">
+              <a:avLst/>
+            </a:prstGeom>
             <a:solidFill>
-              <a:schemeClr val="bg1"/>
+              <a:schemeClr val="accent2"/>
             </a:solidFill>
-          </a:ln>
-        </p:spPr>
-        <p:style>
-          <a:lnRef idx="2">
-            <a:schemeClr val="accent1">
-              <a:shade val="50000"/>
-            </a:schemeClr>
-          </a:lnRef>
-          <a:fillRef idx="1">
-            <a:schemeClr val="accent1"/>
-          </a:fillRef>
-          <a:effectRef idx="0">
-            <a:schemeClr val="accent1"/>
-          </a:effectRef>
-          <a:fontRef idx="minor">
-            <a:schemeClr val="lt1"/>
-          </a:fontRef>
-        </p:style>
-        <p:txBody>
-          <a:bodyPr rtlCol="0" anchor="ctr"/>
-          <a:lstStyle/>
-          <a:p>
-            <a:pPr algn="ctr"/>
-            <a:r>
-              <a:rPr lang="en-US" altLang="zh-CN" sz="1400" dirty="0" smtClean="0"/>
-              <a:t>…</a:t>
-            </a:r>
-            <a:endParaRPr lang="zh-CN" altLang="en-US" sz="1400" dirty="0"/>
-          </a:p>
-        </p:txBody>
-      </p:sp>
-      <p:sp>
-        <p:nvSpPr>
-          <p:cNvPr id="55" name="圆角矩形 54"/>
-          <p:cNvSpPr/>
-          <p:nvPr/>
-        </p:nvSpPr>
-        <p:spPr>
-          <a:xfrm>
-            <a:off x="7684512" y="3717032"/>
-            <a:ext cx="2250000" cy="288000"/>
-          </a:xfrm>
-          <a:prstGeom prst="roundRect">
-            <a:avLst/>
-          </a:prstGeom>
-          <a:solidFill>
-            <a:schemeClr val="accent2"/>
-          </a:solidFill>
-          <a:ln>
+            <a:ln>
+              <a:solidFill>
+                <a:schemeClr val="bg1"/>
+              </a:solidFill>
+            </a:ln>
+          </p:spPr>
+          <p:style>
+            <a:lnRef idx="2">
+              <a:schemeClr val="accent1">
+                <a:shade val="50000"/>
+              </a:schemeClr>
+            </a:lnRef>
+            <a:fillRef idx="1">
+              <a:schemeClr val="accent1"/>
+            </a:fillRef>
+            <a:effectRef idx="0">
+              <a:schemeClr val="accent1"/>
+            </a:effectRef>
+            <a:fontRef idx="minor">
+              <a:schemeClr val="lt1"/>
+            </a:fontRef>
+          </p:style>
+          <p:txBody>
+            <a:bodyPr rtlCol="0" anchor="ctr"/>
+            <a:lstStyle/>
+            <a:p>
+              <a:pPr algn="ctr"/>
+              <a:r>
+                <a:rPr lang="en-US" altLang="zh-CN" sz="1400" dirty="0" err="1" smtClean="0"/>
+                <a:t>RandomForestRegressor</a:t>
+              </a:r>
+              <a:endParaRPr lang="zh-CN" altLang="en-US" sz="1400" dirty="0"/>
+            </a:p>
+          </p:txBody>
+        </p:sp>
+        <p:sp>
+          <p:nvSpPr>
+            <p:cNvPr id="56" name="圆角矩形 55"/>
+            <p:cNvSpPr/>
+            <p:nvPr/>
+          </p:nvSpPr>
+          <p:spPr>
+            <a:xfrm>
+              <a:off x="7684512" y="2852936"/>
+              <a:ext cx="2250000" cy="288000"/>
+            </a:xfrm>
+            <a:prstGeom prst="roundRect">
+              <a:avLst/>
+            </a:prstGeom>
             <a:solidFill>
-              <a:schemeClr val="bg1"/>
+              <a:schemeClr val="accent2"/>
             </a:solidFill>
-          </a:ln>
-        </p:spPr>
-        <p:style>
-          <a:lnRef idx="2">
-            <a:schemeClr val="accent1">
-              <a:shade val="50000"/>
-            </a:schemeClr>
-          </a:lnRef>
-          <a:fillRef idx="1">
-            <a:schemeClr val="accent1"/>
-          </a:fillRef>
-          <a:effectRef idx="0">
-            <a:schemeClr val="accent1"/>
-          </a:effectRef>
-          <a:fontRef idx="minor">
-            <a:schemeClr val="lt1"/>
-          </a:fontRef>
-        </p:style>
-        <p:txBody>
-          <a:bodyPr rtlCol="0" anchor="ctr"/>
-          <a:lstStyle/>
-          <a:p>
-            <a:pPr algn="ctr"/>
-            <a:r>
-              <a:rPr lang="en-US" altLang="zh-CN" sz="1400" dirty="0" err="1" smtClean="0"/>
-              <a:t>RandomForestRegressor</a:t>
-            </a:r>
-            <a:endParaRPr lang="zh-CN" altLang="en-US" sz="1400" dirty="0"/>
-          </a:p>
-        </p:txBody>
-      </p:sp>
-      <p:sp>
-        <p:nvSpPr>
-          <p:cNvPr id="56" name="圆角矩形 55"/>
-          <p:cNvSpPr/>
-          <p:nvPr/>
-        </p:nvSpPr>
-        <p:spPr>
-          <a:xfrm>
-            <a:off x="7684512" y="2852936"/>
-            <a:ext cx="2250000" cy="288000"/>
-          </a:xfrm>
-          <a:prstGeom prst="roundRect">
-            <a:avLst/>
-          </a:prstGeom>
-          <a:solidFill>
-            <a:schemeClr val="accent2"/>
-          </a:solidFill>
-          <a:ln>
+            <a:ln>
+              <a:solidFill>
+                <a:schemeClr val="bg1"/>
+              </a:solidFill>
+            </a:ln>
+          </p:spPr>
+          <p:style>
+            <a:lnRef idx="2">
+              <a:schemeClr val="accent1">
+                <a:shade val="50000"/>
+              </a:schemeClr>
+            </a:lnRef>
+            <a:fillRef idx="1">
+              <a:schemeClr val="accent1"/>
+            </a:fillRef>
+            <a:effectRef idx="0">
+              <a:schemeClr val="accent1"/>
+            </a:effectRef>
+            <a:fontRef idx="minor">
+              <a:schemeClr val="lt1"/>
+            </a:fontRef>
+          </p:style>
+          <p:txBody>
+            <a:bodyPr rtlCol="0" anchor="ctr"/>
+            <a:lstStyle/>
+            <a:p>
+              <a:pPr algn="ctr"/>
+              <a:r>
+                <a:rPr lang="en-US" altLang="zh-CN" sz="1400" dirty="0" err="1" smtClean="0"/>
+                <a:t>XGBoostRegressor</a:t>
+              </a:r>
+              <a:endParaRPr lang="zh-CN" altLang="en-US" sz="1400" dirty="0"/>
+            </a:p>
+          </p:txBody>
+        </p:sp>
+        <p:sp>
+          <p:nvSpPr>
+            <p:cNvPr id="57" name="圆角矩形 56"/>
+            <p:cNvSpPr/>
+            <p:nvPr/>
+          </p:nvSpPr>
+          <p:spPr>
+            <a:xfrm>
+              <a:off x="7684512" y="3284984"/>
+              <a:ext cx="2250000" cy="288000"/>
+            </a:xfrm>
+            <a:prstGeom prst="roundRect">
+              <a:avLst/>
+            </a:prstGeom>
             <a:solidFill>
-              <a:schemeClr val="bg1"/>
+              <a:schemeClr val="accent2"/>
             </a:solidFill>
-          </a:ln>
-        </p:spPr>
-        <p:style>
-          <a:lnRef idx="2">
-            <a:schemeClr val="accent1">
-              <a:shade val="50000"/>
-            </a:schemeClr>
-          </a:lnRef>
-          <a:fillRef idx="1">
-            <a:schemeClr val="accent1"/>
-          </a:fillRef>
-          <a:effectRef idx="0">
-            <a:schemeClr val="accent1"/>
-          </a:effectRef>
-          <a:fontRef idx="minor">
-            <a:schemeClr val="lt1"/>
-          </a:fontRef>
-        </p:style>
-        <p:txBody>
-          <a:bodyPr rtlCol="0" anchor="ctr"/>
-          <a:lstStyle/>
-          <a:p>
-            <a:pPr algn="ctr"/>
-            <a:r>
-              <a:rPr lang="en-US" altLang="zh-CN" sz="1400" dirty="0" err="1" smtClean="0"/>
-              <a:t>XGBoostRegressor</a:t>
-            </a:r>
-            <a:endParaRPr lang="zh-CN" altLang="en-US" sz="1400" dirty="0"/>
-          </a:p>
-        </p:txBody>
-      </p:sp>
-      <p:sp>
-        <p:nvSpPr>
-          <p:cNvPr id="57" name="圆角矩形 56"/>
-          <p:cNvSpPr/>
-          <p:nvPr/>
-        </p:nvSpPr>
-        <p:spPr>
-          <a:xfrm>
-            <a:off x="7684512" y="3284984"/>
-            <a:ext cx="2250000" cy="288000"/>
-          </a:xfrm>
-          <a:prstGeom prst="roundRect">
-            <a:avLst/>
-          </a:prstGeom>
-          <a:solidFill>
-            <a:schemeClr val="accent2"/>
-          </a:solidFill>
-          <a:ln>
+            <a:ln>
+              <a:solidFill>
+                <a:schemeClr val="bg1"/>
+              </a:solidFill>
+            </a:ln>
+          </p:spPr>
+          <p:style>
+            <a:lnRef idx="2">
+              <a:schemeClr val="accent1">
+                <a:shade val="50000"/>
+              </a:schemeClr>
+            </a:lnRef>
+            <a:fillRef idx="1">
+              <a:schemeClr val="accent1"/>
+            </a:fillRef>
+            <a:effectRef idx="0">
+              <a:schemeClr val="accent1"/>
+            </a:effectRef>
+            <a:fontRef idx="minor">
+              <a:schemeClr val="lt1"/>
+            </a:fontRef>
+          </p:style>
+          <p:txBody>
+            <a:bodyPr rtlCol="0" anchor="ctr"/>
+            <a:lstStyle/>
+            <a:p>
+              <a:pPr algn="ctr"/>
+              <a:r>
+                <a:rPr lang="en-US" altLang="zh-CN" sz="1400" dirty="0" err="1" smtClean="0"/>
+                <a:t>ExtraTreesRegressor</a:t>
+              </a:r>
+              <a:endParaRPr lang="zh-CN" altLang="en-US" sz="1400" dirty="0"/>
+            </a:p>
+          </p:txBody>
+        </p:sp>
+        <p:sp>
+          <p:nvSpPr>
+            <p:cNvPr id="58" name="圆角矩形 57"/>
+            <p:cNvSpPr/>
+            <p:nvPr/>
+          </p:nvSpPr>
+          <p:spPr>
+            <a:xfrm>
+              <a:off x="7684512" y="4149112"/>
+              <a:ext cx="2250000" cy="288000"/>
+            </a:xfrm>
+            <a:prstGeom prst="roundRect">
+              <a:avLst/>
+            </a:prstGeom>
             <a:solidFill>
-              <a:schemeClr val="bg1"/>
+              <a:schemeClr val="accent2"/>
             </a:solidFill>
-          </a:ln>
-        </p:spPr>
-        <p:style>
-          <a:lnRef idx="2">
-            <a:schemeClr val="accent1">
-              <a:shade val="50000"/>
-            </a:schemeClr>
-          </a:lnRef>
-          <a:fillRef idx="1">
-            <a:schemeClr val="accent1"/>
-          </a:fillRef>
-          <a:effectRef idx="0">
-            <a:schemeClr val="accent1"/>
-          </a:effectRef>
-          <a:fontRef idx="minor">
-            <a:schemeClr val="lt1"/>
-          </a:fontRef>
-        </p:style>
-        <p:txBody>
-          <a:bodyPr rtlCol="0" anchor="ctr"/>
-          <a:lstStyle/>
-          <a:p>
-            <a:pPr algn="ctr"/>
-            <a:r>
-              <a:rPr lang="en-US" altLang="zh-CN" sz="1400" dirty="0" err="1" smtClean="0"/>
-              <a:t>ExtraTreesRegressor</a:t>
-            </a:r>
-            <a:endParaRPr lang="zh-CN" altLang="en-US" sz="1400" dirty="0"/>
-          </a:p>
-        </p:txBody>
-      </p:sp>
-      <p:sp>
-        <p:nvSpPr>
-          <p:cNvPr id="58" name="圆角矩形 57"/>
-          <p:cNvSpPr/>
-          <p:nvPr/>
-        </p:nvSpPr>
-        <p:spPr>
-          <a:xfrm>
-            <a:off x="7684512" y="4149112"/>
-            <a:ext cx="2250000" cy="288000"/>
-          </a:xfrm>
-          <a:prstGeom prst="roundRect">
-            <a:avLst/>
-          </a:prstGeom>
-          <a:solidFill>
-            <a:schemeClr val="accent2"/>
-          </a:solidFill>
-          <a:ln>
+            <a:ln>
+              <a:solidFill>
+                <a:schemeClr val="bg1"/>
+              </a:solidFill>
+            </a:ln>
+          </p:spPr>
+          <p:style>
+            <a:lnRef idx="2">
+              <a:schemeClr val="accent1">
+                <a:shade val="50000"/>
+              </a:schemeClr>
+            </a:lnRef>
+            <a:fillRef idx="1">
+              <a:schemeClr val="accent1"/>
+            </a:fillRef>
+            <a:effectRef idx="0">
+              <a:schemeClr val="accent1"/>
+            </a:effectRef>
+            <a:fontRef idx="minor">
+              <a:schemeClr val="lt1"/>
+            </a:fontRef>
+          </p:style>
+          <p:txBody>
+            <a:bodyPr rtlCol="0" anchor="ctr"/>
+            <a:lstStyle/>
+            <a:p>
+              <a:pPr algn="ctr"/>
+              <a:r>
+                <a:rPr lang="en-US" altLang="zh-CN" sz="1400" dirty="0" smtClean="0"/>
+                <a:t>Ridge</a:t>
+              </a:r>
+              <a:endParaRPr lang="zh-CN" altLang="en-US" sz="1400" dirty="0"/>
+            </a:p>
+          </p:txBody>
+        </p:sp>
+        <p:sp>
+          <p:nvSpPr>
+            <p:cNvPr id="59" name="圆角矩形 58"/>
+            <p:cNvSpPr/>
+            <p:nvPr/>
+          </p:nvSpPr>
+          <p:spPr>
+            <a:xfrm>
+              <a:off x="7684512" y="4581160"/>
+              <a:ext cx="2250000" cy="288000"/>
+            </a:xfrm>
+            <a:prstGeom prst="roundRect">
+              <a:avLst/>
+            </a:prstGeom>
             <a:solidFill>
-              <a:schemeClr val="bg1"/>
+              <a:schemeClr val="accent2"/>
             </a:solidFill>
-          </a:ln>
-        </p:spPr>
-        <p:style>
-          <a:lnRef idx="2">
-            <a:schemeClr val="accent1">
-              <a:shade val="50000"/>
-            </a:schemeClr>
-          </a:lnRef>
-          <a:fillRef idx="1">
-            <a:schemeClr val="accent1"/>
-          </a:fillRef>
-          <a:effectRef idx="0">
-            <a:schemeClr val="accent1"/>
-          </a:effectRef>
-          <a:fontRef idx="minor">
-            <a:schemeClr val="lt1"/>
-          </a:fontRef>
-        </p:style>
-        <p:txBody>
-          <a:bodyPr rtlCol="0" anchor="ctr"/>
-          <a:lstStyle/>
-          <a:p>
-            <a:pPr algn="ctr"/>
-            <a:r>
-              <a:rPr lang="en-US" altLang="zh-CN" sz="1400" dirty="0" smtClean="0"/>
-              <a:t>Ridge</a:t>
-            </a:r>
-            <a:endParaRPr lang="zh-CN" altLang="en-US" sz="1400" dirty="0"/>
-          </a:p>
-        </p:txBody>
-      </p:sp>
-      <p:sp>
-        <p:nvSpPr>
-          <p:cNvPr id="59" name="圆角矩形 58"/>
-          <p:cNvSpPr/>
-          <p:nvPr/>
-        </p:nvSpPr>
-        <p:spPr>
-          <a:xfrm>
-            <a:off x="7684512" y="4581160"/>
-            <a:ext cx="2250000" cy="288000"/>
-          </a:xfrm>
-          <a:prstGeom prst="roundRect">
-            <a:avLst/>
-          </a:prstGeom>
-          <a:solidFill>
-            <a:schemeClr val="accent2"/>
-          </a:solidFill>
-          <a:ln>
-            <a:solidFill>
-              <a:schemeClr val="bg1"/>
-            </a:solidFill>
-          </a:ln>
-        </p:spPr>
-        <p:style>
-          <a:lnRef idx="2">
-            <a:schemeClr val="accent1">
-              <a:shade val="50000"/>
-            </a:schemeClr>
-          </a:lnRef>
-          <a:fillRef idx="1">
-            <a:schemeClr val="accent1"/>
-          </a:fillRef>
-          <a:effectRef idx="0">
-            <a:schemeClr val="accent1"/>
-          </a:effectRef>
-          <a:fontRef idx="minor">
-            <a:schemeClr val="lt1"/>
-          </a:fontRef>
-        </p:style>
-        <p:txBody>
-          <a:bodyPr rtlCol="0" anchor="ctr"/>
-          <a:lstStyle/>
-          <a:p>
-            <a:pPr algn="ctr"/>
-            <a:r>
-              <a:rPr lang="en-US" altLang="zh-CN" sz="1400" dirty="0" err="1" smtClean="0"/>
-              <a:t>KerasDNNRegressor</a:t>
-            </a:r>
-            <a:endParaRPr lang="zh-CN" altLang="en-US" sz="1400" dirty="0"/>
-          </a:p>
-        </p:txBody>
-      </p:sp>
-      <p:sp>
-        <p:nvSpPr>
-          <p:cNvPr id="3" name="圆角矩形 2"/>
-          <p:cNvSpPr/>
-          <p:nvPr/>
-        </p:nvSpPr>
-        <p:spPr>
-          <a:xfrm>
-            <a:off x="5418342" y="2096384"/>
-            <a:ext cx="1673086" cy="403547"/>
-          </a:xfrm>
-          <a:prstGeom prst="roundRect">
-            <a:avLst/>
-          </a:prstGeom>
-          <a:noFill/>
-          <a:ln>
+            <a:ln>
+              <a:solidFill>
+                <a:schemeClr val="bg1"/>
+              </a:solidFill>
+            </a:ln>
+          </p:spPr>
+          <p:style>
+            <a:lnRef idx="2">
+              <a:schemeClr val="accent1">
+                <a:shade val="50000"/>
+              </a:schemeClr>
+            </a:lnRef>
+            <a:fillRef idx="1">
+              <a:schemeClr val="accent1"/>
+            </a:fillRef>
+            <a:effectRef idx="0">
+              <a:schemeClr val="accent1"/>
+            </a:effectRef>
+            <a:fontRef idx="minor">
+              <a:schemeClr val="lt1"/>
+            </a:fontRef>
+          </p:style>
+          <p:txBody>
+            <a:bodyPr rtlCol="0" anchor="ctr"/>
+            <a:lstStyle/>
+            <a:p>
+              <a:pPr algn="ctr"/>
+              <a:r>
+                <a:rPr lang="en-US" altLang="zh-CN" sz="1400" dirty="0" err="1" smtClean="0"/>
+                <a:t>KerasDNNRegressor</a:t>
+              </a:r>
+              <a:endParaRPr lang="zh-CN" altLang="en-US" sz="1400" dirty="0"/>
+            </a:p>
+          </p:txBody>
+        </p:sp>
+        <p:sp>
+          <p:nvSpPr>
+            <p:cNvPr id="3" name="圆角矩形 2"/>
+            <p:cNvSpPr/>
+            <p:nvPr/>
+          </p:nvSpPr>
+          <p:spPr>
+            <a:xfrm>
+              <a:off x="5418342" y="2096384"/>
+              <a:ext cx="1673086" cy="403547"/>
+            </a:xfrm>
+            <a:prstGeom prst="roundRect">
+              <a:avLst/>
+            </a:prstGeom>
             <a:noFill/>
-          </a:ln>
-        </p:spPr>
-        <p:style>
-          <a:lnRef idx="2">
-            <a:schemeClr val="accent1">
-              <a:shade val="50000"/>
-            </a:schemeClr>
-          </a:lnRef>
-          <a:fillRef idx="1">
-            <a:schemeClr val="accent1"/>
-          </a:fillRef>
-          <a:effectRef idx="0">
-            <a:schemeClr val="accent1"/>
-          </a:effectRef>
-          <a:fontRef idx="minor">
-            <a:schemeClr val="lt1"/>
-          </a:fontRef>
-        </p:style>
-        <p:txBody>
-          <a:bodyPr rtlCol="0" anchor="ctr"/>
-          <a:lstStyle/>
-          <a:p>
-            <a:pPr algn="ctr"/>
-            <a:r>
-              <a:rPr lang="en-US" altLang="zh-CN" b="1" dirty="0" smtClean="0">
+            <a:ln>
+              <a:noFill/>
+            </a:ln>
+          </p:spPr>
+          <p:style>
+            <a:lnRef idx="2">
+              <a:schemeClr val="accent1">
+                <a:shade val="50000"/>
+              </a:schemeClr>
+            </a:lnRef>
+            <a:fillRef idx="1">
+              <a:schemeClr val="accent1"/>
+            </a:fillRef>
+            <a:effectRef idx="0">
+              <a:schemeClr val="accent1"/>
+            </a:effectRef>
+            <a:fontRef idx="minor">
+              <a:schemeClr val="lt1"/>
+            </a:fontRef>
+          </p:style>
+          <p:txBody>
+            <a:bodyPr rtlCol="0" anchor="ctr"/>
+            <a:lstStyle/>
+            <a:p>
+              <a:pPr algn="ctr"/>
+              <a:r>
+                <a:rPr lang="en-US" altLang="zh-CN" b="1" dirty="0" smtClean="0">
+                  <a:solidFill>
+                    <a:schemeClr val="accent3">
+                      <a:lumMod val="75000"/>
+                    </a:schemeClr>
+                  </a:solidFill>
+                </a:rPr>
+                <a:t>1st level model</a:t>
+              </a:r>
+              <a:endParaRPr lang="zh-CN" altLang="en-US" b="1" dirty="0">
                 <a:solidFill>
                   <a:schemeClr val="accent3">
                     <a:lumMod val="75000"/>
                   </a:schemeClr>
                 </a:solidFill>
-              </a:rPr>
-              <a:t>1st level model</a:t>
-            </a:r>
-            <a:endParaRPr lang="zh-CN" altLang="en-US" b="1" dirty="0">
-              <a:solidFill>
-                <a:schemeClr val="accent3">
-                  <a:lumMod val="75000"/>
-                </a:schemeClr>
-              </a:solidFill>
-            </a:endParaRPr>
-          </a:p>
-        </p:txBody>
-      </p:sp>
-      <p:sp>
-        <p:nvSpPr>
-          <p:cNvPr id="61" name="圆角矩形 60"/>
-          <p:cNvSpPr/>
-          <p:nvPr/>
-        </p:nvSpPr>
-        <p:spPr>
-          <a:xfrm>
-            <a:off x="7889402" y="2089349"/>
-            <a:ext cx="1795166" cy="403547"/>
-          </a:xfrm>
-          <a:prstGeom prst="roundRect">
-            <a:avLst/>
-          </a:prstGeom>
-          <a:noFill/>
-          <a:ln>
+              </a:endParaRPr>
+            </a:p>
+          </p:txBody>
+        </p:sp>
+        <p:sp>
+          <p:nvSpPr>
+            <p:cNvPr id="61" name="圆角矩形 60"/>
+            <p:cNvSpPr/>
+            <p:nvPr/>
+          </p:nvSpPr>
+          <p:spPr>
+            <a:xfrm>
+              <a:off x="7889402" y="2089349"/>
+              <a:ext cx="1795166" cy="403547"/>
+            </a:xfrm>
+            <a:prstGeom prst="roundRect">
+              <a:avLst/>
+            </a:prstGeom>
             <a:noFill/>
-          </a:ln>
-        </p:spPr>
-        <p:style>
-          <a:lnRef idx="2">
-            <a:schemeClr val="accent1">
-              <a:shade val="50000"/>
-            </a:schemeClr>
-          </a:lnRef>
-          <a:fillRef idx="1">
-            <a:schemeClr val="accent1"/>
-          </a:fillRef>
-          <a:effectRef idx="0">
-            <a:schemeClr val="accent1"/>
-          </a:effectRef>
-          <a:fontRef idx="minor">
-            <a:schemeClr val="lt1"/>
-          </a:fontRef>
-        </p:style>
-        <p:txBody>
-          <a:bodyPr rtlCol="0" anchor="ctr"/>
-          <a:lstStyle/>
-          <a:p>
-            <a:pPr algn="ctr"/>
-            <a:r>
-              <a:rPr lang="en-US" altLang="zh-CN" b="1" dirty="0" smtClean="0">
+            <a:ln>
+              <a:noFill/>
+            </a:ln>
+          </p:spPr>
+          <p:style>
+            <a:lnRef idx="2">
+              <a:schemeClr val="accent1">
+                <a:shade val="50000"/>
+              </a:schemeClr>
+            </a:lnRef>
+            <a:fillRef idx="1">
+              <a:schemeClr val="accent1"/>
+            </a:fillRef>
+            <a:effectRef idx="0">
+              <a:schemeClr val="accent1"/>
+            </a:effectRef>
+            <a:fontRef idx="minor">
+              <a:schemeClr val="lt1"/>
+            </a:fontRef>
+          </p:style>
+          <p:txBody>
+            <a:bodyPr rtlCol="0" anchor="ctr"/>
+            <a:lstStyle/>
+            <a:p>
+              <a:pPr algn="ctr"/>
+              <a:r>
+                <a:rPr lang="en-US" altLang="zh-CN" b="1" dirty="0" smtClean="0">
+                  <a:solidFill>
+                    <a:schemeClr val="accent2"/>
+                  </a:solidFill>
+                </a:rPr>
+                <a:t>2nd level model</a:t>
+              </a:r>
+              <a:endParaRPr lang="zh-CN" altLang="en-US" b="1" dirty="0">
                 <a:solidFill>
                   <a:schemeClr val="accent2"/>
                 </a:solidFill>
-              </a:rPr>
-              <a:t>2nd level model</a:t>
-            </a:r>
-            <a:endParaRPr lang="zh-CN" altLang="en-US" b="1" dirty="0">
+              </a:endParaRPr>
+            </a:p>
+          </p:txBody>
+        </p:sp>
+        <p:sp>
+          <p:nvSpPr>
+            <p:cNvPr id="62" name="圆角矩形 61"/>
+            <p:cNvSpPr/>
+            <p:nvPr/>
+          </p:nvSpPr>
+          <p:spPr>
+            <a:xfrm>
+              <a:off x="1295776" y="2492896"/>
+              <a:ext cx="1260000" cy="540000"/>
+            </a:xfrm>
+            <a:prstGeom prst="roundRect">
+              <a:avLst/>
+            </a:prstGeom>
+            <a:solidFill>
+              <a:schemeClr val="accent4">
+                <a:lumMod val="75000"/>
+              </a:schemeClr>
+            </a:solidFill>
+            <a:ln>
               <a:solidFill>
-                <a:schemeClr val="accent2"/>
+                <a:schemeClr val="bg1"/>
               </a:solidFill>
-            </a:endParaRPr>
-          </a:p>
-        </p:txBody>
-      </p:sp>
-      <p:sp>
-        <p:nvSpPr>
-          <p:cNvPr id="62" name="圆角矩形 61"/>
-          <p:cNvSpPr/>
-          <p:nvPr/>
-        </p:nvSpPr>
-        <p:spPr>
-          <a:xfrm>
-            <a:off x="1295776" y="2492896"/>
-            <a:ext cx="1260000" cy="540000"/>
-          </a:xfrm>
-          <a:prstGeom prst="roundRect">
-            <a:avLst/>
-          </a:prstGeom>
-          <a:solidFill>
-            <a:schemeClr val="accent4">
-              <a:lumMod val="75000"/>
-            </a:schemeClr>
-          </a:solidFill>
-          <a:ln>
+            </a:ln>
+          </p:spPr>
+          <p:style>
+            <a:lnRef idx="2">
+              <a:schemeClr val="accent1">
+                <a:shade val="50000"/>
+              </a:schemeClr>
+            </a:lnRef>
+            <a:fillRef idx="1">
+              <a:schemeClr val="accent1"/>
+            </a:fillRef>
+            <a:effectRef idx="0">
+              <a:schemeClr val="accent1"/>
+            </a:effectRef>
+            <a:fontRef idx="minor">
+              <a:schemeClr val="lt1"/>
+            </a:fontRef>
+          </p:style>
+          <p:txBody>
+            <a:bodyPr rtlCol="0" anchor="ctr"/>
+            <a:lstStyle/>
+            <a:p>
+              <a:pPr algn="ctr"/>
+              <a:r>
+                <a:rPr lang="en-US" altLang="zh-CN" sz="1400" dirty="0" smtClean="0"/>
+                <a:t>Case Conversion</a:t>
+              </a:r>
+              <a:endParaRPr lang="zh-CN" altLang="en-US" sz="1400" dirty="0"/>
+            </a:p>
+          </p:txBody>
+        </p:sp>
+        <p:sp>
+          <p:nvSpPr>
+            <p:cNvPr id="64" name="圆角矩形 63"/>
+            <p:cNvSpPr/>
+            <p:nvPr/>
+          </p:nvSpPr>
+          <p:spPr>
+            <a:xfrm>
+              <a:off x="3072713" y="3573016"/>
+              <a:ext cx="1332000" cy="288000"/>
+            </a:xfrm>
+            <a:prstGeom prst="roundRect">
+              <a:avLst/>
+            </a:prstGeom>
             <a:solidFill>
-              <a:schemeClr val="bg1"/>
+              <a:schemeClr val="bg2">
+                <a:lumMod val="50000"/>
+              </a:schemeClr>
             </a:solidFill>
-          </a:ln>
-        </p:spPr>
-        <p:style>
-          <a:lnRef idx="2">
-            <a:schemeClr val="accent1">
-              <a:shade val="50000"/>
-            </a:schemeClr>
-          </a:lnRef>
-          <a:fillRef idx="1">
-            <a:schemeClr val="accent1"/>
-          </a:fillRef>
-          <a:effectRef idx="0">
-            <a:schemeClr val="accent1"/>
-          </a:effectRef>
-          <a:fontRef idx="minor">
-            <a:schemeClr val="lt1"/>
-          </a:fontRef>
-        </p:style>
-        <p:txBody>
-          <a:bodyPr rtlCol="0" anchor="ctr"/>
-          <a:lstStyle/>
-          <a:p>
-            <a:pPr algn="ctr"/>
-            <a:r>
-              <a:rPr lang="en-US" altLang="zh-CN" sz="1400" dirty="0" smtClean="0"/>
-              <a:t>Case Conversion</a:t>
-            </a:r>
-            <a:endParaRPr lang="zh-CN" altLang="en-US" sz="1400" dirty="0"/>
-          </a:p>
-        </p:txBody>
-      </p:sp>
-      <p:sp>
-        <p:nvSpPr>
-          <p:cNvPr id="64" name="圆角矩形 63"/>
-          <p:cNvSpPr/>
-          <p:nvPr/>
-        </p:nvSpPr>
-        <p:spPr>
-          <a:xfrm>
-            <a:off x="3072713" y="3573016"/>
-            <a:ext cx="1332000" cy="288000"/>
-          </a:xfrm>
-          <a:prstGeom prst="roundRect">
-            <a:avLst/>
-          </a:prstGeom>
-          <a:solidFill>
-            <a:schemeClr val="bg2">
-              <a:lumMod val="50000"/>
-            </a:schemeClr>
-          </a:solidFill>
-          <a:ln>
+            <a:ln>
+              <a:solidFill>
+                <a:schemeClr val="bg1"/>
+              </a:solidFill>
+            </a:ln>
+          </p:spPr>
+          <p:style>
+            <a:lnRef idx="2">
+              <a:schemeClr val="accent1">
+                <a:shade val="50000"/>
+              </a:schemeClr>
+            </a:lnRef>
+            <a:fillRef idx="1">
+              <a:schemeClr val="accent1"/>
+            </a:fillRef>
+            <a:effectRef idx="0">
+              <a:schemeClr val="accent1"/>
+            </a:effectRef>
+            <a:fontRef idx="minor">
+              <a:schemeClr val="lt1"/>
+            </a:fontRef>
+          </p:style>
+          <p:txBody>
+            <a:bodyPr rtlCol="0" anchor="ctr"/>
+            <a:lstStyle/>
+            <a:p>
+              <a:pPr algn="ctr"/>
+              <a:r>
+                <a:rPr lang="en-US" altLang="zh-CN" sz="1400" dirty="0" smtClean="0"/>
+                <a:t>Intersect Count</a:t>
+              </a:r>
+              <a:endParaRPr lang="zh-CN" altLang="en-US" sz="1400" dirty="0"/>
+            </a:p>
+          </p:txBody>
+        </p:sp>
+        <p:sp>
+          <p:nvSpPr>
+            <p:cNvPr id="43" name="圆角矩形 42"/>
+            <p:cNvSpPr/>
+            <p:nvPr/>
+          </p:nvSpPr>
+          <p:spPr>
+            <a:xfrm>
+              <a:off x="5129460" y="5013176"/>
+              <a:ext cx="2250000" cy="288000"/>
+            </a:xfrm>
+            <a:prstGeom prst="roundRect">
+              <a:avLst/>
+            </a:prstGeom>
             <a:solidFill>
-              <a:schemeClr val="bg1"/>
+              <a:schemeClr val="accent3">
+                <a:lumMod val="75000"/>
+              </a:schemeClr>
             </a:solidFill>
-          </a:ln>
-        </p:spPr>
-        <p:style>
-          <a:lnRef idx="2">
-            <a:schemeClr val="accent1">
-              <a:shade val="50000"/>
-            </a:schemeClr>
-          </a:lnRef>
-          <a:fillRef idx="1">
-            <a:schemeClr val="accent1"/>
-          </a:fillRef>
-          <a:effectRef idx="0">
-            <a:schemeClr val="accent1"/>
-          </a:effectRef>
-          <a:fontRef idx="minor">
-            <a:schemeClr val="lt1"/>
-          </a:fontRef>
-        </p:style>
-        <p:txBody>
-          <a:bodyPr rtlCol="0" anchor="ctr"/>
-          <a:lstStyle/>
-          <a:p>
-            <a:pPr algn="ctr"/>
-            <a:r>
-              <a:rPr lang="en-US" altLang="zh-CN" sz="1400" dirty="0" smtClean="0"/>
-              <a:t>Intersect Count</a:t>
-            </a:r>
-            <a:endParaRPr lang="zh-CN" altLang="en-US" sz="1400" dirty="0"/>
-          </a:p>
-        </p:txBody>
-      </p:sp>
-      <p:sp>
-        <p:nvSpPr>
-          <p:cNvPr id="43" name="圆角矩形 42"/>
-          <p:cNvSpPr/>
-          <p:nvPr/>
-        </p:nvSpPr>
-        <p:spPr>
-          <a:xfrm>
-            <a:off x="5129460" y="5013176"/>
-            <a:ext cx="2250000" cy="288000"/>
-          </a:xfrm>
-          <a:prstGeom prst="roundRect">
-            <a:avLst/>
-          </a:prstGeom>
-          <a:solidFill>
-            <a:schemeClr val="accent3">
-              <a:lumMod val="75000"/>
-            </a:schemeClr>
-          </a:solidFill>
-          <a:ln>
+            <a:ln>
+              <a:solidFill>
+                <a:schemeClr val="bg1"/>
+              </a:solidFill>
+            </a:ln>
+          </p:spPr>
+          <p:style>
+            <a:lnRef idx="2">
+              <a:schemeClr val="accent1">
+                <a:shade val="50000"/>
+              </a:schemeClr>
+            </a:lnRef>
+            <a:fillRef idx="1">
+              <a:schemeClr val="accent1"/>
+            </a:fillRef>
+            <a:effectRef idx="0">
+              <a:schemeClr val="accent1"/>
+            </a:effectRef>
+            <a:fontRef idx="minor">
+              <a:schemeClr val="lt1"/>
+            </a:fontRef>
+          </p:style>
+          <p:txBody>
+            <a:bodyPr rtlCol="0" anchor="ctr"/>
+            <a:lstStyle/>
+            <a:p>
+              <a:pPr algn="ctr"/>
+              <a:r>
+                <a:rPr lang="en-US" altLang="zh-CN" sz="1400" dirty="0" smtClean="0"/>
+                <a:t>…</a:t>
+              </a:r>
+              <a:endParaRPr lang="zh-CN" altLang="en-US" sz="1400" dirty="0"/>
+            </a:p>
+          </p:txBody>
+        </p:sp>
+        <p:sp>
+          <p:nvSpPr>
+            <p:cNvPr id="44" name="圆角矩形 43"/>
+            <p:cNvSpPr/>
+            <p:nvPr/>
+          </p:nvSpPr>
+          <p:spPr>
+            <a:xfrm>
+              <a:off x="1295776" y="4293096"/>
+              <a:ext cx="1260000" cy="290412"/>
+            </a:xfrm>
+            <a:prstGeom prst="roundRect">
+              <a:avLst/>
+            </a:prstGeom>
             <a:solidFill>
-              <a:schemeClr val="bg1"/>
+              <a:schemeClr val="accent4">
+                <a:lumMod val="75000"/>
+              </a:schemeClr>
             </a:solidFill>
-          </a:ln>
-        </p:spPr>
-        <p:style>
-          <a:lnRef idx="2">
-            <a:schemeClr val="accent1">
-              <a:shade val="50000"/>
-            </a:schemeClr>
-          </a:lnRef>
-          <a:fillRef idx="1">
-            <a:schemeClr val="accent1"/>
-          </a:fillRef>
-          <a:effectRef idx="0">
-            <a:schemeClr val="accent1"/>
-          </a:effectRef>
-          <a:fontRef idx="minor">
-            <a:schemeClr val="lt1"/>
-          </a:fontRef>
-        </p:style>
-        <p:txBody>
-          <a:bodyPr rtlCol="0" anchor="ctr"/>
-          <a:lstStyle/>
-          <a:p>
-            <a:pPr algn="ctr"/>
-            <a:r>
-              <a:rPr lang="en-US" altLang="zh-CN" sz="1400" dirty="0" smtClean="0"/>
-              <a:t>…</a:t>
-            </a:r>
-            <a:endParaRPr lang="zh-CN" altLang="en-US" sz="1400" dirty="0"/>
-          </a:p>
-        </p:txBody>
-      </p:sp>
-      <p:sp>
-        <p:nvSpPr>
-          <p:cNvPr id="44" name="圆角矩形 43"/>
-          <p:cNvSpPr/>
-          <p:nvPr/>
-        </p:nvSpPr>
-        <p:spPr>
-          <a:xfrm>
-            <a:off x="1295776" y="4293096"/>
-            <a:ext cx="1260000" cy="290412"/>
-          </a:xfrm>
-          <a:prstGeom prst="roundRect">
-            <a:avLst/>
-          </a:prstGeom>
-          <a:solidFill>
-            <a:schemeClr val="accent4">
-              <a:lumMod val="75000"/>
-            </a:schemeClr>
-          </a:solidFill>
-          <a:ln>
-            <a:solidFill>
-              <a:schemeClr val="bg1"/>
-            </a:solidFill>
-          </a:ln>
-        </p:spPr>
-        <p:style>
-          <a:lnRef idx="2">
-            <a:schemeClr val="accent1">
-              <a:shade val="50000"/>
-            </a:schemeClr>
-          </a:lnRef>
-          <a:fillRef idx="1">
-            <a:schemeClr val="accent1"/>
-          </a:fillRef>
-          <a:effectRef idx="0">
-            <a:schemeClr val="accent1"/>
-          </a:effectRef>
-          <a:fontRef idx="minor">
-            <a:schemeClr val="lt1"/>
-          </a:fontRef>
-        </p:style>
-        <p:txBody>
-          <a:bodyPr rtlCol="0" anchor="ctr"/>
-          <a:lstStyle/>
-          <a:p>
-            <a:pPr algn="ctr"/>
-            <a:r>
-              <a:rPr lang="en-US" altLang="zh-CN" sz="1400" dirty="0" smtClean="0"/>
-              <a:t>Lemmatizing</a:t>
-            </a:r>
-            <a:endParaRPr lang="zh-CN" altLang="en-US" sz="1400" dirty="0"/>
-          </a:p>
-        </p:txBody>
-      </p:sp>
+            <a:ln>
+              <a:solidFill>
+                <a:schemeClr val="bg1"/>
+              </a:solidFill>
+            </a:ln>
+          </p:spPr>
+          <p:style>
+            <a:lnRef idx="2">
+              <a:schemeClr val="accent1">
+                <a:shade val="50000"/>
+              </a:schemeClr>
+            </a:lnRef>
+            <a:fillRef idx="1">
+              <a:schemeClr val="accent1"/>
+            </a:fillRef>
+            <a:effectRef idx="0">
+              <a:schemeClr val="accent1"/>
+            </a:effectRef>
+            <a:fontRef idx="minor">
+              <a:schemeClr val="lt1"/>
+            </a:fontRef>
+          </p:style>
+          <p:txBody>
+            <a:bodyPr rtlCol="0" anchor="ctr"/>
+            <a:lstStyle/>
+            <a:p>
+              <a:pPr algn="ctr"/>
+              <a:r>
+                <a:rPr lang="en-US" altLang="zh-CN" sz="1400" dirty="0" smtClean="0"/>
+                <a:t>Lemmatizing</a:t>
+              </a:r>
+              <a:endParaRPr lang="zh-CN" altLang="en-US" sz="1400" dirty="0"/>
+            </a:p>
+          </p:txBody>
+        </p:sp>
+      </p:grpSp>
     </p:spTree>
   </p:cSld>
   <p:clrMapOvr>
